--- a/dewarp_test.pptx
+++ b/dewarp_test.pptx
@@ -247,7 +247,7 @@
           <a:p>
             <a:fld id="{FFA48334-CC2E-4E12-A8FB-B0EA3BD88E8D}" type="datetimeFigureOut">
               <a:rPr lang="ko-KR" altLang="en-US" smtClean="0"/>
-              <a:t>2019-05-16</a:t>
+              <a:t>2019-05-17</a:t>
             </a:fld>
             <a:endParaRPr lang="ko-KR" altLang="en-US"/>
           </a:p>
@@ -417,7 +417,7 @@
           <a:p>
             <a:fld id="{FFA48334-CC2E-4E12-A8FB-B0EA3BD88E8D}" type="datetimeFigureOut">
               <a:rPr lang="ko-KR" altLang="en-US" smtClean="0"/>
-              <a:t>2019-05-16</a:t>
+              <a:t>2019-05-17</a:t>
             </a:fld>
             <a:endParaRPr lang="ko-KR" altLang="en-US"/>
           </a:p>
@@ -597,7 +597,7 @@
           <a:p>
             <a:fld id="{FFA48334-CC2E-4E12-A8FB-B0EA3BD88E8D}" type="datetimeFigureOut">
               <a:rPr lang="ko-KR" altLang="en-US" smtClean="0"/>
-              <a:t>2019-05-16</a:t>
+              <a:t>2019-05-17</a:t>
             </a:fld>
             <a:endParaRPr lang="ko-KR" altLang="en-US"/>
           </a:p>
@@ -767,7 +767,7 @@
           <a:p>
             <a:fld id="{FFA48334-CC2E-4E12-A8FB-B0EA3BD88E8D}" type="datetimeFigureOut">
               <a:rPr lang="ko-KR" altLang="en-US" smtClean="0"/>
-              <a:t>2019-05-16</a:t>
+              <a:t>2019-05-17</a:t>
             </a:fld>
             <a:endParaRPr lang="ko-KR" altLang="en-US"/>
           </a:p>
@@ -1013,7 +1013,7 @@
           <a:p>
             <a:fld id="{FFA48334-CC2E-4E12-A8FB-B0EA3BD88E8D}" type="datetimeFigureOut">
               <a:rPr lang="ko-KR" altLang="en-US" smtClean="0"/>
-              <a:t>2019-05-16</a:t>
+              <a:t>2019-05-17</a:t>
             </a:fld>
             <a:endParaRPr lang="ko-KR" altLang="en-US"/>
           </a:p>
@@ -1245,7 +1245,7 @@
           <a:p>
             <a:fld id="{FFA48334-CC2E-4E12-A8FB-B0EA3BD88E8D}" type="datetimeFigureOut">
               <a:rPr lang="ko-KR" altLang="en-US" smtClean="0"/>
-              <a:t>2019-05-16</a:t>
+              <a:t>2019-05-17</a:t>
             </a:fld>
             <a:endParaRPr lang="ko-KR" altLang="en-US"/>
           </a:p>
@@ -1612,7 +1612,7 @@
           <a:p>
             <a:fld id="{FFA48334-CC2E-4E12-A8FB-B0EA3BD88E8D}" type="datetimeFigureOut">
               <a:rPr lang="ko-KR" altLang="en-US" smtClean="0"/>
-              <a:t>2019-05-16</a:t>
+              <a:t>2019-05-17</a:t>
             </a:fld>
             <a:endParaRPr lang="ko-KR" altLang="en-US"/>
           </a:p>
@@ -1730,7 +1730,7 @@
           <a:p>
             <a:fld id="{FFA48334-CC2E-4E12-A8FB-B0EA3BD88E8D}" type="datetimeFigureOut">
               <a:rPr lang="ko-KR" altLang="en-US" smtClean="0"/>
-              <a:t>2019-05-16</a:t>
+              <a:t>2019-05-17</a:t>
             </a:fld>
             <a:endParaRPr lang="ko-KR" altLang="en-US"/>
           </a:p>
@@ -1825,7 +1825,7 @@
           <a:p>
             <a:fld id="{FFA48334-CC2E-4E12-A8FB-B0EA3BD88E8D}" type="datetimeFigureOut">
               <a:rPr lang="ko-KR" altLang="en-US" smtClean="0"/>
-              <a:t>2019-05-16</a:t>
+              <a:t>2019-05-17</a:t>
             </a:fld>
             <a:endParaRPr lang="ko-KR" altLang="en-US"/>
           </a:p>
@@ -2102,7 +2102,7 @@
           <a:p>
             <a:fld id="{FFA48334-CC2E-4E12-A8FB-B0EA3BD88E8D}" type="datetimeFigureOut">
               <a:rPr lang="ko-KR" altLang="en-US" smtClean="0"/>
-              <a:t>2019-05-16</a:t>
+              <a:t>2019-05-17</a:t>
             </a:fld>
             <a:endParaRPr lang="ko-KR" altLang="en-US"/>
           </a:p>
@@ -2355,7 +2355,7 @@
           <a:p>
             <a:fld id="{FFA48334-CC2E-4E12-A8FB-B0EA3BD88E8D}" type="datetimeFigureOut">
               <a:rPr lang="ko-KR" altLang="en-US" smtClean="0"/>
-              <a:t>2019-05-16</a:t>
+              <a:t>2019-05-17</a:t>
             </a:fld>
             <a:endParaRPr lang="ko-KR" altLang="en-US"/>
           </a:p>
@@ -2568,7 +2568,7 @@
           <a:p>
             <a:fld id="{FFA48334-CC2E-4E12-A8FB-B0EA3BD88E8D}" type="datetimeFigureOut">
               <a:rPr lang="ko-KR" altLang="en-US" smtClean="0"/>
-              <a:t>2019-05-16</a:t>
+              <a:t>2019-05-17</a:t>
             </a:fld>
             <a:endParaRPr lang="ko-KR" altLang="en-US"/>
           </a:p>
@@ -3992,7 +3992,7 @@
         </p:blipFill>
         <p:spPr>
           <a:xfrm>
-            <a:off x="3316392" y="1825625"/>
+            <a:off x="3316392" y="1410689"/>
             <a:ext cx="1727947" cy="1520770"/>
           </a:xfrm>
           <a:prstGeom prst="rect">
@@ -4016,7 +4016,7 @@
         </p:blipFill>
         <p:spPr>
           <a:xfrm>
-            <a:off x="453465" y="1825625"/>
+            <a:off x="453465" y="1410689"/>
             <a:ext cx="1721192" cy="1514824"/>
           </a:xfrm>
           <a:prstGeom prst="rect">
@@ -4032,7 +4032,7 @@
         </p:nvSpPr>
         <p:spPr>
           <a:xfrm>
-            <a:off x="2355639" y="2264805"/>
+            <a:off x="2355639" y="1849869"/>
             <a:ext cx="890177" cy="246221"/>
           </a:xfrm>
           <a:prstGeom prst="rect">
@@ -4062,7 +4062,7 @@
         </p:nvCxnSpPr>
         <p:spPr>
           <a:xfrm>
-            <a:off x="2428307" y="2585754"/>
+            <a:off x="2428307" y="2170818"/>
             <a:ext cx="720620" cy="0"/>
           </a:xfrm>
           <a:prstGeom prst="straightConnector1">
@@ -4095,7 +4095,7 @@
         </p:nvSpPr>
         <p:spPr>
           <a:xfrm>
-            <a:off x="5211804" y="2264805"/>
+            <a:off x="5211804" y="1849869"/>
             <a:ext cx="890177" cy="246221"/>
           </a:xfrm>
           <a:prstGeom prst="rect">
@@ -4125,7 +4125,7 @@
         </p:nvCxnSpPr>
         <p:spPr>
           <a:xfrm>
-            <a:off x="5284472" y="2585754"/>
+            <a:off x="5284472" y="2170818"/>
             <a:ext cx="720620" cy="0"/>
           </a:xfrm>
           <a:prstGeom prst="straightConnector1">
@@ -4166,7 +4166,7 @@
         </p:blipFill>
         <p:spPr>
           <a:xfrm>
-            <a:off x="6186074" y="1825625"/>
+            <a:off x="6186074" y="1410689"/>
             <a:ext cx="1728633" cy="1521373"/>
           </a:xfrm>
           <a:prstGeom prst="rect">
@@ -4182,7 +4182,7 @@
         </p:nvSpPr>
         <p:spPr>
           <a:xfrm>
-            <a:off x="532895" y="3506209"/>
+            <a:off x="532895" y="3091273"/>
             <a:ext cx="7581648" cy="646331"/>
           </a:xfrm>
           <a:prstGeom prst="rect">
@@ -4215,13 +4215,73 @@
           </a:p>
           <a:p>
             <a:r>
+              <a:rPr lang="en-US" altLang="ko-KR" dirty="0" smtClean="0"/>
+              <a:t>(</a:t>
+            </a:r>
+            <a:r>
               <a:rPr lang="ko-KR" altLang="en-US" dirty="0" smtClean="0"/>
-              <a:t>해당 영역별로 </a:t>
+              <a:t>해당 영역별로</a:t>
+            </a:r>
+            <a:r>
+              <a:rPr lang="en-US" altLang="ko-KR" dirty="0" smtClean="0"/>
+              <a:t>)</a:t>
+            </a:r>
+            <a:r>
+              <a:rPr lang="ko-KR" altLang="en-US" dirty="0" smtClean="0"/>
+              <a:t> </a:t>
             </a:r>
             <a:endParaRPr lang="ko-KR" altLang="en-US" dirty="0"/>
           </a:p>
         </p:txBody>
       </p:sp>
+      <p:pic>
+        <p:nvPicPr>
+          <p:cNvPr id="3" name="그림 2"/>
+          <p:cNvPicPr>
+            <a:picLocks noChangeAspect="1"/>
+          </p:cNvPicPr>
+          <p:nvPr/>
+        </p:nvPicPr>
+        <p:blipFill>
+          <a:blip r:embed="rId5"/>
+          <a:stretch>
+            <a:fillRect/>
+          </a:stretch>
+        </p:blipFill>
+        <p:spPr>
+          <a:xfrm>
+            <a:off x="453465" y="3845967"/>
+            <a:ext cx="3724275" cy="1581150"/>
+          </a:xfrm>
+          <a:prstGeom prst="rect">
+            <a:avLst/>
+          </a:prstGeom>
+        </p:spPr>
+      </p:pic>
+      <p:pic>
+        <p:nvPicPr>
+          <p:cNvPr id="4" name="그림 3"/>
+          <p:cNvPicPr>
+            <a:picLocks noChangeAspect="1"/>
+          </p:cNvPicPr>
+          <p:nvPr/>
+        </p:nvPicPr>
+        <p:blipFill>
+          <a:blip r:embed="rId6"/>
+          <a:stretch>
+            <a:fillRect/>
+          </a:stretch>
+        </p:blipFill>
+        <p:spPr>
+          <a:xfrm>
+            <a:off x="453464" y="5526152"/>
+            <a:ext cx="3724275" cy="1228725"/>
+          </a:xfrm>
+          <a:prstGeom prst="rect">
+            <a:avLst/>
+          </a:prstGeom>
+        </p:spPr>
+      </p:pic>
     </p:spTree>
     <p:extLst>
       <p:ext uri="{BB962C8B-B14F-4D97-AF65-F5344CB8AC3E}">

--- a/dewarp_test.pptx
+++ b/dewarp_test.pptx
@@ -4282,6 +4282,62 @@
           </a:prstGeom>
         </p:spPr>
       </p:pic>
+      <p:sp>
+        <p:nvSpPr>
+          <p:cNvPr id="8" name="TextBox 7"/>
+          <p:cNvSpPr txBox="1"/>
+          <p:nvPr/>
+        </p:nvSpPr>
+        <p:spPr>
+          <a:xfrm>
+            <a:off x="4687261" y="3845967"/>
+            <a:ext cx="6347011" cy="923330"/>
+          </a:xfrm>
+          <a:prstGeom prst="rect">
+            <a:avLst/>
+          </a:prstGeom>
+          <a:noFill/>
+        </p:spPr>
+        <p:txBody>
+          <a:bodyPr wrap="square" rtlCol="0">
+            <a:spAutoFit/>
+          </a:bodyPr>
+          <a:lstStyle/>
+          <a:p>
+            <a:r>
+              <a:rPr lang="ko-KR" altLang="en-US" dirty="0" smtClean="0"/>
+              <a:t>왼편에 위 그림 같은 경우는 제외시키고 아래 경우는 </a:t>
+            </a:r>
+            <a:r>
+              <a:rPr lang="en-US" altLang="ko-KR" dirty="0" smtClean="0"/>
+              <a:t>OK</a:t>
+            </a:r>
+            <a:r>
+              <a:rPr lang="ko-KR" altLang="en-US" dirty="0" smtClean="0"/>
+              <a:t>해야 한다</a:t>
+            </a:r>
+            <a:r>
+              <a:rPr lang="en-US" altLang="ko-KR" dirty="0" smtClean="0"/>
+              <a:t>. </a:t>
+            </a:r>
+            <a:r>
+              <a:rPr lang="ko-KR" altLang="en-US" dirty="0" smtClean="0"/>
+              <a:t>직선을 이루는 점들의 연결성을 체크해보면 어떨까</a:t>
+            </a:r>
+            <a:r>
+              <a:rPr lang="en-US" altLang="ko-KR" dirty="0" smtClean="0"/>
+              <a:t>?</a:t>
+            </a:r>
+          </a:p>
+          <a:p>
+            <a:r>
+              <a:rPr lang="en-US" altLang="ko-KR" dirty="0" smtClean="0"/>
+              <a:t> </a:t>
+            </a:r>
+            <a:endParaRPr lang="ko-KR" altLang="en-US" dirty="0"/>
+          </a:p>
+        </p:txBody>
+      </p:sp>
     </p:spTree>
     <p:extLst>
       <p:ext uri="{BB962C8B-B14F-4D97-AF65-F5344CB8AC3E}">

--- a/dewarp_test.pptx
+++ b/dewarp_test.pptx
@@ -10,6 +10,7 @@
     <p:sldId id="258" r:id="rId4"/>
     <p:sldId id="259" r:id="rId5"/>
     <p:sldId id="260" r:id="rId6"/>
+    <p:sldId id="261" r:id="rId7"/>
   </p:sldIdLst>
   <p:sldSz cx="12192000" cy="6858000"/>
   <p:notesSz cx="6858000" cy="9144000"/>
@@ -247,7 +248,7 @@
           <a:p>
             <a:fld id="{FFA48334-CC2E-4E12-A8FB-B0EA3BD88E8D}" type="datetimeFigureOut">
               <a:rPr lang="ko-KR" altLang="en-US" smtClean="0"/>
-              <a:t>2019-05-17</a:t>
+              <a:t>2019-05-20</a:t>
             </a:fld>
             <a:endParaRPr lang="ko-KR" altLang="en-US"/>
           </a:p>
@@ -417,7 +418,7 @@
           <a:p>
             <a:fld id="{FFA48334-CC2E-4E12-A8FB-B0EA3BD88E8D}" type="datetimeFigureOut">
               <a:rPr lang="ko-KR" altLang="en-US" smtClean="0"/>
-              <a:t>2019-05-17</a:t>
+              <a:t>2019-05-20</a:t>
             </a:fld>
             <a:endParaRPr lang="ko-KR" altLang="en-US"/>
           </a:p>
@@ -597,7 +598,7 @@
           <a:p>
             <a:fld id="{FFA48334-CC2E-4E12-A8FB-B0EA3BD88E8D}" type="datetimeFigureOut">
               <a:rPr lang="ko-KR" altLang="en-US" smtClean="0"/>
-              <a:t>2019-05-17</a:t>
+              <a:t>2019-05-20</a:t>
             </a:fld>
             <a:endParaRPr lang="ko-KR" altLang="en-US"/>
           </a:p>
@@ -767,7 +768,7 @@
           <a:p>
             <a:fld id="{FFA48334-CC2E-4E12-A8FB-B0EA3BD88E8D}" type="datetimeFigureOut">
               <a:rPr lang="ko-KR" altLang="en-US" smtClean="0"/>
-              <a:t>2019-05-17</a:t>
+              <a:t>2019-05-20</a:t>
             </a:fld>
             <a:endParaRPr lang="ko-KR" altLang="en-US"/>
           </a:p>
@@ -1013,7 +1014,7 @@
           <a:p>
             <a:fld id="{FFA48334-CC2E-4E12-A8FB-B0EA3BD88E8D}" type="datetimeFigureOut">
               <a:rPr lang="ko-KR" altLang="en-US" smtClean="0"/>
-              <a:t>2019-05-17</a:t>
+              <a:t>2019-05-20</a:t>
             </a:fld>
             <a:endParaRPr lang="ko-KR" altLang="en-US"/>
           </a:p>
@@ -1245,7 +1246,7 @@
           <a:p>
             <a:fld id="{FFA48334-CC2E-4E12-A8FB-B0EA3BD88E8D}" type="datetimeFigureOut">
               <a:rPr lang="ko-KR" altLang="en-US" smtClean="0"/>
-              <a:t>2019-05-17</a:t>
+              <a:t>2019-05-20</a:t>
             </a:fld>
             <a:endParaRPr lang="ko-KR" altLang="en-US"/>
           </a:p>
@@ -1612,7 +1613,7 @@
           <a:p>
             <a:fld id="{FFA48334-CC2E-4E12-A8FB-B0EA3BD88E8D}" type="datetimeFigureOut">
               <a:rPr lang="ko-KR" altLang="en-US" smtClean="0"/>
-              <a:t>2019-05-17</a:t>
+              <a:t>2019-05-20</a:t>
             </a:fld>
             <a:endParaRPr lang="ko-KR" altLang="en-US"/>
           </a:p>
@@ -1730,7 +1731,7 @@
           <a:p>
             <a:fld id="{FFA48334-CC2E-4E12-A8FB-B0EA3BD88E8D}" type="datetimeFigureOut">
               <a:rPr lang="ko-KR" altLang="en-US" smtClean="0"/>
-              <a:t>2019-05-17</a:t>
+              <a:t>2019-05-20</a:t>
             </a:fld>
             <a:endParaRPr lang="ko-KR" altLang="en-US"/>
           </a:p>
@@ -1825,7 +1826,7 @@
           <a:p>
             <a:fld id="{FFA48334-CC2E-4E12-A8FB-B0EA3BD88E8D}" type="datetimeFigureOut">
               <a:rPr lang="ko-KR" altLang="en-US" smtClean="0"/>
-              <a:t>2019-05-17</a:t>
+              <a:t>2019-05-20</a:t>
             </a:fld>
             <a:endParaRPr lang="ko-KR" altLang="en-US"/>
           </a:p>
@@ -2102,7 +2103,7 @@
           <a:p>
             <a:fld id="{FFA48334-CC2E-4E12-A8FB-B0EA3BD88E8D}" type="datetimeFigureOut">
               <a:rPr lang="ko-KR" altLang="en-US" smtClean="0"/>
-              <a:t>2019-05-17</a:t>
+              <a:t>2019-05-20</a:t>
             </a:fld>
             <a:endParaRPr lang="ko-KR" altLang="en-US"/>
           </a:p>
@@ -2355,7 +2356,7 @@
           <a:p>
             <a:fld id="{FFA48334-CC2E-4E12-A8FB-B0EA3BD88E8D}" type="datetimeFigureOut">
               <a:rPr lang="ko-KR" altLang="en-US" smtClean="0"/>
-              <a:t>2019-05-17</a:t>
+              <a:t>2019-05-20</a:t>
             </a:fld>
             <a:endParaRPr lang="ko-KR" altLang="en-US"/>
           </a:p>
@@ -2568,7 +2569,7 @@
           <a:p>
             <a:fld id="{FFA48334-CC2E-4E12-A8FB-B0EA3BD88E8D}" type="datetimeFigureOut">
               <a:rPr lang="ko-KR" altLang="en-US" smtClean="0"/>
-              <a:t>2019-05-17</a:t>
+              <a:t>2019-05-20</a:t>
             </a:fld>
             <a:endParaRPr lang="ko-KR" altLang="en-US"/>
           </a:p>
@@ -4351,6 +4352,105 @@
 </p:sld>
 </file>
 
+<file path=ppt/slides/slide6.xml><?xml version="1.0" encoding="utf-8"?>
+<p:sld xmlns:a="http://schemas.openxmlformats.org/drawingml/2006/main" xmlns:r="http://schemas.openxmlformats.org/officeDocument/2006/relationships" xmlns:p="http://schemas.openxmlformats.org/presentationml/2006/main">
+  <p:cSld>
+    <p:spTree>
+      <p:nvGrpSpPr>
+        <p:cNvPr id="1" name=""/>
+        <p:cNvGrpSpPr/>
+        <p:nvPr/>
+      </p:nvGrpSpPr>
+      <p:grpSpPr>
+        <a:xfrm>
+          <a:off x="0" y="0"/>
+          <a:ext cx="0" cy="0"/>
+          <a:chOff x="0" y="0"/>
+          <a:chExt cx="0" cy="0"/>
+        </a:xfrm>
+      </p:grpSpPr>
+      <p:sp>
+        <p:nvSpPr>
+          <p:cNvPr id="2" name="제목 1"/>
+          <p:cNvSpPr>
+            <a:spLocks noGrp="1"/>
+          </p:cNvSpPr>
+          <p:nvPr>
+            <p:ph type="title"/>
+          </p:nvPr>
+        </p:nvSpPr>
+        <p:spPr/>
+        <p:txBody>
+          <a:bodyPr/>
+          <a:lstStyle/>
+          <a:p>
+            <a:endParaRPr lang="ko-KR" altLang="en-US"/>
+          </a:p>
+        </p:txBody>
+      </p:sp>
+      <p:pic>
+        <p:nvPicPr>
+          <p:cNvPr id="9" name="내용 개체 틀 8"/>
+          <p:cNvPicPr>
+            <a:picLocks noGrp="1" noChangeAspect="1"/>
+          </p:cNvPicPr>
+          <p:nvPr>
+            <p:ph idx="1"/>
+          </p:nvPr>
+        </p:nvPicPr>
+        <p:blipFill>
+          <a:blip r:embed="rId2"/>
+          <a:stretch>
+            <a:fillRect/>
+          </a:stretch>
+        </p:blipFill>
+        <p:spPr>
+          <a:xfrm>
+            <a:off x="838200" y="1690688"/>
+            <a:ext cx="5193766" cy="2005777"/>
+          </a:xfrm>
+          <a:prstGeom prst="rect">
+            <a:avLst/>
+          </a:prstGeom>
+        </p:spPr>
+      </p:pic>
+      <p:pic>
+        <p:nvPicPr>
+          <p:cNvPr id="10" name="그림 9"/>
+          <p:cNvPicPr>
+            <a:picLocks noChangeAspect="1"/>
+          </p:cNvPicPr>
+          <p:nvPr/>
+        </p:nvPicPr>
+        <p:blipFill>
+          <a:blip r:embed="rId3"/>
+          <a:stretch>
+            <a:fillRect/>
+          </a:stretch>
+        </p:blipFill>
+        <p:spPr>
+          <a:xfrm>
+            <a:off x="838200" y="3989974"/>
+            <a:ext cx="5183180" cy="1604002"/>
+          </a:xfrm>
+          <a:prstGeom prst="rect">
+            <a:avLst/>
+          </a:prstGeom>
+        </p:spPr>
+      </p:pic>
+    </p:spTree>
+    <p:extLst>
+      <p:ext uri="{BB962C8B-B14F-4D97-AF65-F5344CB8AC3E}">
+        <p14:creationId xmlns:p14="http://schemas.microsoft.com/office/powerpoint/2010/main" val="274091329"/>
+      </p:ext>
+    </p:extLst>
+  </p:cSld>
+  <p:clrMapOvr>
+    <a:masterClrMapping/>
+  </p:clrMapOvr>
+</p:sld>
+</file>
+
 <file path=ppt/theme/theme1.xml><?xml version="1.0" encoding="utf-8"?>
 <a:theme xmlns:a="http://schemas.openxmlformats.org/drawingml/2006/main" name="Office 테마">
   <a:themeElements>

--- a/dewarp_test.pptx
+++ b/dewarp_test.pptx
@@ -11,6 +11,7 @@
     <p:sldId id="259" r:id="rId5"/>
     <p:sldId id="260" r:id="rId6"/>
     <p:sldId id="261" r:id="rId7"/>
+    <p:sldId id="262" r:id="rId8"/>
   </p:sldIdLst>
   <p:sldSz cx="12192000" cy="6858000"/>
   <p:notesSz cx="6858000" cy="9144000"/>
@@ -248,7 +249,7 @@
           <a:p>
             <a:fld id="{FFA48334-CC2E-4E12-A8FB-B0EA3BD88E8D}" type="datetimeFigureOut">
               <a:rPr lang="ko-KR" altLang="en-US" smtClean="0"/>
-              <a:t>2019-05-20</a:t>
+              <a:t>2019-05-27</a:t>
             </a:fld>
             <a:endParaRPr lang="ko-KR" altLang="en-US"/>
           </a:p>
@@ -418,7 +419,7 @@
           <a:p>
             <a:fld id="{FFA48334-CC2E-4E12-A8FB-B0EA3BD88E8D}" type="datetimeFigureOut">
               <a:rPr lang="ko-KR" altLang="en-US" smtClean="0"/>
-              <a:t>2019-05-20</a:t>
+              <a:t>2019-05-27</a:t>
             </a:fld>
             <a:endParaRPr lang="ko-KR" altLang="en-US"/>
           </a:p>
@@ -598,7 +599,7 @@
           <a:p>
             <a:fld id="{FFA48334-CC2E-4E12-A8FB-B0EA3BD88E8D}" type="datetimeFigureOut">
               <a:rPr lang="ko-KR" altLang="en-US" smtClean="0"/>
-              <a:t>2019-05-20</a:t>
+              <a:t>2019-05-27</a:t>
             </a:fld>
             <a:endParaRPr lang="ko-KR" altLang="en-US"/>
           </a:p>
@@ -768,7 +769,7 @@
           <a:p>
             <a:fld id="{FFA48334-CC2E-4E12-A8FB-B0EA3BD88E8D}" type="datetimeFigureOut">
               <a:rPr lang="ko-KR" altLang="en-US" smtClean="0"/>
-              <a:t>2019-05-20</a:t>
+              <a:t>2019-05-27</a:t>
             </a:fld>
             <a:endParaRPr lang="ko-KR" altLang="en-US"/>
           </a:p>
@@ -1014,7 +1015,7 @@
           <a:p>
             <a:fld id="{FFA48334-CC2E-4E12-A8FB-B0EA3BD88E8D}" type="datetimeFigureOut">
               <a:rPr lang="ko-KR" altLang="en-US" smtClean="0"/>
-              <a:t>2019-05-20</a:t>
+              <a:t>2019-05-27</a:t>
             </a:fld>
             <a:endParaRPr lang="ko-KR" altLang="en-US"/>
           </a:p>
@@ -1246,7 +1247,7 @@
           <a:p>
             <a:fld id="{FFA48334-CC2E-4E12-A8FB-B0EA3BD88E8D}" type="datetimeFigureOut">
               <a:rPr lang="ko-KR" altLang="en-US" smtClean="0"/>
-              <a:t>2019-05-20</a:t>
+              <a:t>2019-05-27</a:t>
             </a:fld>
             <a:endParaRPr lang="ko-KR" altLang="en-US"/>
           </a:p>
@@ -1613,7 +1614,7 @@
           <a:p>
             <a:fld id="{FFA48334-CC2E-4E12-A8FB-B0EA3BD88E8D}" type="datetimeFigureOut">
               <a:rPr lang="ko-KR" altLang="en-US" smtClean="0"/>
-              <a:t>2019-05-20</a:t>
+              <a:t>2019-05-27</a:t>
             </a:fld>
             <a:endParaRPr lang="ko-KR" altLang="en-US"/>
           </a:p>
@@ -1731,7 +1732,7 @@
           <a:p>
             <a:fld id="{FFA48334-CC2E-4E12-A8FB-B0EA3BD88E8D}" type="datetimeFigureOut">
               <a:rPr lang="ko-KR" altLang="en-US" smtClean="0"/>
-              <a:t>2019-05-20</a:t>
+              <a:t>2019-05-27</a:t>
             </a:fld>
             <a:endParaRPr lang="ko-KR" altLang="en-US"/>
           </a:p>
@@ -1826,7 +1827,7 @@
           <a:p>
             <a:fld id="{FFA48334-CC2E-4E12-A8FB-B0EA3BD88E8D}" type="datetimeFigureOut">
               <a:rPr lang="ko-KR" altLang="en-US" smtClean="0"/>
-              <a:t>2019-05-20</a:t>
+              <a:t>2019-05-27</a:t>
             </a:fld>
             <a:endParaRPr lang="ko-KR" altLang="en-US"/>
           </a:p>
@@ -2103,7 +2104,7 @@
           <a:p>
             <a:fld id="{FFA48334-CC2E-4E12-A8FB-B0EA3BD88E8D}" type="datetimeFigureOut">
               <a:rPr lang="ko-KR" altLang="en-US" smtClean="0"/>
-              <a:t>2019-05-20</a:t>
+              <a:t>2019-05-27</a:t>
             </a:fld>
             <a:endParaRPr lang="ko-KR" altLang="en-US"/>
           </a:p>
@@ -2356,7 +2357,7 @@
           <a:p>
             <a:fld id="{FFA48334-CC2E-4E12-A8FB-B0EA3BD88E8D}" type="datetimeFigureOut">
               <a:rPr lang="ko-KR" altLang="en-US" smtClean="0"/>
-              <a:t>2019-05-20</a:t>
+              <a:t>2019-05-27</a:t>
             </a:fld>
             <a:endParaRPr lang="ko-KR" altLang="en-US"/>
           </a:p>
@@ -2569,7 +2570,7 @@
           <a:p>
             <a:fld id="{FFA48334-CC2E-4E12-A8FB-B0EA3BD88E8D}" type="datetimeFigureOut">
               <a:rPr lang="ko-KR" altLang="en-US" smtClean="0"/>
-              <a:t>2019-05-20</a:t>
+              <a:t>2019-05-27</a:t>
             </a:fld>
             <a:endParaRPr lang="ko-KR" altLang="en-US"/>
           </a:p>
@@ -4451,6 +4452,249 @@
 </p:sld>
 </file>
 
+<file path=ppt/slides/slide7.xml><?xml version="1.0" encoding="utf-8"?>
+<p:sld xmlns:a="http://schemas.openxmlformats.org/drawingml/2006/main" xmlns:r="http://schemas.openxmlformats.org/officeDocument/2006/relationships" xmlns:p="http://schemas.openxmlformats.org/presentationml/2006/main">
+  <p:cSld>
+    <p:spTree>
+      <p:nvGrpSpPr>
+        <p:cNvPr id="1" name=""/>
+        <p:cNvGrpSpPr/>
+        <p:nvPr/>
+      </p:nvGrpSpPr>
+      <p:grpSpPr>
+        <a:xfrm>
+          <a:off x="0" y="0"/>
+          <a:ext cx="0" cy="0"/>
+          <a:chOff x="0" y="0"/>
+          <a:chExt cx="0" cy="0"/>
+        </a:xfrm>
+      </p:grpSpPr>
+      <p:sp>
+        <p:nvSpPr>
+          <p:cNvPr id="2" name="제목 1"/>
+          <p:cNvSpPr>
+            <a:spLocks noGrp="1"/>
+          </p:cNvSpPr>
+          <p:nvPr>
+            <p:ph type="title"/>
+          </p:nvPr>
+        </p:nvSpPr>
+        <p:spPr/>
+        <p:txBody>
+          <a:bodyPr/>
+          <a:lstStyle/>
+          <a:p>
+            <a:endParaRPr lang="ko-KR" altLang="en-US"/>
+          </a:p>
+        </p:txBody>
+      </p:sp>
+      <p:pic>
+        <p:nvPicPr>
+          <p:cNvPr id="7" name="내용 개체 틀 6"/>
+          <p:cNvPicPr>
+            <a:picLocks noGrp="1" noChangeAspect="1"/>
+          </p:cNvPicPr>
+          <p:nvPr>
+            <p:ph idx="1"/>
+          </p:nvPr>
+        </p:nvPicPr>
+        <p:blipFill>
+          <a:blip r:embed="rId2"/>
+          <a:stretch>
+            <a:fillRect/>
+          </a:stretch>
+        </p:blipFill>
+        <p:spPr>
+          <a:xfrm>
+            <a:off x="2375729" y="1825625"/>
+            <a:ext cx="2028027" cy="1595825"/>
+          </a:xfrm>
+          <a:prstGeom prst="rect">
+            <a:avLst/>
+          </a:prstGeom>
+        </p:spPr>
+      </p:pic>
+      <p:pic>
+        <p:nvPicPr>
+          <p:cNvPr id="4" name="그림 3"/>
+          <p:cNvPicPr>
+            <a:picLocks noChangeAspect="1"/>
+          </p:cNvPicPr>
+          <p:nvPr/>
+        </p:nvPicPr>
+        <p:blipFill>
+          <a:blip r:embed="rId3"/>
+          <a:stretch>
+            <a:fillRect/>
+          </a:stretch>
+        </p:blipFill>
+        <p:spPr>
+          <a:xfrm>
+            <a:off x="137960" y="1825625"/>
+            <a:ext cx="2041972" cy="1595496"/>
+          </a:xfrm>
+          <a:prstGeom prst="rect">
+            <a:avLst/>
+          </a:prstGeom>
+        </p:spPr>
+      </p:pic>
+      <p:pic>
+        <p:nvPicPr>
+          <p:cNvPr id="5" name="그림 4"/>
+          <p:cNvPicPr>
+            <a:picLocks noChangeAspect="1"/>
+          </p:cNvPicPr>
+          <p:nvPr/>
+        </p:nvPicPr>
+        <p:blipFill>
+          <a:blip r:embed="rId4"/>
+          <a:stretch>
+            <a:fillRect/>
+          </a:stretch>
+        </p:blipFill>
+        <p:spPr>
+          <a:xfrm>
+            <a:off x="137958" y="3421121"/>
+            <a:ext cx="2041972" cy="1595496"/>
+          </a:xfrm>
+          <a:prstGeom prst="rect">
+            <a:avLst/>
+          </a:prstGeom>
+        </p:spPr>
+      </p:pic>
+      <p:pic>
+        <p:nvPicPr>
+          <p:cNvPr id="8" name="그림 7"/>
+          <p:cNvPicPr>
+            <a:picLocks noChangeAspect="1"/>
+          </p:cNvPicPr>
+          <p:nvPr/>
+        </p:nvPicPr>
+        <p:blipFill>
+          <a:blip r:embed="rId5"/>
+          <a:stretch>
+            <a:fillRect/>
+          </a:stretch>
+        </p:blipFill>
+        <p:spPr>
+          <a:xfrm>
+            <a:off x="2375727" y="3421121"/>
+            <a:ext cx="2028027" cy="1595825"/>
+          </a:xfrm>
+          <a:prstGeom prst="rect">
+            <a:avLst/>
+          </a:prstGeom>
+        </p:spPr>
+      </p:pic>
+      <p:pic>
+        <p:nvPicPr>
+          <p:cNvPr id="11" name="그림 10"/>
+          <p:cNvPicPr>
+            <a:picLocks noChangeAspect="1"/>
+          </p:cNvPicPr>
+          <p:nvPr/>
+        </p:nvPicPr>
+        <p:blipFill>
+          <a:blip r:embed="rId6"/>
+          <a:stretch>
+            <a:fillRect/>
+          </a:stretch>
+        </p:blipFill>
+        <p:spPr>
+          <a:xfrm>
+            <a:off x="4541939" y="1825625"/>
+            <a:ext cx="2115803" cy="1605092"/>
+          </a:xfrm>
+          <a:prstGeom prst="rect">
+            <a:avLst/>
+          </a:prstGeom>
+        </p:spPr>
+      </p:pic>
+      <p:pic>
+        <p:nvPicPr>
+          <p:cNvPr id="12" name="그림 11"/>
+          <p:cNvPicPr>
+            <a:picLocks noChangeAspect="1"/>
+          </p:cNvPicPr>
+          <p:nvPr/>
+        </p:nvPicPr>
+        <p:blipFill>
+          <a:blip r:embed="rId7"/>
+          <a:stretch>
+            <a:fillRect/>
+          </a:stretch>
+        </p:blipFill>
+        <p:spPr>
+          <a:xfrm>
+            <a:off x="4541937" y="3411196"/>
+            <a:ext cx="2115803" cy="1605092"/>
+          </a:xfrm>
+          <a:prstGeom prst="rect">
+            <a:avLst/>
+          </a:prstGeom>
+        </p:spPr>
+      </p:pic>
+      <p:pic>
+        <p:nvPicPr>
+          <p:cNvPr id="17" name="그림 16"/>
+          <p:cNvPicPr>
+            <a:picLocks noChangeAspect="1"/>
+          </p:cNvPicPr>
+          <p:nvPr/>
+        </p:nvPicPr>
+        <p:blipFill>
+          <a:blip r:embed="rId8"/>
+          <a:stretch>
+            <a:fillRect/>
+          </a:stretch>
+        </p:blipFill>
+        <p:spPr>
+          <a:xfrm>
+            <a:off x="6795921" y="1825625"/>
+            <a:ext cx="1967484" cy="1581014"/>
+          </a:xfrm>
+          <a:prstGeom prst="rect">
+            <a:avLst/>
+          </a:prstGeom>
+        </p:spPr>
+      </p:pic>
+      <p:pic>
+        <p:nvPicPr>
+          <p:cNvPr id="18" name="그림 17"/>
+          <p:cNvPicPr>
+            <a:picLocks noChangeAspect="1"/>
+          </p:cNvPicPr>
+          <p:nvPr/>
+        </p:nvPicPr>
+        <p:blipFill>
+          <a:blip r:embed="rId9"/>
+          <a:stretch>
+            <a:fillRect/>
+          </a:stretch>
+        </p:blipFill>
+        <p:spPr>
+          <a:xfrm>
+            <a:off x="6795921" y="3400918"/>
+            <a:ext cx="1967484" cy="1581014"/>
+          </a:xfrm>
+          <a:prstGeom prst="rect">
+            <a:avLst/>
+          </a:prstGeom>
+        </p:spPr>
+      </p:pic>
+    </p:spTree>
+    <p:extLst>
+      <p:ext uri="{BB962C8B-B14F-4D97-AF65-F5344CB8AC3E}">
+        <p14:creationId xmlns:p14="http://schemas.microsoft.com/office/powerpoint/2010/main" val="185557398"/>
+      </p:ext>
+    </p:extLst>
+  </p:cSld>
+  <p:clrMapOvr>
+    <a:masterClrMapping/>
+  </p:clrMapOvr>
+</p:sld>
+</file>
+
 <file path=ppt/theme/theme1.xml><?xml version="1.0" encoding="utf-8"?>
 <a:theme xmlns:a="http://schemas.openxmlformats.org/drawingml/2006/main" name="Office 테마">
   <a:themeElements>

--- a/dewarp_test.pptx
+++ b/dewarp_test.pptx
@@ -12,6 +12,7 @@
     <p:sldId id="260" r:id="rId6"/>
     <p:sldId id="261" r:id="rId7"/>
     <p:sldId id="262" r:id="rId8"/>
+    <p:sldId id="263" r:id="rId9"/>
   </p:sldIdLst>
   <p:sldSz cx="12192000" cy="6858000"/>
   <p:notesSz cx="6858000" cy="9144000"/>
@@ -249,7 +250,7 @@
           <a:p>
             <a:fld id="{FFA48334-CC2E-4E12-A8FB-B0EA3BD88E8D}" type="datetimeFigureOut">
               <a:rPr lang="ko-KR" altLang="en-US" smtClean="0"/>
-              <a:t>2019-05-27</a:t>
+              <a:t>2019-05-31</a:t>
             </a:fld>
             <a:endParaRPr lang="ko-KR" altLang="en-US"/>
           </a:p>
@@ -419,7 +420,7 @@
           <a:p>
             <a:fld id="{FFA48334-CC2E-4E12-A8FB-B0EA3BD88E8D}" type="datetimeFigureOut">
               <a:rPr lang="ko-KR" altLang="en-US" smtClean="0"/>
-              <a:t>2019-05-27</a:t>
+              <a:t>2019-05-31</a:t>
             </a:fld>
             <a:endParaRPr lang="ko-KR" altLang="en-US"/>
           </a:p>
@@ -599,7 +600,7 @@
           <a:p>
             <a:fld id="{FFA48334-CC2E-4E12-A8FB-B0EA3BD88E8D}" type="datetimeFigureOut">
               <a:rPr lang="ko-KR" altLang="en-US" smtClean="0"/>
-              <a:t>2019-05-27</a:t>
+              <a:t>2019-05-31</a:t>
             </a:fld>
             <a:endParaRPr lang="ko-KR" altLang="en-US"/>
           </a:p>
@@ -769,7 +770,7 @@
           <a:p>
             <a:fld id="{FFA48334-CC2E-4E12-A8FB-B0EA3BD88E8D}" type="datetimeFigureOut">
               <a:rPr lang="ko-KR" altLang="en-US" smtClean="0"/>
-              <a:t>2019-05-27</a:t>
+              <a:t>2019-05-31</a:t>
             </a:fld>
             <a:endParaRPr lang="ko-KR" altLang="en-US"/>
           </a:p>
@@ -1015,7 +1016,7 @@
           <a:p>
             <a:fld id="{FFA48334-CC2E-4E12-A8FB-B0EA3BD88E8D}" type="datetimeFigureOut">
               <a:rPr lang="ko-KR" altLang="en-US" smtClean="0"/>
-              <a:t>2019-05-27</a:t>
+              <a:t>2019-05-31</a:t>
             </a:fld>
             <a:endParaRPr lang="ko-KR" altLang="en-US"/>
           </a:p>
@@ -1247,7 +1248,7 @@
           <a:p>
             <a:fld id="{FFA48334-CC2E-4E12-A8FB-B0EA3BD88E8D}" type="datetimeFigureOut">
               <a:rPr lang="ko-KR" altLang="en-US" smtClean="0"/>
-              <a:t>2019-05-27</a:t>
+              <a:t>2019-05-31</a:t>
             </a:fld>
             <a:endParaRPr lang="ko-KR" altLang="en-US"/>
           </a:p>
@@ -1614,7 +1615,7 @@
           <a:p>
             <a:fld id="{FFA48334-CC2E-4E12-A8FB-B0EA3BD88E8D}" type="datetimeFigureOut">
               <a:rPr lang="ko-KR" altLang="en-US" smtClean="0"/>
-              <a:t>2019-05-27</a:t>
+              <a:t>2019-05-31</a:t>
             </a:fld>
             <a:endParaRPr lang="ko-KR" altLang="en-US"/>
           </a:p>
@@ -1732,7 +1733,7 @@
           <a:p>
             <a:fld id="{FFA48334-CC2E-4E12-A8FB-B0EA3BD88E8D}" type="datetimeFigureOut">
               <a:rPr lang="ko-KR" altLang="en-US" smtClean="0"/>
-              <a:t>2019-05-27</a:t>
+              <a:t>2019-05-31</a:t>
             </a:fld>
             <a:endParaRPr lang="ko-KR" altLang="en-US"/>
           </a:p>
@@ -1827,7 +1828,7 @@
           <a:p>
             <a:fld id="{FFA48334-CC2E-4E12-A8FB-B0EA3BD88E8D}" type="datetimeFigureOut">
               <a:rPr lang="ko-KR" altLang="en-US" smtClean="0"/>
-              <a:t>2019-05-27</a:t>
+              <a:t>2019-05-31</a:t>
             </a:fld>
             <a:endParaRPr lang="ko-KR" altLang="en-US"/>
           </a:p>
@@ -2104,7 +2105,7 @@
           <a:p>
             <a:fld id="{FFA48334-CC2E-4E12-A8FB-B0EA3BD88E8D}" type="datetimeFigureOut">
               <a:rPr lang="ko-KR" altLang="en-US" smtClean="0"/>
-              <a:t>2019-05-27</a:t>
+              <a:t>2019-05-31</a:t>
             </a:fld>
             <a:endParaRPr lang="ko-KR" altLang="en-US"/>
           </a:p>
@@ -2357,7 +2358,7 @@
           <a:p>
             <a:fld id="{FFA48334-CC2E-4E12-A8FB-B0EA3BD88E8D}" type="datetimeFigureOut">
               <a:rPr lang="ko-KR" altLang="en-US" smtClean="0"/>
-              <a:t>2019-05-27</a:t>
+              <a:t>2019-05-31</a:t>
             </a:fld>
             <a:endParaRPr lang="ko-KR" altLang="en-US"/>
           </a:p>
@@ -2570,7 +2571,7 @@
           <a:p>
             <a:fld id="{FFA48334-CC2E-4E12-A8FB-B0EA3BD88E8D}" type="datetimeFigureOut">
               <a:rPr lang="ko-KR" altLang="en-US" smtClean="0"/>
-              <a:t>2019-05-27</a:t>
+              <a:t>2019-05-31</a:t>
             </a:fld>
             <a:endParaRPr lang="ko-KR" altLang="en-US"/>
           </a:p>
@@ -4695,6 +4696,259 @@
 </p:sld>
 </file>
 
+<file path=ppt/slides/slide8.xml><?xml version="1.0" encoding="utf-8"?>
+<p:sld xmlns:a="http://schemas.openxmlformats.org/drawingml/2006/main" xmlns:r="http://schemas.openxmlformats.org/officeDocument/2006/relationships" xmlns:p="http://schemas.openxmlformats.org/presentationml/2006/main">
+  <p:cSld>
+    <p:spTree>
+      <p:nvGrpSpPr>
+        <p:cNvPr id="1" name=""/>
+        <p:cNvGrpSpPr/>
+        <p:nvPr/>
+      </p:nvGrpSpPr>
+      <p:grpSpPr>
+        <a:xfrm>
+          <a:off x="0" y="0"/>
+          <a:ext cx="0" cy="0"/>
+          <a:chOff x="0" y="0"/>
+          <a:chExt cx="0" cy="0"/>
+        </a:xfrm>
+      </p:grpSpPr>
+      <p:sp>
+        <p:nvSpPr>
+          <p:cNvPr id="2" name="제목 1"/>
+          <p:cNvSpPr>
+            <a:spLocks noGrp="1"/>
+          </p:cNvSpPr>
+          <p:nvPr>
+            <p:ph type="title"/>
+          </p:nvPr>
+        </p:nvSpPr>
+        <p:spPr/>
+        <p:txBody>
+          <a:bodyPr/>
+          <a:lstStyle/>
+          <a:p>
+            <a:endParaRPr lang="ko-KR" altLang="en-US"/>
+          </a:p>
+        </p:txBody>
+      </p:sp>
+      <p:pic>
+        <p:nvPicPr>
+          <p:cNvPr id="13" name="내용 개체 틀 12"/>
+          <p:cNvPicPr>
+            <a:picLocks noGrp="1" noChangeAspect="1"/>
+          </p:cNvPicPr>
+          <p:nvPr>
+            <p:ph idx="1"/>
+          </p:nvPr>
+        </p:nvPicPr>
+        <p:blipFill>
+          <a:blip r:embed="rId2"/>
+          <a:stretch>
+            <a:fillRect/>
+          </a:stretch>
+        </p:blipFill>
+        <p:spPr>
+          <a:xfrm>
+            <a:off x="491875" y="4870968"/>
+            <a:ext cx="2531129" cy="1712632"/>
+          </a:xfrm>
+          <a:prstGeom prst="rect">
+            <a:avLst/>
+          </a:prstGeom>
+        </p:spPr>
+      </p:pic>
+      <p:pic>
+        <p:nvPicPr>
+          <p:cNvPr id="10" name="그림 9"/>
+          <p:cNvPicPr>
+            <a:picLocks noChangeAspect="1"/>
+          </p:cNvPicPr>
+          <p:nvPr/>
+        </p:nvPicPr>
+        <p:blipFill>
+          <a:blip r:embed="rId3"/>
+          <a:stretch>
+            <a:fillRect/>
+          </a:stretch>
+        </p:blipFill>
+        <p:spPr>
+          <a:xfrm>
+            <a:off x="425002" y="563889"/>
+            <a:ext cx="2837933" cy="1938192"/>
+          </a:xfrm>
+          <a:prstGeom prst="rect">
+            <a:avLst/>
+          </a:prstGeom>
+        </p:spPr>
+      </p:pic>
+      <p:pic>
+        <p:nvPicPr>
+          <p:cNvPr id="11" name="그림 10"/>
+          <p:cNvPicPr>
+            <a:picLocks noChangeAspect="1"/>
+          </p:cNvPicPr>
+          <p:nvPr/>
+        </p:nvPicPr>
+        <p:blipFill>
+          <a:blip r:embed="rId4"/>
+          <a:stretch>
+            <a:fillRect/>
+          </a:stretch>
+        </p:blipFill>
+        <p:spPr>
+          <a:xfrm>
+            <a:off x="425002" y="2773830"/>
+            <a:ext cx="2598002" cy="1597040"/>
+          </a:xfrm>
+          <a:prstGeom prst="rect">
+            <a:avLst/>
+          </a:prstGeom>
+        </p:spPr>
+      </p:pic>
+      <p:pic>
+        <p:nvPicPr>
+          <p:cNvPr id="12" name="그림 11"/>
+          <p:cNvPicPr>
+            <a:picLocks noChangeAspect="1"/>
+          </p:cNvPicPr>
+          <p:nvPr/>
+        </p:nvPicPr>
+        <p:blipFill>
+          <a:blip r:embed="rId5"/>
+          <a:stretch>
+            <a:fillRect/>
+          </a:stretch>
+        </p:blipFill>
+        <p:spPr>
+          <a:xfrm>
+            <a:off x="3262935" y="2773830"/>
+            <a:ext cx="2684227" cy="1840720"/>
+          </a:xfrm>
+          <a:prstGeom prst="rect">
+            <a:avLst/>
+          </a:prstGeom>
+        </p:spPr>
+      </p:pic>
+      <p:pic>
+        <p:nvPicPr>
+          <p:cNvPr id="14" name="그림 13"/>
+          <p:cNvPicPr>
+            <a:picLocks noChangeAspect="1"/>
+          </p:cNvPicPr>
+          <p:nvPr/>
+        </p:nvPicPr>
+        <p:blipFill>
+          <a:blip r:embed="rId6"/>
+          <a:stretch>
+            <a:fillRect/>
+          </a:stretch>
+        </p:blipFill>
+        <p:spPr>
+          <a:xfrm>
+            <a:off x="3262935" y="4926577"/>
+            <a:ext cx="2463041" cy="1657023"/>
+          </a:xfrm>
+          <a:prstGeom prst="rect">
+            <a:avLst/>
+          </a:prstGeom>
+        </p:spPr>
+      </p:pic>
+      <p:sp>
+        <p:nvSpPr>
+          <p:cNvPr id="15" name="TextBox 14"/>
+          <p:cNvSpPr txBox="1"/>
+          <p:nvPr/>
+        </p:nvSpPr>
+        <p:spPr>
+          <a:xfrm>
+            <a:off x="6200384" y="2893512"/>
+            <a:ext cx="4759890" cy="646331"/>
+          </a:xfrm>
+          <a:prstGeom prst="rect">
+            <a:avLst/>
+          </a:prstGeom>
+          <a:noFill/>
+        </p:spPr>
+        <p:txBody>
+          <a:bodyPr wrap="square" rtlCol="0">
+            <a:spAutoFit/>
+          </a:bodyPr>
+          <a:lstStyle/>
+          <a:p>
+            <a:r>
+              <a:rPr lang="ko-KR" altLang="en-US" dirty="0" smtClean="0"/>
+              <a:t>끊어진 경우</a:t>
+            </a:r>
+            <a:endParaRPr lang="en-US" altLang="ko-KR" dirty="0" smtClean="0"/>
+          </a:p>
+          <a:p>
+            <a:r>
+              <a:rPr lang="en-US" altLang="ko-KR" dirty="0" smtClean="0"/>
+              <a:t>-&gt; </a:t>
+            </a:r>
+            <a:r>
+              <a:rPr lang="ko-KR" altLang="en-US" dirty="0" smtClean="0"/>
+              <a:t>한번 더 나아가면 해결됨</a:t>
+            </a:r>
+            <a:r>
+              <a:rPr lang="en-US" altLang="ko-KR" dirty="0" smtClean="0"/>
+              <a:t>.</a:t>
+            </a:r>
+            <a:endParaRPr lang="ko-KR" altLang="en-US" dirty="0"/>
+          </a:p>
+        </p:txBody>
+      </p:sp>
+      <p:sp>
+        <p:nvSpPr>
+          <p:cNvPr id="16" name="TextBox 15"/>
+          <p:cNvSpPr txBox="1"/>
+          <p:nvPr/>
+        </p:nvSpPr>
+        <p:spPr>
+          <a:xfrm>
+            <a:off x="6096000" y="5157873"/>
+            <a:ext cx="4759890" cy="646331"/>
+          </a:xfrm>
+          <a:prstGeom prst="rect">
+            <a:avLst/>
+          </a:prstGeom>
+          <a:noFill/>
+        </p:spPr>
+        <p:txBody>
+          <a:bodyPr wrap="square" rtlCol="0">
+            <a:spAutoFit/>
+          </a:bodyPr>
+          <a:lstStyle/>
+          <a:p>
+            <a:r>
+              <a:rPr lang="ko-KR" altLang="en-US" dirty="0" smtClean="0"/>
+              <a:t>끊어진 경우</a:t>
+            </a:r>
+            <a:endParaRPr lang="en-US" altLang="ko-KR" dirty="0" smtClean="0"/>
+          </a:p>
+          <a:p>
+            <a:r>
+              <a:rPr lang="en-US" altLang="ko-KR" dirty="0" smtClean="0"/>
+              <a:t>-&gt;</a:t>
+            </a:r>
+            <a:endParaRPr lang="ko-KR" altLang="en-US" dirty="0"/>
+          </a:p>
+        </p:txBody>
+      </p:sp>
+    </p:spTree>
+    <p:extLst>
+      <p:ext uri="{BB962C8B-B14F-4D97-AF65-F5344CB8AC3E}">
+        <p14:creationId xmlns:p14="http://schemas.microsoft.com/office/powerpoint/2010/main" val="1115882932"/>
+      </p:ext>
+    </p:extLst>
+  </p:cSld>
+  <p:clrMapOvr>
+    <a:masterClrMapping/>
+  </p:clrMapOvr>
+</p:sld>
+</file>
+
 <file path=ppt/theme/theme1.xml><?xml version="1.0" encoding="utf-8"?>
 <a:theme xmlns:a="http://schemas.openxmlformats.org/drawingml/2006/main" name="Office 테마">
   <a:themeElements>

--- a/dewarp_test.pptx
+++ b/dewarp_test.pptx
@@ -6,13 +6,25 @@
   </p:sldMasterIdLst>
   <p:sldIdLst>
     <p:sldId id="256" r:id="rId2"/>
-    <p:sldId id="257" r:id="rId3"/>
-    <p:sldId id="258" r:id="rId4"/>
-    <p:sldId id="259" r:id="rId5"/>
-    <p:sldId id="260" r:id="rId6"/>
-    <p:sldId id="261" r:id="rId7"/>
-    <p:sldId id="262" r:id="rId8"/>
-    <p:sldId id="263" r:id="rId9"/>
+    <p:sldId id="266" r:id="rId3"/>
+    <p:sldId id="267" r:id="rId4"/>
+    <p:sldId id="268" r:id="rId5"/>
+    <p:sldId id="269" r:id="rId6"/>
+    <p:sldId id="273" r:id="rId7"/>
+    <p:sldId id="270" r:id="rId8"/>
+    <p:sldId id="272" r:id="rId9"/>
+    <p:sldId id="274" r:id="rId10"/>
+    <p:sldId id="271" r:id="rId11"/>
+    <p:sldId id="264" r:id="rId12"/>
+    <p:sldId id="265" r:id="rId13"/>
+    <p:sldId id="277" r:id="rId14"/>
+    <p:sldId id="276" r:id="rId15"/>
+    <p:sldId id="275" r:id="rId16"/>
+    <p:sldId id="259" r:id="rId17"/>
+    <p:sldId id="260" r:id="rId18"/>
+    <p:sldId id="261" r:id="rId19"/>
+    <p:sldId id="262" r:id="rId20"/>
+    <p:sldId id="263" r:id="rId21"/>
   </p:sldIdLst>
   <p:sldSz cx="12192000" cy="6858000"/>
   <p:notesSz cx="6858000" cy="9144000"/>
@@ -250,7 +262,7 @@
           <a:p>
             <a:fld id="{FFA48334-CC2E-4E12-A8FB-B0EA3BD88E8D}" type="datetimeFigureOut">
               <a:rPr lang="ko-KR" altLang="en-US" smtClean="0"/>
-              <a:t>2019-05-31</a:t>
+              <a:t>2019-12-09</a:t>
             </a:fld>
             <a:endParaRPr lang="ko-KR" altLang="en-US"/>
           </a:p>
@@ -420,7 +432,7 @@
           <a:p>
             <a:fld id="{FFA48334-CC2E-4E12-A8FB-B0EA3BD88E8D}" type="datetimeFigureOut">
               <a:rPr lang="ko-KR" altLang="en-US" smtClean="0"/>
-              <a:t>2019-05-31</a:t>
+              <a:t>2019-12-09</a:t>
             </a:fld>
             <a:endParaRPr lang="ko-KR" altLang="en-US"/>
           </a:p>
@@ -600,7 +612,7 @@
           <a:p>
             <a:fld id="{FFA48334-CC2E-4E12-A8FB-B0EA3BD88E8D}" type="datetimeFigureOut">
               <a:rPr lang="ko-KR" altLang="en-US" smtClean="0"/>
-              <a:t>2019-05-31</a:t>
+              <a:t>2019-12-09</a:t>
             </a:fld>
             <a:endParaRPr lang="ko-KR" altLang="en-US"/>
           </a:p>
@@ -770,7 +782,7 @@
           <a:p>
             <a:fld id="{FFA48334-CC2E-4E12-A8FB-B0EA3BD88E8D}" type="datetimeFigureOut">
               <a:rPr lang="ko-KR" altLang="en-US" smtClean="0"/>
-              <a:t>2019-05-31</a:t>
+              <a:t>2019-12-09</a:t>
             </a:fld>
             <a:endParaRPr lang="ko-KR" altLang="en-US"/>
           </a:p>
@@ -1016,7 +1028,7 @@
           <a:p>
             <a:fld id="{FFA48334-CC2E-4E12-A8FB-B0EA3BD88E8D}" type="datetimeFigureOut">
               <a:rPr lang="ko-KR" altLang="en-US" smtClean="0"/>
-              <a:t>2019-05-31</a:t>
+              <a:t>2019-12-09</a:t>
             </a:fld>
             <a:endParaRPr lang="ko-KR" altLang="en-US"/>
           </a:p>
@@ -1248,7 +1260,7 @@
           <a:p>
             <a:fld id="{FFA48334-CC2E-4E12-A8FB-B0EA3BD88E8D}" type="datetimeFigureOut">
               <a:rPr lang="ko-KR" altLang="en-US" smtClean="0"/>
-              <a:t>2019-05-31</a:t>
+              <a:t>2019-12-09</a:t>
             </a:fld>
             <a:endParaRPr lang="ko-KR" altLang="en-US"/>
           </a:p>
@@ -1615,7 +1627,7 @@
           <a:p>
             <a:fld id="{FFA48334-CC2E-4E12-A8FB-B0EA3BD88E8D}" type="datetimeFigureOut">
               <a:rPr lang="ko-KR" altLang="en-US" smtClean="0"/>
-              <a:t>2019-05-31</a:t>
+              <a:t>2019-12-09</a:t>
             </a:fld>
             <a:endParaRPr lang="ko-KR" altLang="en-US"/>
           </a:p>
@@ -1733,7 +1745,7 @@
           <a:p>
             <a:fld id="{FFA48334-CC2E-4E12-A8FB-B0EA3BD88E8D}" type="datetimeFigureOut">
               <a:rPr lang="ko-KR" altLang="en-US" smtClean="0"/>
-              <a:t>2019-05-31</a:t>
+              <a:t>2019-12-09</a:t>
             </a:fld>
             <a:endParaRPr lang="ko-KR" altLang="en-US"/>
           </a:p>
@@ -1828,7 +1840,7 @@
           <a:p>
             <a:fld id="{FFA48334-CC2E-4E12-A8FB-B0EA3BD88E8D}" type="datetimeFigureOut">
               <a:rPr lang="ko-KR" altLang="en-US" smtClean="0"/>
-              <a:t>2019-05-31</a:t>
+              <a:t>2019-12-09</a:t>
             </a:fld>
             <a:endParaRPr lang="ko-KR" altLang="en-US"/>
           </a:p>
@@ -2105,7 +2117,7 @@
           <a:p>
             <a:fld id="{FFA48334-CC2E-4E12-A8FB-B0EA3BD88E8D}" type="datetimeFigureOut">
               <a:rPr lang="ko-KR" altLang="en-US" smtClean="0"/>
-              <a:t>2019-05-31</a:t>
+              <a:t>2019-12-09</a:t>
             </a:fld>
             <a:endParaRPr lang="ko-KR" altLang="en-US"/>
           </a:p>
@@ -2358,7 +2370,7 @@
           <a:p>
             <a:fld id="{FFA48334-CC2E-4E12-A8FB-B0EA3BD88E8D}" type="datetimeFigureOut">
               <a:rPr lang="ko-KR" altLang="en-US" smtClean="0"/>
-              <a:t>2019-05-31</a:t>
+              <a:t>2019-12-09</a:t>
             </a:fld>
             <a:endParaRPr lang="ko-KR" altLang="en-US"/>
           </a:p>
@@ -2571,7 +2583,7 @@
           <a:p>
             <a:fld id="{FFA48334-CC2E-4E12-A8FB-B0EA3BD88E8D}" type="datetimeFigureOut">
               <a:rPr lang="ko-KR" altLang="en-US" smtClean="0"/>
-              <a:t>2019-05-31</a:t>
+              <a:t>2019-12-09</a:t>
             </a:fld>
             <a:endParaRPr lang="ko-KR" altLang="en-US"/>
           </a:p>
@@ -3027,7 +3039,7 @@
 </p:sld>
 </file>
 
-<file path=ppt/slides/slide2.xml><?xml version="1.0" encoding="utf-8"?>
+<file path=ppt/slides/slide10.xml><?xml version="1.0" encoding="utf-8"?>
 <p:sld xmlns:a="http://schemas.openxmlformats.org/drawingml/2006/main" xmlns:r="http://schemas.openxmlformats.org/officeDocument/2006/relationships" xmlns:p="http://schemas.openxmlformats.org/presentationml/2006/main">
   <p:cSld>
     <p:spTree>
@@ -3061,11 +3073,11 @@
           <a:p>
             <a:r>
               <a:rPr lang="en-US" altLang="ko-KR" dirty="0" smtClean="0"/>
-              <a:t>Car plate </a:t>
-            </a:r>
-            <a:r>
-              <a:rPr lang="ko-KR" altLang="en-US" dirty="0" smtClean="0"/>
-              <a:t>외곽선 추출</a:t>
+              <a:t>Type </a:t>
+            </a:r>
+            <a:r>
+              <a:rPr lang="ko-KR" altLang="en-US" dirty="0" smtClean="0"/>
+              <a:t>구별</a:t>
             </a:r>
             <a:endParaRPr lang="ko-KR" altLang="en-US" dirty="0"/>
           </a:p>
@@ -3083,295 +3095,17 @@
         </p:nvSpPr>
         <p:spPr/>
         <p:txBody>
-          <a:bodyPr>
-            <a:normAutofit/>
-          </a:bodyPr>
-          <a:lstStyle/>
-          <a:p>
-            <a:pPr marL="0" indent="0">
-              <a:buNone/>
-            </a:pPr>
-            <a:r>
-              <a:rPr lang="ko-KR" altLang="en-US" sz="2000" dirty="0" smtClean="0"/>
-              <a:t>목적 </a:t>
-            </a:r>
-            <a:r>
-              <a:rPr lang="en-US" altLang="ko-KR" sz="2000" dirty="0" smtClean="0"/>
-              <a:t>: Car plate</a:t>
-            </a:r>
-            <a:r>
-              <a:rPr lang="ko-KR" altLang="en-US" sz="2000" dirty="0" smtClean="0"/>
-              <a:t>의 외곽선을 알 경우</a:t>
-            </a:r>
-            <a:r>
-              <a:rPr lang="en-US" altLang="ko-KR" sz="2000" dirty="0" smtClean="0"/>
-              <a:t>, </a:t>
-            </a:r>
-            <a:r>
-              <a:rPr lang="ko-KR" altLang="en-US" sz="2000" dirty="0" smtClean="0"/>
-              <a:t>장점이 많다</a:t>
-            </a:r>
-            <a:r>
-              <a:rPr lang="en-US" altLang="ko-KR" sz="2000" dirty="0" smtClean="0"/>
-              <a:t>.</a:t>
-            </a:r>
-            <a:br>
-              <a:rPr lang="en-US" altLang="ko-KR" sz="2000" dirty="0" smtClean="0"/>
-            </a:br>
-            <a:r>
-              <a:rPr lang="en-US" altLang="ko-KR" sz="2000" dirty="0" smtClean="0"/>
-              <a:t>  1</a:t>
-            </a:r>
-            <a:r>
-              <a:rPr lang="en-US" altLang="ko-KR" sz="2000" dirty="0"/>
-              <a:t>. Car plate</a:t>
-            </a:r>
-            <a:r>
-              <a:rPr lang="ko-KR" altLang="en-US" sz="2000" dirty="0" smtClean="0"/>
-              <a:t> 영역만 좀 더 높은 품질의 </a:t>
-            </a:r>
-            <a:r>
-              <a:rPr lang="en-US" altLang="ko-KR" sz="2000" dirty="0" err="1" smtClean="0"/>
-              <a:t>dewarp</a:t>
-            </a:r>
-            <a:r>
-              <a:rPr lang="ko-KR" altLang="en-US" sz="2000" dirty="0" smtClean="0"/>
-              <a:t>를 할 수 있으므로</a:t>
-            </a:r>
-            <a:r>
-              <a:rPr lang="en-US" altLang="ko-KR" sz="2000" dirty="0" smtClean="0"/>
-              <a:t>, </a:t>
-            </a:r>
-            <a:r>
-              <a:rPr lang="ko-KR" altLang="en-US" sz="2000" dirty="0" smtClean="0"/>
-              <a:t>전체 영역을 높은 품질로 </a:t>
-            </a:r>
-            <a:r>
-              <a:rPr lang="en-US" altLang="ko-KR" sz="2000" dirty="0" err="1" smtClean="0"/>
-              <a:t>dewarp</a:t>
-            </a:r>
-            <a:r>
-              <a:rPr lang="ko-KR" altLang="en-US" sz="2000" dirty="0" smtClean="0"/>
-              <a:t>하지 않아도 됨</a:t>
-            </a:r>
-            <a:r>
-              <a:rPr lang="en-US" altLang="ko-KR" sz="2000" dirty="0" smtClean="0"/>
-              <a:t>.</a:t>
-            </a:r>
-          </a:p>
-          <a:p>
-            <a:pPr marL="0" indent="0">
-              <a:buNone/>
-            </a:pPr>
-            <a:r>
-              <a:rPr lang="en-US" altLang="ko-KR" sz="2000" dirty="0" smtClean="0"/>
-              <a:t>  2. </a:t>
-            </a:r>
-            <a:r>
-              <a:rPr lang="ko-KR" altLang="en-US" sz="2000" dirty="0" smtClean="0"/>
-              <a:t>번호인식</a:t>
-            </a:r>
-            <a:r>
-              <a:rPr lang="en-US" altLang="ko-KR" sz="2000" dirty="0"/>
-              <a:t> </a:t>
-            </a:r>
-            <a:r>
-              <a:rPr lang="ko-KR" altLang="en-US" sz="2000" dirty="0" smtClean="0"/>
-              <a:t>시 사용되는 </a:t>
-            </a:r>
-            <a:r>
-              <a:rPr lang="en-US" altLang="ko-KR" sz="2000" dirty="0" smtClean="0"/>
-              <a:t>Resource</a:t>
-            </a:r>
-            <a:r>
-              <a:rPr lang="ko-KR" altLang="en-US" sz="2000" dirty="0" smtClean="0"/>
-              <a:t>를 줄일 수 있음</a:t>
-            </a:r>
-            <a:r>
-              <a:rPr lang="en-US" altLang="ko-KR" sz="2000" dirty="0" smtClean="0"/>
-              <a:t>.</a:t>
-            </a:r>
-            <a:r>
-              <a:rPr lang="en-US" altLang="ko-KR" sz="2000" dirty="0"/>
-              <a:t/>
-            </a:r>
-            <a:br>
-              <a:rPr lang="en-US" altLang="ko-KR" sz="2000" dirty="0"/>
-            </a:br>
-            <a:r>
-              <a:rPr lang="en-US" altLang="ko-KR" sz="2000" dirty="0" smtClean="0"/>
-              <a:t>   a. </a:t>
-            </a:r>
-            <a:r>
-              <a:rPr lang="ko-KR" altLang="en-US" sz="2000" dirty="0" smtClean="0"/>
-              <a:t>숫자를 인식하는 영역이 선택영역에서 </a:t>
-            </a:r>
-            <a:r>
-              <a:rPr lang="en-US" altLang="ko-KR" sz="2000" dirty="0" smtClean="0"/>
-              <a:t>Car plate </a:t>
-            </a:r>
-            <a:r>
-              <a:rPr lang="ko-KR" altLang="en-US" sz="2000" dirty="0" smtClean="0"/>
-              <a:t>영역으로 좁아짐</a:t>
-            </a:r>
-            <a:r>
-              <a:rPr lang="en-US" altLang="ko-KR" sz="2000" dirty="0" smtClean="0"/>
-              <a:t>.</a:t>
-            </a:r>
-            <a:br>
-              <a:rPr lang="en-US" altLang="ko-KR" sz="2000" dirty="0" smtClean="0"/>
-            </a:br>
-            <a:r>
-              <a:rPr lang="en-US" altLang="ko-KR" sz="2000" dirty="0" smtClean="0"/>
-              <a:t>   b. </a:t>
-            </a:r>
-            <a:r>
-              <a:rPr lang="en-US" altLang="ko-KR" sz="2000" dirty="0"/>
-              <a:t>Car </a:t>
-            </a:r>
-            <a:r>
-              <a:rPr lang="en-US" altLang="ko-KR" sz="2000" dirty="0" smtClean="0"/>
-              <a:t>plate</a:t>
-            </a:r>
-            <a:r>
-              <a:rPr lang="ko-KR" altLang="en-US" sz="2000" dirty="0" smtClean="0"/>
-              <a:t>의</a:t>
-            </a:r>
-            <a:r>
-              <a:rPr lang="en-US" altLang="ko-KR" sz="2000" dirty="0" smtClean="0"/>
-              <a:t> </a:t>
-            </a:r>
-            <a:r>
-              <a:rPr lang="ko-KR" altLang="en-US" sz="2000" dirty="0" smtClean="0"/>
-              <a:t>크기를 통해 숫자의 크기를 유추할 수 있으므로</a:t>
-            </a:r>
-            <a:r>
-              <a:rPr lang="en-US" altLang="ko-KR" sz="2000" dirty="0" smtClean="0"/>
-              <a:t> </a:t>
-            </a:r>
-            <a:r>
-              <a:rPr lang="ko-KR" altLang="en-US" sz="2000" dirty="0" smtClean="0"/>
-              <a:t>숫자 인식이 편해짐</a:t>
-            </a:r>
-            <a:r>
-              <a:rPr lang="en-US" altLang="ko-KR" sz="2000" dirty="0" smtClean="0"/>
-              <a:t>.</a:t>
-            </a:r>
-            <a:r>
-              <a:rPr lang="ko-KR" altLang="en-US" sz="2000" dirty="0" smtClean="0"/>
-              <a:t> </a:t>
-            </a:r>
-            <a:endParaRPr lang="en-US" altLang="ko-KR" sz="2000" dirty="0" smtClean="0"/>
-          </a:p>
-          <a:p>
-            <a:pPr marL="0" indent="0">
-              <a:buNone/>
-            </a:pPr>
-            <a:r>
-              <a:rPr lang="en-US" altLang="ko-KR" sz="2000" dirty="0" smtClean="0"/>
-              <a:t>  3. </a:t>
-            </a:r>
-            <a:r>
-              <a:rPr lang="ko-KR" altLang="en-US" sz="2000" dirty="0" smtClean="0"/>
-              <a:t>번호</a:t>
-            </a:r>
-            <a:r>
-              <a:rPr lang="en-US" altLang="ko-KR" sz="2000" dirty="0" smtClean="0"/>
-              <a:t> </a:t>
-            </a:r>
-            <a:r>
-              <a:rPr lang="ko-KR" altLang="en-US" sz="2000" dirty="0" smtClean="0"/>
-              <a:t>인식 오류를 막을 수 있음</a:t>
-            </a:r>
-            <a:r>
-              <a:rPr lang="en-US" altLang="ko-KR" sz="2000" dirty="0" smtClean="0"/>
-              <a:t>. Car plate</a:t>
-            </a:r>
-            <a:r>
-              <a:rPr lang="ko-KR" altLang="en-US" sz="2000" dirty="0" smtClean="0"/>
-              <a:t>의 앵커의 그림자에 의해 숫자를 오 인식하는 것을 막을 수 있음</a:t>
-            </a:r>
-            <a:r>
-              <a:rPr lang="en-US" altLang="ko-KR" sz="2000" dirty="0" smtClean="0"/>
-              <a:t>.</a:t>
-            </a:r>
-          </a:p>
-          <a:p>
-            <a:pPr marL="0" indent="0">
-              <a:buNone/>
-            </a:pPr>
-            <a:r>
-              <a:rPr lang="en-US" altLang="ko-KR" sz="2000" dirty="0"/>
-              <a:t> </a:t>
-            </a:r>
-            <a:r>
-              <a:rPr lang="en-US" altLang="ko-KR" sz="2000" dirty="0" smtClean="0"/>
-              <a:t> 4. </a:t>
-            </a:r>
-            <a:r>
-              <a:rPr lang="ko-KR" altLang="en-US" sz="2000" dirty="0" smtClean="0"/>
-              <a:t>외곽선 추출 과정에서 </a:t>
-            </a:r>
-            <a:r>
-              <a:rPr lang="en-US" altLang="ko-KR" sz="2000" dirty="0" smtClean="0"/>
-              <a:t>Car plate</a:t>
-            </a:r>
-            <a:r>
-              <a:rPr lang="ko-KR" altLang="en-US" sz="2000" dirty="0" smtClean="0"/>
-              <a:t>의 </a:t>
-            </a:r>
-            <a:r>
-              <a:rPr lang="en-US" altLang="ko-KR" sz="2000" dirty="0" smtClean="0"/>
-              <a:t>type</a:t>
-            </a:r>
-            <a:r>
-              <a:rPr lang="ko-KR" altLang="en-US" sz="2000" dirty="0" smtClean="0"/>
-              <a:t>을 유추할 수 있음</a:t>
-            </a:r>
-            <a:r>
-              <a:rPr lang="en-US" altLang="ko-KR" sz="2000" dirty="0" smtClean="0"/>
-              <a:t>(</a:t>
-            </a:r>
-            <a:r>
-              <a:rPr lang="ko-KR" altLang="en-US" sz="2000" dirty="0" smtClean="0"/>
-              <a:t>한 줄</a:t>
-            </a:r>
-            <a:r>
-              <a:rPr lang="en-US" altLang="ko-KR" sz="2000" dirty="0" smtClean="0"/>
-              <a:t>, </a:t>
-            </a:r>
-            <a:r>
-              <a:rPr lang="ko-KR" altLang="en-US" sz="2000" dirty="0" smtClean="0"/>
-              <a:t>두 줄</a:t>
-            </a:r>
-            <a:r>
-              <a:rPr lang="en-US" altLang="ko-KR" sz="2000" dirty="0" smtClean="0"/>
-              <a:t>, </a:t>
-            </a:r>
-            <a:r>
-              <a:rPr lang="ko-KR" altLang="en-US" sz="2000" dirty="0" smtClean="0"/>
-              <a:t>한 줄 </a:t>
-            </a:r>
-            <a:r>
-              <a:rPr lang="ko-KR" altLang="en-US" sz="2000" dirty="0" err="1" smtClean="0"/>
-              <a:t>꺽인</a:t>
-            </a:r>
-            <a:r>
-              <a:rPr lang="ko-KR" altLang="en-US" sz="2000" dirty="0" smtClean="0"/>
-              <a:t> 것</a:t>
-            </a:r>
-            <a:r>
-              <a:rPr lang="en-US" altLang="ko-KR" sz="2000" dirty="0" smtClean="0"/>
-              <a:t>) </a:t>
-            </a:r>
-            <a:endParaRPr lang="ko-KR" altLang="en-US" sz="2000" dirty="0"/>
+          <a:bodyPr/>
+          <a:lstStyle/>
+          <a:p>
+            <a:endParaRPr lang="ko-KR" altLang="en-US"/>
           </a:p>
         </p:txBody>
       </p:sp>
     </p:spTree>
     <p:extLst>
       <p:ext uri="{BB962C8B-B14F-4D97-AF65-F5344CB8AC3E}">
-        <p14:creationId xmlns:p14="http://schemas.microsoft.com/office/powerpoint/2010/main" val="1624746278"/>
+        <p14:creationId xmlns:p14="http://schemas.microsoft.com/office/powerpoint/2010/main" val="3115084240"/>
       </p:ext>
     </p:extLst>
   </p:cSld>
@@ -3381,7 +3115,7 @@
 </p:sld>
 </file>
 
-<file path=ppt/slides/slide3.xml><?xml version="1.0" encoding="utf-8"?>
+<file path=ppt/slides/slide11.xml><?xml version="1.0" encoding="utf-8"?>
 <p:sld xmlns:a="http://schemas.openxmlformats.org/drawingml/2006/main" xmlns:r="http://schemas.openxmlformats.org/officeDocument/2006/relationships" xmlns:p="http://schemas.openxmlformats.org/presentationml/2006/main">
   <p:cSld>
     <p:spTree>
@@ -3413,227 +3147,185 @@
           <a:bodyPr/>
           <a:lstStyle/>
           <a:p>
-            <a:r>
-              <a:rPr lang="ko-KR" altLang="en-US" dirty="0" smtClean="0"/>
-              <a:t>방법</a:t>
-            </a:r>
             <a:endParaRPr lang="ko-KR" altLang="en-US" dirty="0"/>
           </a:p>
         </p:txBody>
       </p:sp>
       <p:sp>
         <p:nvSpPr>
-          <p:cNvPr id="3" name="내용 개체 틀 2"/>
-          <p:cNvSpPr>
-            <a:spLocks noGrp="1"/>
-          </p:cNvSpPr>
-          <p:nvPr>
-            <p:ph idx="1"/>
-          </p:nvPr>
-        </p:nvSpPr>
-        <p:spPr/>
-        <p:txBody>
-          <a:bodyPr>
-            <a:normAutofit/>
+          <p:cNvPr id="6" name="TextBox 5"/>
+          <p:cNvSpPr txBox="1"/>
+          <p:nvPr/>
+        </p:nvSpPr>
+        <p:spPr>
+          <a:xfrm>
+            <a:off x="5751095" y="2045368"/>
+            <a:ext cx="6148137" cy="369332"/>
+          </a:xfrm>
+          <a:prstGeom prst="rect">
+            <a:avLst/>
+          </a:prstGeom>
+          <a:noFill/>
+        </p:spPr>
+        <p:txBody>
+          <a:bodyPr wrap="square" rtlCol="0">
+            <a:spAutoFit/>
           </a:bodyPr>
           <a:lstStyle/>
           <a:p>
-            <a:pPr marL="514350" indent="-514350">
-              <a:buAutoNum type="arabicPeriod"/>
-            </a:pPr>
-            <a:r>
-              <a:rPr lang="ko-KR" altLang="en-US" sz="2400" dirty="0" smtClean="0"/>
-              <a:t>외곽선 상의 한 점을 찾음</a:t>
-            </a:r>
-            <a:r>
-              <a:rPr lang="en-US" altLang="ko-KR" sz="2400" dirty="0" smtClean="0"/>
-              <a:t>. </a:t>
+            <a:r>
+              <a:rPr lang="ko-KR" altLang="en-US" dirty="0" smtClean="0"/>
+              <a:t>포함되는 것은 제거한다</a:t>
+            </a:r>
+            <a:r>
+              <a:rPr lang="en-US" altLang="ko-KR" dirty="0" smtClean="0"/>
+              <a:t>.</a:t>
+            </a:r>
+            <a:endParaRPr lang="ko-KR" altLang="en-US" dirty="0"/>
+          </a:p>
+        </p:txBody>
+      </p:sp>
+      <p:pic>
+        <p:nvPicPr>
+          <p:cNvPr id="3" name="그림 2"/>
+          <p:cNvPicPr>
+            <a:picLocks noChangeAspect="1"/>
+          </p:cNvPicPr>
+          <p:nvPr/>
+        </p:nvPicPr>
+        <p:blipFill>
+          <a:blip r:embed="rId2"/>
+          <a:stretch>
+            <a:fillRect/>
+          </a:stretch>
+        </p:blipFill>
+        <p:spPr>
+          <a:xfrm>
+            <a:off x="5990909" y="1431636"/>
+            <a:ext cx="4723558" cy="4239615"/>
+          </a:xfrm>
+          <a:prstGeom prst="rect">
+            <a:avLst/>
+          </a:prstGeom>
+        </p:spPr>
+      </p:pic>
+      <p:pic>
+        <p:nvPicPr>
+          <p:cNvPr id="7" name="그림 6"/>
+          <p:cNvPicPr>
+            <a:picLocks noChangeAspect="1"/>
+          </p:cNvPicPr>
+          <p:nvPr/>
+        </p:nvPicPr>
+        <p:blipFill>
+          <a:blip r:embed="rId3"/>
+          <a:stretch>
+            <a:fillRect/>
+          </a:stretch>
+        </p:blipFill>
+        <p:spPr>
+          <a:xfrm>
+            <a:off x="615676" y="474011"/>
+            <a:ext cx="4666097" cy="4207579"/>
+          </a:xfrm>
+          <a:prstGeom prst="rect">
+            <a:avLst/>
+          </a:prstGeom>
+        </p:spPr>
+      </p:pic>
+      <p:sp>
+        <p:nvSpPr>
+          <p:cNvPr id="10" name="TextBox 9"/>
+          <p:cNvSpPr txBox="1"/>
+          <p:nvPr/>
+        </p:nvSpPr>
+        <p:spPr>
+          <a:xfrm>
+            <a:off x="615676" y="5755867"/>
+            <a:ext cx="10920542" cy="1200329"/>
+          </a:xfrm>
+          <a:prstGeom prst="rect">
+            <a:avLst/>
+          </a:prstGeom>
+          <a:noFill/>
+        </p:spPr>
+        <p:txBody>
+          <a:bodyPr wrap="square" rtlCol="0">
+            <a:spAutoFit/>
+          </a:bodyPr>
+          <a:lstStyle/>
+          <a:p>
+            <a:r>
+              <a:rPr lang="ko-KR" altLang="en-US" dirty="0" smtClean="0"/>
+              <a:t>최적의 그룹 찾기</a:t>
+            </a:r>
+            <a:r>
+              <a:rPr lang="en-US" altLang="ko-KR" dirty="0" smtClean="0"/>
+              <a:t/>
             </a:r>
             <a:br>
-              <a:rPr lang="en-US" altLang="ko-KR" sz="2400" dirty="0" smtClean="0"/>
+              <a:rPr lang="en-US" altLang="ko-KR" dirty="0" smtClean="0"/>
             </a:br>
             <a:r>
-              <a:rPr lang="ko-KR" altLang="en-US" sz="2400" dirty="0" smtClean="0"/>
-              <a:t>낮은 품질의 </a:t>
-            </a:r>
-            <a:r>
-              <a:rPr lang="en-US" altLang="ko-KR" sz="2400" dirty="0" err="1" smtClean="0"/>
-              <a:t>dewarp</a:t>
-            </a:r>
-            <a:r>
-              <a:rPr lang="en-US" altLang="ko-KR" sz="2400" dirty="0" smtClean="0"/>
-              <a:t>(</a:t>
-            </a:r>
-            <a:r>
-              <a:rPr lang="ko-KR" altLang="en-US" sz="2400" dirty="0" err="1" smtClean="0"/>
-              <a:t>어느정도</a:t>
-            </a:r>
-            <a:r>
-              <a:rPr lang="ko-KR" altLang="en-US" sz="2400" dirty="0" smtClean="0"/>
-              <a:t> 수평을 맞추기 위해</a:t>
-            </a:r>
-            <a:r>
-              <a:rPr lang="en-US" altLang="ko-KR" sz="2400" dirty="0" smtClean="0"/>
-              <a:t>)</a:t>
-            </a:r>
-            <a:br>
-              <a:rPr lang="en-US" altLang="ko-KR" sz="2400" dirty="0" smtClean="0"/>
-            </a:br>
-            <a:r>
-              <a:rPr lang="en-US" altLang="ko-KR" sz="2400" dirty="0" smtClean="0"/>
-              <a:t>-&gt; edge</a:t>
-            </a:r>
-            <a:r>
-              <a:rPr lang="ko-KR" altLang="en-US" sz="2400" dirty="0" smtClean="0"/>
-              <a:t>의 분포와 직선으로 숫자 영역을 추출</a:t>
-            </a:r>
-            <a:r>
-              <a:rPr lang="en-US" altLang="ko-KR" sz="2400" dirty="0" smtClean="0"/>
-              <a:t/>
-            </a:r>
-            <a:br>
-              <a:rPr lang="en-US" altLang="ko-KR" sz="2400" dirty="0" smtClean="0"/>
-            </a:br>
-            <a:r>
-              <a:rPr lang="en-US" altLang="ko-KR" sz="2400" dirty="0" smtClean="0"/>
-              <a:t>-&gt; </a:t>
-            </a:r>
-            <a:r>
-              <a:rPr lang="ko-KR" altLang="en-US" sz="2400" dirty="0" smtClean="0"/>
-              <a:t>숫자 영역의 중앙점을 찾음</a:t>
-            </a:r>
-            <a:r>
-              <a:rPr lang="en-US" altLang="ko-KR" sz="2400" dirty="0" smtClean="0"/>
+              <a:rPr lang="ko-KR" altLang="en-US" dirty="0" smtClean="0"/>
+              <a:t>가장 밑에 있는 </a:t>
+            </a:r>
+            <a:r>
+              <a:rPr lang="en-US" altLang="ko-KR" dirty="0" smtClean="0"/>
+              <a:t>item</a:t>
+            </a:r>
+            <a:r>
+              <a:rPr lang="ko-KR" altLang="en-US" dirty="0" smtClean="0"/>
+              <a:t>을 찾고</a:t>
+            </a:r>
+            <a:r>
+              <a:rPr lang="en-US" altLang="ko-KR" dirty="0" smtClean="0"/>
+              <a:t>, </a:t>
+            </a:r>
+            <a:r>
+              <a:rPr lang="ko-KR" altLang="en-US" dirty="0" smtClean="0"/>
+              <a:t>왼쪽으로 이동하며 멤버를 모으고</a:t>
+            </a:r>
+            <a:r>
+              <a:rPr lang="en-US" altLang="ko-KR" dirty="0" smtClean="0"/>
+              <a:t>, </a:t>
+            </a:r>
+            <a:r>
+              <a:rPr lang="ko-KR" altLang="en-US" dirty="0" smtClean="0"/>
+              <a:t>오른쪽으로 이동하여 멤버를 모은다</a:t>
+            </a:r>
+            <a:r>
+              <a:rPr lang="en-US" altLang="ko-KR" dirty="0" smtClean="0"/>
               <a:t>.</a:t>
             </a:r>
-            <a:br>
-              <a:rPr lang="en-US" altLang="ko-KR" sz="2400" dirty="0" smtClean="0"/>
-            </a:br>
-            <a:r>
-              <a:rPr lang="en-US" altLang="ko-KR" sz="2400" dirty="0" smtClean="0"/>
-              <a:t>-&gt; </a:t>
-            </a:r>
-            <a:r>
-              <a:rPr lang="ko-KR" altLang="en-US" sz="2400" dirty="0" smtClean="0"/>
-              <a:t>아래 부분의 </a:t>
-            </a:r>
-            <a:r>
-              <a:rPr lang="en-US" altLang="ko-KR" sz="2400" dirty="0" smtClean="0"/>
-              <a:t>edge </a:t>
-            </a:r>
-            <a:r>
-              <a:rPr lang="ko-KR" altLang="en-US" sz="2400" dirty="0" smtClean="0"/>
-              <a:t>상의 한 점을 찾음</a:t>
-            </a:r>
-            <a:r>
-              <a:rPr lang="en-US" altLang="ko-KR" sz="2400" dirty="0" smtClean="0"/>
+          </a:p>
+          <a:p>
+            <a:r>
+              <a:rPr lang="ko-KR" altLang="en-US" dirty="0" smtClean="0"/>
+              <a:t>개수가 많은 것이 좋고</a:t>
+            </a:r>
+            <a:r>
+              <a:rPr lang="en-US" altLang="ko-KR" dirty="0" smtClean="0"/>
+              <a:t>, </a:t>
+            </a:r>
+            <a:r>
+              <a:rPr lang="ko-KR" altLang="en-US" dirty="0" smtClean="0"/>
+              <a:t>개수가 같을 때는 낮은 것이 좋다</a:t>
+            </a:r>
+            <a:r>
+              <a:rPr lang="en-US" altLang="ko-KR" dirty="0" smtClean="0"/>
               <a:t>.</a:t>
             </a:r>
-            <a:br>
-              <a:rPr lang="en-US" altLang="ko-KR" sz="2400" dirty="0" smtClean="0"/>
-            </a:br>
-            <a:r>
-              <a:rPr lang="en-US" altLang="ko-KR" sz="2400" dirty="0" smtClean="0"/>
-              <a:t>-&gt; </a:t>
-            </a:r>
-            <a:r>
-              <a:rPr lang="ko-KR" altLang="en-US" sz="2400" dirty="0" smtClean="0"/>
-              <a:t>이 점과 대응하는 원본에서의 대응점을 찾음</a:t>
-            </a:r>
-            <a:r>
-              <a:rPr lang="en-US" altLang="ko-KR" sz="2400" dirty="0" smtClean="0"/>
-              <a:t>.</a:t>
-            </a:r>
-          </a:p>
-          <a:p>
-            <a:pPr marL="514350" indent="-514350">
-              <a:buAutoNum type="arabicPeriod"/>
-            </a:pPr>
-            <a:r>
-              <a:rPr lang="ko-KR" altLang="en-US" sz="2400" dirty="0" smtClean="0"/>
-              <a:t>원본에서 외곽선을 따냄</a:t>
-            </a:r>
-            <a:r>
-              <a:rPr lang="en-US" altLang="ko-KR" sz="2400" dirty="0" smtClean="0"/>
-              <a:t>.</a:t>
-            </a:r>
-            <a:br>
-              <a:rPr lang="en-US" altLang="ko-KR" sz="2400" dirty="0" smtClean="0"/>
-            </a:br>
-            <a:endParaRPr lang="en-US" altLang="ko-KR" sz="2400" dirty="0" smtClean="0"/>
-          </a:p>
-          <a:p>
-            <a:pPr marL="514350" indent="-514350">
-              <a:buAutoNum type="arabicPeriod"/>
-            </a:pPr>
-            <a:r>
-              <a:rPr lang="ko-KR" altLang="en-US" sz="2400" dirty="0" smtClean="0"/>
-              <a:t>외곽선을 이루는 점들로만</a:t>
-            </a:r>
-            <a:r>
-              <a:rPr lang="en-US" altLang="ko-KR" sz="2400" dirty="0" smtClean="0"/>
-              <a:t> </a:t>
-            </a:r>
-            <a:r>
-              <a:rPr lang="en-US" altLang="ko-KR" sz="2400" dirty="0" err="1" smtClean="0"/>
-              <a:t>dewarp</a:t>
-            </a:r>
-            <a:r>
-              <a:rPr lang="ko-KR" altLang="en-US" sz="2400" dirty="0" smtClean="0"/>
-              <a:t> 하여 이를 통해 직선 검출</a:t>
-            </a:r>
-            <a:r>
-              <a:rPr lang="en-US" altLang="ko-KR" sz="2400" dirty="0" smtClean="0"/>
-              <a:t>.</a:t>
-            </a:r>
-          </a:p>
-          <a:p>
-            <a:pPr marL="514350" indent="-514350">
-              <a:buAutoNum type="arabicPeriod"/>
-            </a:pPr>
-            <a:r>
-              <a:rPr lang="ko-KR" altLang="en-US" sz="2400" dirty="0" smtClean="0"/>
-              <a:t>직선이 만나는 점들을 통해</a:t>
-            </a:r>
-            <a:r>
-              <a:rPr lang="en-US" altLang="ko-KR" sz="2400" dirty="0" smtClean="0"/>
-              <a:t>, plate</a:t>
-            </a:r>
-            <a:r>
-              <a:rPr lang="ko-KR" altLang="en-US" sz="2400" dirty="0" smtClean="0"/>
-              <a:t>의 </a:t>
-            </a:r>
-            <a:r>
-              <a:rPr lang="en-US" altLang="ko-KR" sz="2400" dirty="0" smtClean="0"/>
-              <a:t>type</a:t>
-            </a:r>
-            <a:r>
-              <a:rPr lang="ko-KR" altLang="en-US" sz="2400" dirty="0" smtClean="0"/>
-              <a:t>을 유추</a:t>
-            </a:r>
-            <a:r>
-              <a:rPr lang="en-US" altLang="ko-KR" sz="2400" dirty="0" smtClean="0"/>
-              <a:t>.</a:t>
-            </a:r>
-          </a:p>
-          <a:p>
-            <a:pPr marL="514350" indent="-514350">
-              <a:buAutoNum type="arabicPeriod"/>
-            </a:pPr>
-            <a:endParaRPr lang="en-US" altLang="ko-KR" sz="2400" dirty="0" smtClean="0"/>
-          </a:p>
-          <a:p>
-            <a:pPr marL="514350" indent="-514350">
-              <a:buAutoNum type="arabicPeriod"/>
-            </a:pPr>
-            <a:endParaRPr lang="ko-KR" altLang="en-US" sz="2400" dirty="0"/>
+          </a:p>
+          <a:p>
+            <a:endParaRPr lang="ko-KR" altLang="en-US" dirty="0"/>
           </a:p>
         </p:txBody>
       </p:sp>
     </p:spTree>
     <p:extLst>
       <p:ext uri="{BB962C8B-B14F-4D97-AF65-F5344CB8AC3E}">
-        <p14:creationId xmlns:p14="http://schemas.microsoft.com/office/powerpoint/2010/main" val="1776478276"/>
+        <p14:creationId xmlns:p14="http://schemas.microsoft.com/office/powerpoint/2010/main" val="4114512715"/>
       </p:ext>
     </p:extLst>
   </p:cSld>
@@ -3643,7 +3335,7 @@
 </p:sld>
 </file>
 
-<file path=ppt/slides/slide4.xml><?xml version="1.0" encoding="utf-8"?>
+<file path=ppt/slides/slide12.xml><?xml version="1.0" encoding="utf-8"?>
 <p:sld xmlns:a="http://schemas.openxmlformats.org/drawingml/2006/main" xmlns:r="http://schemas.openxmlformats.org/officeDocument/2006/relationships" xmlns:p="http://schemas.openxmlformats.org/presentationml/2006/main">
   <p:cSld>
     <p:spTree>
@@ -3672,6 +3364,343 @@
         </p:nvSpPr>
         <p:spPr/>
         <p:txBody>
+          <a:bodyPr/>
+          <a:lstStyle/>
+          <a:p>
+            <a:endParaRPr lang="ko-KR" altLang="en-US"/>
+          </a:p>
+        </p:txBody>
+      </p:sp>
+      <p:pic>
+        <p:nvPicPr>
+          <p:cNvPr id="4" name="내용 개체 틀 3"/>
+          <p:cNvPicPr>
+            <a:picLocks noGrp="1" noChangeAspect="1"/>
+          </p:cNvPicPr>
+          <p:nvPr>
+            <p:ph idx="1"/>
+          </p:nvPr>
+        </p:nvPicPr>
+        <p:blipFill>
+          <a:blip r:embed="rId2">
+            <a:extLst>
+              <a:ext uri="{28A0092B-C50C-407E-A947-70E740481C1C}">
+                <a14:useLocalDpi xmlns:a14="http://schemas.microsoft.com/office/drawing/2010/main" val="0"/>
+              </a:ext>
+            </a:extLst>
+          </a:blip>
+          <a:stretch>
+            <a:fillRect/>
+          </a:stretch>
+        </p:blipFill>
+        <p:spPr>
+          <a:xfrm>
+            <a:off x="740629" y="1908752"/>
+            <a:ext cx="5076560" cy="4351338"/>
+          </a:xfrm>
+        </p:spPr>
+      </p:pic>
+    </p:spTree>
+    <p:extLst>
+      <p:ext uri="{BB962C8B-B14F-4D97-AF65-F5344CB8AC3E}">
+        <p14:creationId xmlns:p14="http://schemas.microsoft.com/office/powerpoint/2010/main" val="1339937857"/>
+      </p:ext>
+    </p:extLst>
+  </p:cSld>
+  <p:clrMapOvr>
+    <a:masterClrMapping/>
+  </p:clrMapOvr>
+</p:sld>
+</file>
+
+<file path=ppt/slides/slide13.xml><?xml version="1.0" encoding="utf-8"?>
+<p:sld xmlns:a="http://schemas.openxmlformats.org/drawingml/2006/main" xmlns:r="http://schemas.openxmlformats.org/officeDocument/2006/relationships" xmlns:p="http://schemas.openxmlformats.org/presentationml/2006/main">
+  <p:cSld>
+    <p:spTree>
+      <p:nvGrpSpPr>
+        <p:cNvPr id="1" name=""/>
+        <p:cNvGrpSpPr/>
+        <p:nvPr/>
+      </p:nvGrpSpPr>
+      <p:grpSpPr>
+        <a:xfrm>
+          <a:off x="0" y="0"/>
+          <a:ext cx="0" cy="0"/>
+          <a:chOff x="0" y="0"/>
+          <a:chExt cx="0" cy="0"/>
+        </a:xfrm>
+      </p:grpSpPr>
+      <p:sp>
+        <p:nvSpPr>
+          <p:cNvPr id="2" name="제목 1"/>
+          <p:cNvSpPr>
+            <a:spLocks noGrp="1"/>
+          </p:cNvSpPr>
+          <p:nvPr>
+            <p:ph type="title"/>
+          </p:nvPr>
+        </p:nvSpPr>
+        <p:spPr/>
+        <p:txBody>
+          <a:bodyPr/>
+          <a:lstStyle/>
+          <a:p>
+            <a:endParaRPr lang="ko-KR" altLang="en-US"/>
+          </a:p>
+        </p:txBody>
+      </p:sp>
+      <p:pic>
+        <p:nvPicPr>
+          <p:cNvPr id="4" name="내용 개체 틀 3"/>
+          <p:cNvPicPr>
+            <a:picLocks noGrp="1" noChangeAspect="1"/>
+          </p:cNvPicPr>
+          <p:nvPr>
+            <p:ph idx="1"/>
+          </p:nvPr>
+        </p:nvPicPr>
+        <p:blipFill>
+          <a:blip r:embed="rId2"/>
+          <a:stretch>
+            <a:fillRect/>
+          </a:stretch>
+        </p:blipFill>
+        <p:spPr>
+          <a:xfrm>
+            <a:off x="3454264" y="2153349"/>
+            <a:ext cx="5283472" cy="3695890"/>
+          </a:xfrm>
+          <a:prstGeom prst="rect">
+            <a:avLst/>
+          </a:prstGeom>
+        </p:spPr>
+      </p:pic>
+    </p:spTree>
+    <p:extLst>
+      <p:ext uri="{BB962C8B-B14F-4D97-AF65-F5344CB8AC3E}">
+        <p14:creationId xmlns:p14="http://schemas.microsoft.com/office/powerpoint/2010/main" val="3125474884"/>
+      </p:ext>
+    </p:extLst>
+  </p:cSld>
+  <p:clrMapOvr>
+    <a:masterClrMapping/>
+  </p:clrMapOvr>
+</p:sld>
+</file>
+
+<file path=ppt/slides/slide14.xml><?xml version="1.0" encoding="utf-8"?>
+<p:sld xmlns:a="http://schemas.openxmlformats.org/drawingml/2006/main" xmlns:r="http://schemas.openxmlformats.org/officeDocument/2006/relationships" xmlns:p="http://schemas.openxmlformats.org/presentationml/2006/main">
+  <p:cSld>
+    <p:spTree>
+      <p:nvGrpSpPr>
+        <p:cNvPr id="1" name=""/>
+        <p:cNvGrpSpPr/>
+        <p:nvPr/>
+      </p:nvGrpSpPr>
+      <p:grpSpPr>
+        <a:xfrm>
+          <a:off x="0" y="0"/>
+          <a:ext cx="0" cy="0"/>
+          <a:chOff x="0" y="0"/>
+          <a:chExt cx="0" cy="0"/>
+        </a:xfrm>
+      </p:grpSpPr>
+      <p:sp>
+        <p:nvSpPr>
+          <p:cNvPr id="2" name="제목 1"/>
+          <p:cNvSpPr>
+            <a:spLocks noGrp="1"/>
+          </p:cNvSpPr>
+          <p:nvPr>
+            <p:ph type="title"/>
+          </p:nvPr>
+        </p:nvSpPr>
+        <p:spPr/>
+        <p:txBody>
+          <a:bodyPr/>
+          <a:lstStyle/>
+          <a:p>
+            <a:endParaRPr lang="ko-KR" altLang="en-US"/>
+          </a:p>
+        </p:txBody>
+      </p:sp>
+      <p:sp>
+        <p:nvSpPr>
+          <p:cNvPr id="3" name="내용 개체 틀 2"/>
+          <p:cNvSpPr>
+            <a:spLocks noGrp="1"/>
+          </p:cNvSpPr>
+          <p:nvPr>
+            <p:ph idx="1"/>
+          </p:nvPr>
+        </p:nvSpPr>
+        <p:spPr/>
+        <p:txBody>
+          <a:bodyPr/>
+          <a:lstStyle/>
+          <a:p>
+            <a:endParaRPr lang="ko-KR" altLang="en-US" dirty="0"/>
+          </a:p>
+        </p:txBody>
+      </p:sp>
+      <p:pic>
+        <p:nvPicPr>
+          <p:cNvPr id="4" name="그림 3"/>
+          <p:cNvPicPr>
+            <a:picLocks noChangeAspect="1"/>
+          </p:cNvPicPr>
+          <p:nvPr/>
+        </p:nvPicPr>
+        <p:blipFill>
+          <a:blip r:embed="rId2"/>
+          <a:stretch>
+            <a:fillRect/>
+          </a:stretch>
+        </p:blipFill>
+        <p:spPr>
+          <a:xfrm>
+            <a:off x="3428863" y="1552478"/>
+            <a:ext cx="5334274" cy="3753043"/>
+          </a:xfrm>
+          <a:prstGeom prst="rect">
+            <a:avLst/>
+          </a:prstGeom>
+        </p:spPr>
+      </p:pic>
+    </p:spTree>
+    <p:extLst>
+      <p:ext uri="{BB962C8B-B14F-4D97-AF65-F5344CB8AC3E}">
+        <p14:creationId xmlns:p14="http://schemas.microsoft.com/office/powerpoint/2010/main" val="1415975505"/>
+      </p:ext>
+    </p:extLst>
+  </p:cSld>
+  <p:clrMapOvr>
+    <a:masterClrMapping/>
+  </p:clrMapOvr>
+</p:sld>
+</file>
+
+<file path=ppt/slides/slide15.xml><?xml version="1.0" encoding="utf-8"?>
+<p:sld xmlns:a="http://schemas.openxmlformats.org/drawingml/2006/main" xmlns:r="http://schemas.openxmlformats.org/officeDocument/2006/relationships" xmlns:p="http://schemas.openxmlformats.org/presentationml/2006/main">
+  <p:cSld>
+    <p:spTree>
+      <p:nvGrpSpPr>
+        <p:cNvPr id="1" name=""/>
+        <p:cNvGrpSpPr/>
+        <p:nvPr/>
+      </p:nvGrpSpPr>
+      <p:grpSpPr>
+        <a:xfrm>
+          <a:off x="0" y="0"/>
+          <a:ext cx="0" cy="0"/>
+          <a:chOff x="0" y="0"/>
+          <a:chExt cx="0" cy="0"/>
+        </a:xfrm>
+      </p:grpSpPr>
+      <p:sp>
+        <p:nvSpPr>
+          <p:cNvPr id="2" name="제목 1"/>
+          <p:cNvSpPr>
+            <a:spLocks noGrp="1"/>
+          </p:cNvSpPr>
+          <p:nvPr>
+            <p:ph type="title"/>
+          </p:nvPr>
+        </p:nvSpPr>
+        <p:spPr/>
+        <p:txBody>
+          <a:bodyPr/>
+          <a:lstStyle/>
+          <a:p>
+            <a:endParaRPr lang="ko-KR" altLang="en-US"/>
+          </a:p>
+        </p:txBody>
+      </p:sp>
+      <p:sp>
+        <p:nvSpPr>
+          <p:cNvPr id="3" name="내용 개체 틀 2"/>
+          <p:cNvSpPr>
+            <a:spLocks noGrp="1"/>
+          </p:cNvSpPr>
+          <p:nvPr>
+            <p:ph idx="1"/>
+          </p:nvPr>
+        </p:nvSpPr>
+        <p:spPr/>
+        <p:txBody>
+          <a:bodyPr/>
+          <a:lstStyle/>
+          <a:p>
+            <a:endParaRPr lang="ko-KR" altLang="en-US"/>
+          </a:p>
+        </p:txBody>
+      </p:sp>
+      <p:pic>
+        <p:nvPicPr>
+          <p:cNvPr id="4" name="그림 3"/>
+          <p:cNvPicPr>
+            <a:picLocks noChangeAspect="1"/>
+          </p:cNvPicPr>
+          <p:nvPr/>
+        </p:nvPicPr>
+        <p:blipFill>
+          <a:blip r:embed="rId2"/>
+          <a:stretch>
+            <a:fillRect/>
+          </a:stretch>
+        </p:blipFill>
+        <p:spPr>
+          <a:xfrm>
+            <a:off x="2031791" y="1165108"/>
+            <a:ext cx="8128418" cy="4527783"/>
+          </a:xfrm>
+          <a:prstGeom prst="rect">
+            <a:avLst/>
+          </a:prstGeom>
+        </p:spPr>
+      </p:pic>
+    </p:spTree>
+    <p:extLst>
+      <p:ext uri="{BB962C8B-B14F-4D97-AF65-F5344CB8AC3E}">
+        <p14:creationId xmlns:p14="http://schemas.microsoft.com/office/powerpoint/2010/main" val="3584440253"/>
+      </p:ext>
+    </p:extLst>
+  </p:cSld>
+  <p:clrMapOvr>
+    <a:masterClrMapping/>
+  </p:clrMapOvr>
+</p:sld>
+</file>
+
+<file path=ppt/slides/slide16.xml><?xml version="1.0" encoding="utf-8"?>
+<p:sld xmlns:a="http://schemas.openxmlformats.org/drawingml/2006/main" xmlns:r="http://schemas.openxmlformats.org/officeDocument/2006/relationships" xmlns:p="http://schemas.openxmlformats.org/presentationml/2006/main">
+  <p:cSld>
+    <p:spTree>
+      <p:nvGrpSpPr>
+        <p:cNvPr id="1" name=""/>
+        <p:cNvGrpSpPr/>
+        <p:nvPr/>
+      </p:nvGrpSpPr>
+      <p:grpSpPr>
+        <a:xfrm>
+          <a:off x="0" y="0"/>
+          <a:ext cx="0" cy="0"/>
+          <a:chOff x="0" y="0"/>
+          <a:chExt cx="0" cy="0"/>
+        </a:xfrm>
+      </p:grpSpPr>
+      <p:sp>
+        <p:nvSpPr>
+          <p:cNvPr id="2" name="제목 1"/>
+          <p:cNvSpPr>
+            <a:spLocks noGrp="1"/>
+          </p:cNvSpPr>
+          <p:nvPr>
+            <p:ph type="title"/>
+          </p:nvPr>
+        </p:nvSpPr>
+        <p:spPr/>
+        <p:txBody>
           <a:bodyPr>
             <a:normAutofit fontScale="90000"/>
           </a:bodyPr>
@@ -3941,7 +3970,7 @@
 </p:sld>
 </file>
 
-<file path=ppt/slides/slide5.xml><?xml version="1.0" encoding="utf-8"?>
+<file path=ppt/slides/slide17.xml><?xml version="1.0" encoding="utf-8"?>
 <p:sld xmlns:a="http://schemas.openxmlformats.org/drawingml/2006/main" xmlns:r="http://schemas.openxmlformats.org/officeDocument/2006/relationships" xmlns:p="http://schemas.openxmlformats.org/presentationml/2006/main">
   <p:cSld>
     <p:spTree>
@@ -4354,6 +4383,1705 @@
 </p:sld>
 </file>
 
+<file path=ppt/slides/slide18.xml><?xml version="1.0" encoding="utf-8"?>
+<p:sld xmlns:a="http://schemas.openxmlformats.org/drawingml/2006/main" xmlns:r="http://schemas.openxmlformats.org/officeDocument/2006/relationships" xmlns:p="http://schemas.openxmlformats.org/presentationml/2006/main">
+  <p:cSld>
+    <p:spTree>
+      <p:nvGrpSpPr>
+        <p:cNvPr id="1" name=""/>
+        <p:cNvGrpSpPr/>
+        <p:nvPr/>
+      </p:nvGrpSpPr>
+      <p:grpSpPr>
+        <a:xfrm>
+          <a:off x="0" y="0"/>
+          <a:ext cx="0" cy="0"/>
+          <a:chOff x="0" y="0"/>
+          <a:chExt cx="0" cy="0"/>
+        </a:xfrm>
+      </p:grpSpPr>
+      <p:sp>
+        <p:nvSpPr>
+          <p:cNvPr id="2" name="제목 1"/>
+          <p:cNvSpPr>
+            <a:spLocks noGrp="1"/>
+          </p:cNvSpPr>
+          <p:nvPr>
+            <p:ph type="title"/>
+          </p:nvPr>
+        </p:nvSpPr>
+        <p:spPr/>
+        <p:txBody>
+          <a:bodyPr/>
+          <a:lstStyle/>
+          <a:p>
+            <a:endParaRPr lang="ko-KR" altLang="en-US"/>
+          </a:p>
+        </p:txBody>
+      </p:sp>
+      <p:pic>
+        <p:nvPicPr>
+          <p:cNvPr id="9" name="내용 개체 틀 8"/>
+          <p:cNvPicPr>
+            <a:picLocks noGrp="1" noChangeAspect="1"/>
+          </p:cNvPicPr>
+          <p:nvPr>
+            <p:ph idx="1"/>
+          </p:nvPr>
+        </p:nvPicPr>
+        <p:blipFill>
+          <a:blip r:embed="rId2"/>
+          <a:stretch>
+            <a:fillRect/>
+          </a:stretch>
+        </p:blipFill>
+        <p:spPr>
+          <a:xfrm>
+            <a:off x="838200" y="1690688"/>
+            <a:ext cx="5193766" cy="2005777"/>
+          </a:xfrm>
+          <a:prstGeom prst="rect">
+            <a:avLst/>
+          </a:prstGeom>
+        </p:spPr>
+      </p:pic>
+      <p:pic>
+        <p:nvPicPr>
+          <p:cNvPr id="10" name="그림 9"/>
+          <p:cNvPicPr>
+            <a:picLocks noChangeAspect="1"/>
+          </p:cNvPicPr>
+          <p:nvPr/>
+        </p:nvPicPr>
+        <p:blipFill>
+          <a:blip r:embed="rId3"/>
+          <a:stretch>
+            <a:fillRect/>
+          </a:stretch>
+        </p:blipFill>
+        <p:spPr>
+          <a:xfrm>
+            <a:off x="838200" y="3989974"/>
+            <a:ext cx="5183180" cy="1604002"/>
+          </a:xfrm>
+          <a:prstGeom prst="rect">
+            <a:avLst/>
+          </a:prstGeom>
+        </p:spPr>
+      </p:pic>
+    </p:spTree>
+    <p:extLst>
+      <p:ext uri="{BB962C8B-B14F-4D97-AF65-F5344CB8AC3E}">
+        <p14:creationId xmlns:p14="http://schemas.microsoft.com/office/powerpoint/2010/main" val="274091329"/>
+      </p:ext>
+    </p:extLst>
+  </p:cSld>
+  <p:clrMapOvr>
+    <a:masterClrMapping/>
+  </p:clrMapOvr>
+</p:sld>
+</file>
+
+<file path=ppt/slides/slide19.xml><?xml version="1.0" encoding="utf-8"?>
+<p:sld xmlns:a="http://schemas.openxmlformats.org/drawingml/2006/main" xmlns:r="http://schemas.openxmlformats.org/officeDocument/2006/relationships" xmlns:p="http://schemas.openxmlformats.org/presentationml/2006/main">
+  <p:cSld>
+    <p:spTree>
+      <p:nvGrpSpPr>
+        <p:cNvPr id="1" name=""/>
+        <p:cNvGrpSpPr/>
+        <p:nvPr/>
+      </p:nvGrpSpPr>
+      <p:grpSpPr>
+        <a:xfrm>
+          <a:off x="0" y="0"/>
+          <a:ext cx="0" cy="0"/>
+          <a:chOff x="0" y="0"/>
+          <a:chExt cx="0" cy="0"/>
+        </a:xfrm>
+      </p:grpSpPr>
+      <p:sp>
+        <p:nvSpPr>
+          <p:cNvPr id="2" name="제목 1"/>
+          <p:cNvSpPr>
+            <a:spLocks noGrp="1"/>
+          </p:cNvSpPr>
+          <p:nvPr>
+            <p:ph type="title"/>
+          </p:nvPr>
+        </p:nvSpPr>
+        <p:spPr/>
+        <p:txBody>
+          <a:bodyPr/>
+          <a:lstStyle/>
+          <a:p>
+            <a:endParaRPr lang="ko-KR" altLang="en-US"/>
+          </a:p>
+        </p:txBody>
+      </p:sp>
+      <p:pic>
+        <p:nvPicPr>
+          <p:cNvPr id="7" name="내용 개체 틀 6"/>
+          <p:cNvPicPr>
+            <a:picLocks noGrp="1" noChangeAspect="1"/>
+          </p:cNvPicPr>
+          <p:nvPr>
+            <p:ph idx="1"/>
+          </p:nvPr>
+        </p:nvPicPr>
+        <p:blipFill>
+          <a:blip r:embed="rId2"/>
+          <a:stretch>
+            <a:fillRect/>
+          </a:stretch>
+        </p:blipFill>
+        <p:spPr>
+          <a:xfrm>
+            <a:off x="2375729" y="1825625"/>
+            <a:ext cx="2028027" cy="1595825"/>
+          </a:xfrm>
+          <a:prstGeom prst="rect">
+            <a:avLst/>
+          </a:prstGeom>
+        </p:spPr>
+      </p:pic>
+      <p:pic>
+        <p:nvPicPr>
+          <p:cNvPr id="4" name="그림 3"/>
+          <p:cNvPicPr>
+            <a:picLocks noChangeAspect="1"/>
+          </p:cNvPicPr>
+          <p:nvPr/>
+        </p:nvPicPr>
+        <p:blipFill>
+          <a:blip r:embed="rId3"/>
+          <a:stretch>
+            <a:fillRect/>
+          </a:stretch>
+        </p:blipFill>
+        <p:spPr>
+          <a:xfrm>
+            <a:off x="137960" y="1825625"/>
+            <a:ext cx="2041972" cy="1595496"/>
+          </a:xfrm>
+          <a:prstGeom prst="rect">
+            <a:avLst/>
+          </a:prstGeom>
+        </p:spPr>
+      </p:pic>
+      <p:pic>
+        <p:nvPicPr>
+          <p:cNvPr id="5" name="그림 4"/>
+          <p:cNvPicPr>
+            <a:picLocks noChangeAspect="1"/>
+          </p:cNvPicPr>
+          <p:nvPr/>
+        </p:nvPicPr>
+        <p:blipFill>
+          <a:blip r:embed="rId4"/>
+          <a:stretch>
+            <a:fillRect/>
+          </a:stretch>
+        </p:blipFill>
+        <p:spPr>
+          <a:xfrm>
+            <a:off x="137958" y="3421121"/>
+            <a:ext cx="2041972" cy="1595496"/>
+          </a:xfrm>
+          <a:prstGeom prst="rect">
+            <a:avLst/>
+          </a:prstGeom>
+        </p:spPr>
+      </p:pic>
+      <p:pic>
+        <p:nvPicPr>
+          <p:cNvPr id="8" name="그림 7"/>
+          <p:cNvPicPr>
+            <a:picLocks noChangeAspect="1"/>
+          </p:cNvPicPr>
+          <p:nvPr/>
+        </p:nvPicPr>
+        <p:blipFill>
+          <a:blip r:embed="rId5"/>
+          <a:stretch>
+            <a:fillRect/>
+          </a:stretch>
+        </p:blipFill>
+        <p:spPr>
+          <a:xfrm>
+            <a:off x="2375727" y="3421121"/>
+            <a:ext cx="2028027" cy="1595825"/>
+          </a:xfrm>
+          <a:prstGeom prst="rect">
+            <a:avLst/>
+          </a:prstGeom>
+        </p:spPr>
+      </p:pic>
+      <p:pic>
+        <p:nvPicPr>
+          <p:cNvPr id="11" name="그림 10"/>
+          <p:cNvPicPr>
+            <a:picLocks noChangeAspect="1"/>
+          </p:cNvPicPr>
+          <p:nvPr/>
+        </p:nvPicPr>
+        <p:blipFill>
+          <a:blip r:embed="rId6"/>
+          <a:stretch>
+            <a:fillRect/>
+          </a:stretch>
+        </p:blipFill>
+        <p:spPr>
+          <a:xfrm>
+            <a:off x="4541939" y="1825625"/>
+            <a:ext cx="2115803" cy="1605092"/>
+          </a:xfrm>
+          <a:prstGeom prst="rect">
+            <a:avLst/>
+          </a:prstGeom>
+        </p:spPr>
+      </p:pic>
+      <p:pic>
+        <p:nvPicPr>
+          <p:cNvPr id="12" name="그림 11"/>
+          <p:cNvPicPr>
+            <a:picLocks noChangeAspect="1"/>
+          </p:cNvPicPr>
+          <p:nvPr/>
+        </p:nvPicPr>
+        <p:blipFill>
+          <a:blip r:embed="rId7"/>
+          <a:stretch>
+            <a:fillRect/>
+          </a:stretch>
+        </p:blipFill>
+        <p:spPr>
+          <a:xfrm>
+            <a:off x="4541937" y="3411196"/>
+            <a:ext cx="2115803" cy="1605092"/>
+          </a:xfrm>
+          <a:prstGeom prst="rect">
+            <a:avLst/>
+          </a:prstGeom>
+        </p:spPr>
+      </p:pic>
+      <p:pic>
+        <p:nvPicPr>
+          <p:cNvPr id="17" name="그림 16"/>
+          <p:cNvPicPr>
+            <a:picLocks noChangeAspect="1"/>
+          </p:cNvPicPr>
+          <p:nvPr/>
+        </p:nvPicPr>
+        <p:blipFill>
+          <a:blip r:embed="rId8"/>
+          <a:stretch>
+            <a:fillRect/>
+          </a:stretch>
+        </p:blipFill>
+        <p:spPr>
+          <a:xfrm>
+            <a:off x="6795921" y="1825625"/>
+            <a:ext cx="1967484" cy="1581014"/>
+          </a:xfrm>
+          <a:prstGeom prst="rect">
+            <a:avLst/>
+          </a:prstGeom>
+        </p:spPr>
+      </p:pic>
+      <p:pic>
+        <p:nvPicPr>
+          <p:cNvPr id="18" name="그림 17"/>
+          <p:cNvPicPr>
+            <a:picLocks noChangeAspect="1"/>
+          </p:cNvPicPr>
+          <p:nvPr/>
+        </p:nvPicPr>
+        <p:blipFill>
+          <a:blip r:embed="rId9"/>
+          <a:stretch>
+            <a:fillRect/>
+          </a:stretch>
+        </p:blipFill>
+        <p:spPr>
+          <a:xfrm>
+            <a:off x="6795921" y="3400918"/>
+            <a:ext cx="1967484" cy="1581014"/>
+          </a:xfrm>
+          <a:prstGeom prst="rect">
+            <a:avLst/>
+          </a:prstGeom>
+        </p:spPr>
+      </p:pic>
+    </p:spTree>
+    <p:extLst>
+      <p:ext uri="{BB962C8B-B14F-4D97-AF65-F5344CB8AC3E}">
+        <p14:creationId xmlns:p14="http://schemas.microsoft.com/office/powerpoint/2010/main" val="185557398"/>
+      </p:ext>
+    </p:extLst>
+  </p:cSld>
+  <p:clrMapOvr>
+    <a:masterClrMapping/>
+  </p:clrMapOvr>
+</p:sld>
+</file>
+
+<file path=ppt/slides/slide2.xml><?xml version="1.0" encoding="utf-8"?>
+<p:sld xmlns:a="http://schemas.openxmlformats.org/drawingml/2006/main" xmlns:r="http://schemas.openxmlformats.org/officeDocument/2006/relationships" xmlns:p="http://schemas.openxmlformats.org/presentationml/2006/main">
+  <p:cSld>
+    <p:spTree>
+      <p:nvGrpSpPr>
+        <p:cNvPr id="1" name=""/>
+        <p:cNvGrpSpPr/>
+        <p:nvPr/>
+      </p:nvGrpSpPr>
+      <p:grpSpPr>
+        <a:xfrm>
+          <a:off x="0" y="0"/>
+          <a:ext cx="0" cy="0"/>
+          <a:chOff x="0" y="0"/>
+          <a:chExt cx="0" cy="0"/>
+        </a:xfrm>
+      </p:grpSpPr>
+      <p:sp>
+        <p:nvSpPr>
+          <p:cNvPr id="2" name="제목 1"/>
+          <p:cNvSpPr>
+            <a:spLocks noGrp="1"/>
+          </p:cNvSpPr>
+          <p:nvPr>
+            <p:ph type="title"/>
+          </p:nvPr>
+        </p:nvSpPr>
+        <p:spPr/>
+        <p:txBody>
+          <a:bodyPr/>
+          <a:lstStyle/>
+          <a:p>
+            <a:r>
+              <a:rPr lang="en-US" altLang="ko-KR" dirty="0" smtClean="0"/>
+              <a:t>Car plate </a:t>
+            </a:r>
+            <a:r>
+              <a:rPr lang="ko-KR" altLang="en-US" dirty="0" smtClean="0"/>
+              <a:t>외곽선 추출</a:t>
+            </a:r>
+            <a:endParaRPr lang="ko-KR" altLang="en-US" dirty="0"/>
+          </a:p>
+        </p:txBody>
+      </p:sp>
+      <p:sp>
+        <p:nvSpPr>
+          <p:cNvPr id="3" name="내용 개체 틀 2"/>
+          <p:cNvSpPr>
+            <a:spLocks noGrp="1"/>
+          </p:cNvSpPr>
+          <p:nvPr>
+            <p:ph idx="1"/>
+          </p:nvPr>
+        </p:nvSpPr>
+        <p:spPr/>
+        <p:txBody>
+          <a:bodyPr>
+            <a:normAutofit/>
+          </a:bodyPr>
+          <a:lstStyle/>
+          <a:p>
+            <a:pPr marL="0" indent="0">
+              <a:buNone/>
+            </a:pPr>
+            <a:r>
+              <a:rPr lang="ko-KR" altLang="en-US" sz="2000" dirty="0" smtClean="0"/>
+              <a:t>목적 </a:t>
+            </a:r>
+            <a:r>
+              <a:rPr lang="en-US" altLang="ko-KR" sz="2000" dirty="0" smtClean="0"/>
+              <a:t>: Car plate</a:t>
+            </a:r>
+            <a:r>
+              <a:rPr lang="ko-KR" altLang="en-US" sz="2000" dirty="0" smtClean="0"/>
+              <a:t>의 외곽선을 알 경우</a:t>
+            </a:r>
+            <a:r>
+              <a:rPr lang="en-US" altLang="ko-KR" sz="2000" dirty="0" smtClean="0"/>
+              <a:t>, </a:t>
+            </a:r>
+            <a:r>
+              <a:rPr lang="ko-KR" altLang="en-US" sz="2000" dirty="0" smtClean="0"/>
+              <a:t>장점이 많다</a:t>
+            </a:r>
+            <a:r>
+              <a:rPr lang="en-US" altLang="ko-KR" sz="2000" dirty="0" smtClean="0"/>
+              <a:t>.</a:t>
+            </a:r>
+            <a:br>
+              <a:rPr lang="en-US" altLang="ko-KR" sz="2000" dirty="0" smtClean="0"/>
+            </a:br>
+            <a:r>
+              <a:rPr lang="en-US" altLang="ko-KR" sz="2000" dirty="0" smtClean="0"/>
+              <a:t>  1</a:t>
+            </a:r>
+            <a:r>
+              <a:rPr lang="en-US" altLang="ko-KR" sz="2000" dirty="0"/>
+              <a:t>. Car plate</a:t>
+            </a:r>
+            <a:r>
+              <a:rPr lang="ko-KR" altLang="en-US" sz="2000" dirty="0" smtClean="0"/>
+              <a:t> 영역만 좀 더 높은 품질의 </a:t>
+            </a:r>
+            <a:r>
+              <a:rPr lang="en-US" altLang="ko-KR" sz="2000" dirty="0" err="1" smtClean="0"/>
+              <a:t>dewarp</a:t>
+            </a:r>
+            <a:r>
+              <a:rPr lang="ko-KR" altLang="en-US" sz="2000" dirty="0" smtClean="0"/>
+              <a:t>를 할 수 있으므로</a:t>
+            </a:r>
+            <a:r>
+              <a:rPr lang="en-US" altLang="ko-KR" sz="2000" dirty="0" smtClean="0"/>
+              <a:t>, </a:t>
+            </a:r>
+            <a:r>
+              <a:rPr lang="ko-KR" altLang="en-US" sz="2000" dirty="0" smtClean="0"/>
+              <a:t>전체 영역을 높은 품질로 </a:t>
+            </a:r>
+            <a:r>
+              <a:rPr lang="en-US" altLang="ko-KR" sz="2000" dirty="0" err="1" smtClean="0"/>
+              <a:t>dewarp</a:t>
+            </a:r>
+            <a:r>
+              <a:rPr lang="ko-KR" altLang="en-US" sz="2000" dirty="0" smtClean="0"/>
+              <a:t>하지 않아도 됨</a:t>
+            </a:r>
+            <a:r>
+              <a:rPr lang="en-US" altLang="ko-KR" sz="2000" dirty="0" smtClean="0"/>
+              <a:t>.</a:t>
+            </a:r>
+          </a:p>
+          <a:p>
+            <a:pPr marL="0" indent="0">
+              <a:buNone/>
+            </a:pPr>
+            <a:r>
+              <a:rPr lang="en-US" altLang="ko-KR" sz="2000" dirty="0" smtClean="0"/>
+              <a:t>  2. </a:t>
+            </a:r>
+            <a:r>
+              <a:rPr lang="ko-KR" altLang="en-US" sz="2000" dirty="0" smtClean="0"/>
+              <a:t>번호인식</a:t>
+            </a:r>
+            <a:r>
+              <a:rPr lang="en-US" altLang="ko-KR" sz="2000" dirty="0"/>
+              <a:t> </a:t>
+            </a:r>
+            <a:r>
+              <a:rPr lang="ko-KR" altLang="en-US" sz="2000" dirty="0" smtClean="0"/>
+              <a:t>시 사용되는 </a:t>
+            </a:r>
+            <a:r>
+              <a:rPr lang="en-US" altLang="ko-KR" sz="2000" dirty="0" smtClean="0"/>
+              <a:t>Resource</a:t>
+            </a:r>
+            <a:r>
+              <a:rPr lang="ko-KR" altLang="en-US" sz="2000" dirty="0" smtClean="0"/>
+              <a:t>를 줄일 수 있음</a:t>
+            </a:r>
+            <a:r>
+              <a:rPr lang="en-US" altLang="ko-KR" sz="2000" dirty="0" smtClean="0"/>
+              <a:t>.</a:t>
+            </a:r>
+            <a:r>
+              <a:rPr lang="en-US" altLang="ko-KR" sz="2000" dirty="0"/>
+              <a:t/>
+            </a:r>
+            <a:br>
+              <a:rPr lang="en-US" altLang="ko-KR" sz="2000" dirty="0"/>
+            </a:br>
+            <a:r>
+              <a:rPr lang="en-US" altLang="ko-KR" sz="2000" dirty="0" smtClean="0"/>
+              <a:t>   a. </a:t>
+            </a:r>
+            <a:r>
+              <a:rPr lang="ko-KR" altLang="en-US" sz="2000" dirty="0" smtClean="0"/>
+              <a:t>숫자를 인식하는 영역이 선택영역에서 </a:t>
+            </a:r>
+            <a:r>
+              <a:rPr lang="en-US" altLang="ko-KR" sz="2000" dirty="0" smtClean="0"/>
+              <a:t>Car plate </a:t>
+            </a:r>
+            <a:r>
+              <a:rPr lang="ko-KR" altLang="en-US" sz="2000" dirty="0" smtClean="0"/>
+              <a:t>영역으로 좁아짐</a:t>
+            </a:r>
+            <a:r>
+              <a:rPr lang="en-US" altLang="ko-KR" sz="2000" dirty="0" smtClean="0"/>
+              <a:t>.</a:t>
+            </a:r>
+            <a:br>
+              <a:rPr lang="en-US" altLang="ko-KR" sz="2000" dirty="0" smtClean="0"/>
+            </a:br>
+            <a:r>
+              <a:rPr lang="en-US" altLang="ko-KR" sz="2000" dirty="0" smtClean="0"/>
+              <a:t>   b. </a:t>
+            </a:r>
+            <a:r>
+              <a:rPr lang="en-US" altLang="ko-KR" sz="2000" dirty="0"/>
+              <a:t>Car </a:t>
+            </a:r>
+            <a:r>
+              <a:rPr lang="en-US" altLang="ko-KR" sz="2000" dirty="0" smtClean="0"/>
+              <a:t>plate</a:t>
+            </a:r>
+            <a:r>
+              <a:rPr lang="ko-KR" altLang="en-US" sz="2000" dirty="0" smtClean="0"/>
+              <a:t>의</a:t>
+            </a:r>
+            <a:r>
+              <a:rPr lang="en-US" altLang="ko-KR" sz="2000" dirty="0"/>
+              <a:t> </a:t>
+            </a:r>
+            <a:r>
+              <a:rPr lang="en-US" altLang="ko-KR" sz="2000" dirty="0" smtClean="0"/>
+              <a:t>type</a:t>
+            </a:r>
+            <a:r>
+              <a:rPr lang="ko-KR" altLang="en-US" sz="2000" dirty="0" smtClean="0"/>
+              <a:t>을 통해 숫자의 위치 및 크기를 유추할 수 있으므로</a:t>
+            </a:r>
+            <a:r>
+              <a:rPr lang="en-US" altLang="ko-KR" sz="2000" dirty="0" smtClean="0"/>
+              <a:t> </a:t>
+            </a:r>
+            <a:r>
+              <a:rPr lang="ko-KR" altLang="en-US" sz="2000" dirty="0" smtClean="0"/>
+              <a:t>숫자 인식이 편해짐</a:t>
+            </a:r>
+            <a:r>
+              <a:rPr lang="en-US" altLang="ko-KR" sz="2000" dirty="0" smtClean="0"/>
+              <a:t>.</a:t>
+            </a:r>
+            <a:r>
+              <a:rPr lang="ko-KR" altLang="en-US" sz="2000" dirty="0" smtClean="0"/>
+              <a:t> </a:t>
+            </a:r>
+            <a:r>
+              <a:rPr lang="en-US" altLang="ko-KR" sz="2000" dirty="0" smtClean="0"/>
+              <a:t>(type</a:t>
+            </a:r>
+            <a:r>
+              <a:rPr lang="ko-KR" altLang="en-US" sz="2000" dirty="0" smtClean="0"/>
+              <a:t>별로 정해진 규정이 있음</a:t>
+            </a:r>
+            <a:r>
+              <a:rPr lang="en-US" altLang="ko-KR" sz="2000" dirty="0" smtClean="0"/>
+              <a:t>)</a:t>
+            </a:r>
+          </a:p>
+          <a:p>
+            <a:pPr marL="0" indent="0">
+              <a:buNone/>
+            </a:pPr>
+            <a:r>
+              <a:rPr lang="en-US" altLang="ko-KR" sz="2000" dirty="0" smtClean="0"/>
+              <a:t>  3. </a:t>
+            </a:r>
+            <a:r>
+              <a:rPr lang="ko-KR" altLang="en-US" sz="2000" dirty="0" smtClean="0"/>
+              <a:t>번호</a:t>
+            </a:r>
+            <a:r>
+              <a:rPr lang="en-US" altLang="ko-KR" sz="2000" dirty="0" smtClean="0"/>
+              <a:t> </a:t>
+            </a:r>
+            <a:r>
+              <a:rPr lang="ko-KR" altLang="en-US" sz="2000" dirty="0" smtClean="0"/>
+              <a:t>인식 오류를 막을 수 있음</a:t>
+            </a:r>
+            <a:r>
+              <a:rPr lang="en-US" altLang="ko-KR" sz="2000" dirty="0" smtClean="0"/>
+              <a:t>. Car plate</a:t>
+            </a:r>
+            <a:r>
+              <a:rPr lang="ko-KR" altLang="en-US" sz="2000" dirty="0" smtClean="0"/>
+              <a:t>의 앵커의 그림자에 의해 숫자를 오 인식하는 것을 막을 수 있음</a:t>
+            </a:r>
+            <a:r>
+              <a:rPr lang="en-US" altLang="ko-KR" sz="2000" dirty="0" smtClean="0"/>
+              <a:t>.</a:t>
+            </a:r>
+          </a:p>
+          <a:p>
+            <a:pPr marL="0" indent="0">
+              <a:buNone/>
+            </a:pPr>
+            <a:r>
+              <a:rPr lang="en-US" altLang="ko-KR" sz="2000" dirty="0"/>
+              <a:t> </a:t>
+            </a:r>
+            <a:r>
+              <a:rPr lang="en-US" altLang="ko-KR" sz="2000" dirty="0" smtClean="0"/>
+              <a:t> 4. </a:t>
+            </a:r>
+            <a:r>
+              <a:rPr lang="ko-KR" altLang="en-US" sz="2000" dirty="0" smtClean="0"/>
+              <a:t>외곽선 추출 과정에서 </a:t>
+            </a:r>
+            <a:r>
+              <a:rPr lang="en-US" altLang="ko-KR" sz="2000" dirty="0" smtClean="0"/>
+              <a:t>Car plate</a:t>
+            </a:r>
+            <a:r>
+              <a:rPr lang="ko-KR" altLang="en-US" sz="2000" dirty="0" smtClean="0"/>
+              <a:t>의 </a:t>
+            </a:r>
+            <a:r>
+              <a:rPr lang="en-US" altLang="ko-KR" sz="2000" dirty="0" smtClean="0"/>
+              <a:t>type</a:t>
+            </a:r>
+            <a:r>
+              <a:rPr lang="ko-KR" altLang="en-US" sz="2000" dirty="0" smtClean="0"/>
+              <a:t>을 유추할 수 있음</a:t>
+            </a:r>
+            <a:r>
+              <a:rPr lang="en-US" altLang="ko-KR" sz="2000" dirty="0" smtClean="0"/>
+              <a:t>(</a:t>
+            </a:r>
+            <a:r>
+              <a:rPr lang="ko-KR" altLang="en-US" sz="2000" dirty="0" smtClean="0"/>
+              <a:t>한 줄</a:t>
+            </a:r>
+            <a:r>
+              <a:rPr lang="en-US" altLang="ko-KR" sz="2000" dirty="0" smtClean="0"/>
+              <a:t>, </a:t>
+            </a:r>
+            <a:r>
+              <a:rPr lang="ko-KR" altLang="en-US" sz="2000" dirty="0" smtClean="0"/>
+              <a:t>두 줄</a:t>
+            </a:r>
+            <a:r>
+              <a:rPr lang="en-US" altLang="ko-KR" sz="2000" dirty="0" smtClean="0"/>
+              <a:t>, </a:t>
+            </a:r>
+            <a:r>
+              <a:rPr lang="ko-KR" altLang="en-US" sz="2000" dirty="0" smtClean="0"/>
+              <a:t>한 줄 </a:t>
+            </a:r>
+            <a:r>
+              <a:rPr lang="ko-KR" altLang="en-US" sz="2000" dirty="0" err="1" smtClean="0"/>
+              <a:t>꺽인</a:t>
+            </a:r>
+            <a:r>
+              <a:rPr lang="ko-KR" altLang="en-US" sz="2000" dirty="0" smtClean="0"/>
+              <a:t> 것</a:t>
+            </a:r>
+            <a:r>
+              <a:rPr lang="en-US" altLang="ko-KR" sz="2000" dirty="0" smtClean="0"/>
+              <a:t>) </a:t>
+            </a:r>
+            <a:endParaRPr lang="ko-KR" altLang="en-US" sz="2000" dirty="0"/>
+          </a:p>
+        </p:txBody>
+      </p:sp>
+    </p:spTree>
+    <p:extLst>
+      <p:ext uri="{BB962C8B-B14F-4D97-AF65-F5344CB8AC3E}">
+        <p14:creationId xmlns:p14="http://schemas.microsoft.com/office/powerpoint/2010/main" val="871942078"/>
+      </p:ext>
+    </p:extLst>
+  </p:cSld>
+  <p:clrMapOvr>
+    <a:masterClrMapping/>
+  </p:clrMapOvr>
+</p:sld>
+</file>
+
+<file path=ppt/slides/slide20.xml><?xml version="1.0" encoding="utf-8"?>
+<p:sld xmlns:a="http://schemas.openxmlformats.org/drawingml/2006/main" xmlns:r="http://schemas.openxmlformats.org/officeDocument/2006/relationships" xmlns:p="http://schemas.openxmlformats.org/presentationml/2006/main">
+  <p:cSld>
+    <p:spTree>
+      <p:nvGrpSpPr>
+        <p:cNvPr id="1" name=""/>
+        <p:cNvGrpSpPr/>
+        <p:nvPr/>
+      </p:nvGrpSpPr>
+      <p:grpSpPr>
+        <a:xfrm>
+          <a:off x="0" y="0"/>
+          <a:ext cx="0" cy="0"/>
+          <a:chOff x="0" y="0"/>
+          <a:chExt cx="0" cy="0"/>
+        </a:xfrm>
+      </p:grpSpPr>
+      <p:sp>
+        <p:nvSpPr>
+          <p:cNvPr id="2" name="제목 1"/>
+          <p:cNvSpPr>
+            <a:spLocks noGrp="1"/>
+          </p:cNvSpPr>
+          <p:nvPr>
+            <p:ph type="title"/>
+          </p:nvPr>
+        </p:nvSpPr>
+        <p:spPr/>
+        <p:txBody>
+          <a:bodyPr/>
+          <a:lstStyle/>
+          <a:p>
+            <a:endParaRPr lang="ko-KR" altLang="en-US"/>
+          </a:p>
+        </p:txBody>
+      </p:sp>
+      <p:pic>
+        <p:nvPicPr>
+          <p:cNvPr id="13" name="내용 개체 틀 12"/>
+          <p:cNvPicPr>
+            <a:picLocks noGrp="1" noChangeAspect="1"/>
+          </p:cNvPicPr>
+          <p:nvPr>
+            <p:ph idx="1"/>
+          </p:nvPr>
+        </p:nvPicPr>
+        <p:blipFill>
+          <a:blip r:embed="rId2"/>
+          <a:stretch>
+            <a:fillRect/>
+          </a:stretch>
+        </p:blipFill>
+        <p:spPr>
+          <a:xfrm>
+            <a:off x="491875" y="4870968"/>
+            <a:ext cx="2531129" cy="1712632"/>
+          </a:xfrm>
+          <a:prstGeom prst="rect">
+            <a:avLst/>
+          </a:prstGeom>
+        </p:spPr>
+      </p:pic>
+      <p:pic>
+        <p:nvPicPr>
+          <p:cNvPr id="10" name="그림 9"/>
+          <p:cNvPicPr>
+            <a:picLocks noChangeAspect="1"/>
+          </p:cNvPicPr>
+          <p:nvPr/>
+        </p:nvPicPr>
+        <p:blipFill>
+          <a:blip r:embed="rId3"/>
+          <a:stretch>
+            <a:fillRect/>
+          </a:stretch>
+        </p:blipFill>
+        <p:spPr>
+          <a:xfrm>
+            <a:off x="425002" y="563889"/>
+            <a:ext cx="2837933" cy="1938192"/>
+          </a:xfrm>
+          <a:prstGeom prst="rect">
+            <a:avLst/>
+          </a:prstGeom>
+        </p:spPr>
+      </p:pic>
+      <p:pic>
+        <p:nvPicPr>
+          <p:cNvPr id="11" name="그림 10"/>
+          <p:cNvPicPr>
+            <a:picLocks noChangeAspect="1"/>
+          </p:cNvPicPr>
+          <p:nvPr/>
+        </p:nvPicPr>
+        <p:blipFill>
+          <a:blip r:embed="rId4"/>
+          <a:stretch>
+            <a:fillRect/>
+          </a:stretch>
+        </p:blipFill>
+        <p:spPr>
+          <a:xfrm>
+            <a:off x="425002" y="2773830"/>
+            <a:ext cx="2598002" cy="1597040"/>
+          </a:xfrm>
+          <a:prstGeom prst="rect">
+            <a:avLst/>
+          </a:prstGeom>
+        </p:spPr>
+      </p:pic>
+      <p:pic>
+        <p:nvPicPr>
+          <p:cNvPr id="12" name="그림 11"/>
+          <p:cNvPicPr>
+            <a:picLocks noChangeAspect="1"/>
+          </p:cNvPicPr>
+          <p:nvPr/>
+        </p:nvPicPr>
+        <p:blipFill>
+          <a:blip r:embed="rId5"/>
+          <a:stretch>
+            <a:fillRect/>
+          </a:stretch>
+        </p:blipFill>
+        <p:spPr>
+          <a:xfrm>
+            <a:off x="3262935" y="2773830"/>
+            <a:ext cx="2684227" cy="1840720"/>
+          </a:xfrm>
+          <a:prstGeom prst="rect">
+            <a:avLst/>
+          </a:prstGeom>
+        </p:spPr>
+      </p:pic>
+      <p:pic>
+        <p:nvPicPr>
+          <p:cNvPr id="14" name="그림 13"/>
+          <p:cNvPicPr>
+            <a:picLocks noChangeAspect="1"/>
+          </p:cNvPicPr>
+          <p:nvPr/>
+        </p:nvPicPr>
+        <p:blipFill>
+          <a:blip r:embed="rId6"/>
+          <a:stretch>
+            <a:fillRect/>
+          </a:stretch>
+        </p:blipFill>
+        <p:spPr>
+          <a:xfrm>
+            <a:off x="3262935" y="4926577"/>
+            <a:ext cx="2463041" cy="1657023"/>
+          </a:xfrm>
+          <a:prstGeom prst="rect">
+            <a:avLst/>
+          </a:prstGeom>
+        </p:spPr>
+      </p:pic>
+      <p:sp>
+        <p:nvSpPr>
+          <p:cNvPr id="15" name="TextBox 14"/>
+          <p:cNvSpPr txBox="1"/>
+          <p:nvPr/>
+        </p:nvSpPr>
+        <p:spPr>
+          <a:xfrm>
+            <a:off x="6200384" y="2893512"/>
+            <a:ext cx="4759890" cy="646331"/>
+          </a:xfrm>
+          <a:prstGeom prst="rect">
+            <a:avLst/>
+          </a:prstGeom>
+          <a:noFill/>
+        </p:spPr>
+        <p:txBody>
+          <a:bodyPr wrap="square" rtlCol="0">
+            <a:spAutoFit/>
+          </a:bodyPr>
+          <a:lstStyle/>
+          <a:p>
+            <a:r>
+              <a:rPr lang="ko-KR" altLang="en-US" dirty="0" smtClean="0"/>
+              <a:t>끊어진 경우</a:t>
+            </a:r>
+            <a:endParaRPr lang="en-US" altLang="ko-KR" dirty="0" smtClean="0"/>
+          </a:p>
+          <a:p>
+            <a:r>
+              <a:rPr lang="en-US" altLang="ko-KR" dirty="0" smtClean="0"/>
+              <a:t>-&gt; </a:t>
+            </a:r>
+            <a:r>
+              <a:rPr lang="ko-KR" altLang="en-US" dirty="0" smtClean="0"/>
+              <a:t>한번 더 나아가면 해결됨</a:t>
+            </a:r>
+            <a:r>
+              <a:rPr lang="en-US" altLang="ko-KR" dirty="0" smtClean="0"/>
+              <a:t>.</a:t>
+            </a:r>
+            <a:endParaRPr lang="ko-KR" altLang="en-US" dirty="0"/>
+          </a:p>
+        </p:txBody>
+      </p:sp>
+      <p:sp>
+        <p:nvSpPr>
+          <p:cNvPr id="16" name="TextBox 15"/>
+          <p:cNvSpPr txBox="1"/>
+          <p:nvPr/>
+        </p:nvSpPr>
+        <p:spPr>
+          <a:xfrm>
+            <a:off x="6096000" y="5157873"/>
+            <a:ext cx="4759890" cy="646331"/>
+          </a:xfrm>
+          <a:prstGeom prst="rect">
+            <a:avLst/>
+          </a:prstGeom>
+          <a:noFill/>
+        </p:spPr>
+        <p:txBody>
+          <a:bodyPr wrap="square" rtlCol="0">
+            <a:spAutoFit/>
+          </a:bodyPr>
+          <a:lstStyle/>
+          <a:p>
+            <a:r>
+              <a:rPr lang="ko-KR" altLang="en-US" dirty="0" smtClean="0"/>
+              <a:t>끊어진 경우</a:t>
+            </a:r>
+            <a:endParaRPr lang="en-US" altLang="ko-KR" dirty="0" smtClean="0"/>
+          </a:p>
+          <a:p>
+            <a:r>
+              <a:rPr lang="en-US" altLang="ko-KR" dirty="0" smtClean="0"/>
+              <a:t>-&gt;</a:t>
+            </a:r>
+            <a:endParaRPr lang="ko-KR" altLang="en-US" dirty="0"/>
+          </a:p>
+        </p:txBody>
+      </p:sp>
+    </p:spTree>
+    <p:extLst>
+      <p:ext uri="{BB962C8B-B14F-4D97-AF65-F5344CB8AC3E}">
+        <p14:creationId xmlns:p14="http://schemas.microsoft.com/office/powerpoint/2010/main" val="1115882932"/>
+      </p:ext>
+    </p:extLst>
+  </p:cSld>
+  <p:clrMapOvr>
+    <a:masterClrMapping/>
+  </p:clrMapOvr>
+</p:sld>
+</file>
+
+<file path=ppt/slides/slide3.xml><?xml version="1.0" encoding="utf-8"?>
+<p:sld xmlns:a="http://schemas.openxmlformats.org/drawingml/2006/main" xmlns:r="http://schemas.openxmlformats.org/officeDocument/2006/relationships" xmlns:p="http://schemas.openxmlformats.org/presentationml/2006/main">
+  <p:cSld>
+    <p:spTree>
+      <p:nvGrpSpPr>
+        <p:cNvPr id="1" name=""/>
+        <p:cNvGrpSpPr/>
+        <p:nvPr/>
+      </p:nvGrpSpPr>
+      <p:grpSpPr>
+        <a:xfrm>
+          <a:off x="0" y="0"/>
+          <a:ext cx="0" cy="0"/>
+          <a:chOff x="0" y="0"/>
+          <a:chExt cx="0" cy="0"/>
+        </a:xfrm>
+      </p:grpSpPr>
+      <p:sp>
+        <p:nvSpPr>
+          <p:cNvPr id="2" name="제목 1"/>
+          <p:cNvSpPr>
+            <a:spLocks noGrp="1"/>
+          </p:cNvSpPr>
+          <p:nvPr>
+            <p:ph type="title"/>
+          </p:nvPr>
+        </p:nvSpPr>
+        <p:spPr/>
+        <p:txBody>
+          <a:bodyPr/>
+          <a:lstStyle/>
+          <a:p>
+            <a:r>
+              <a:rPr lang="ko-KR" altLang="en-US" dirty="0" smtClean="0"/>
+              <a:t>방법</a:t>
+            </a:r>
+            <a:endParaRPr lang="ko-KR" altLang="en-US" dirty="0"/>
+          </a:p>
+        </p:txBody>
+      </p:sp>
+      <p:sp>
+        <p:nvSpPr>
+          <p:cNvPr id="3" name="내용 개체 틀 2"/>
+          <p:cNvSpPr>
+            <a:spLocks noGrp="1"/>
+          </p:cNvSpPr>
+          <p:nvPr>
+            <p:ph idx="1"/>
+          </p:nvPr>
+        </p:nvSpPr>
+        <p:spPr>
+          <a:xfrm>
+            <a:off x="838200" y="1690688"/>
+            <a:ext cx="10515600" cy="4486275"/>
+          </a:xfrm>
+        </p:spPr>
+        <p:txBody>
+          <a:bodyPr>
+            <a:normAutofit fontScale="62500" lnSpcReduction="20000"/>
+          </a:bodyPr>
+          <a:lstStyle/>
+          <a:p>
+            <a:pPr marL="0" indent="0">
+              <a:lnSpc>
+                <a:spcPct val="120000"/>
+              </a:lnSpc>
+              <a:buNone/>
+            </a:pPr>
+            <a:r>
+              <a:rPr lang="ko-KR" altLang="en-US" sz="2400" dirty="0" smtClean="0"/>
+              <a:t>기본생각</a:t>
+            </a:r>
+            <a:r>
+              <a:rPr lang="en-US" altLang="ko-KR" sz="2400" dirty="0" smtClean="0"/>
+              <a:t/>
+            </a:r>
+            <a:br>
+              <a:rPr lang="en-US" altLang="ko-KR" sz="2400" dirty="0" smtClean="0"/>
+            </a:br>
+            <a:r>
+              <a:rPr lang="en-US" altLang="ko-KR" sz="2400" dirty="0" smtClean="0"/>
+              <a:t>plate</a:t>
+            </a:r>
+            <a:r>
+              <a:rPr lang="ko-KR" altLang="en-US" sz="2400" dirty="0" smtClean="0"/>
+              <a:t>의 글자를 제외한 한 점에서 </a:t>
+            </a:r>
+            <a:r>
+              <a:rPr lang="en-US" altLang="ko-KR" sz="2400" dirty="0" err="1" smtClean="0"/>
+              <a:t>flood_fill</a:t>
+            </a:r>
+            <a:r>
+              <a:rPr lang="ko-KR" altLang="en-US" sz="2400" dirty="0" smtClean="0"/>
+              <a:t>하여 </a:t>
+            </a:r>
+            <a:r>
+              <a:rPr lang="en-US" altLang="ko-KR" sz="2400" dirty="0" smtClean="0"/>
+              <a:t>plate</a:t>
+            </a:r>
+            <a:r>
+              <a:rPr lang="ko-KR" altLang="en-US" sz="2400" dirty="0" smtClean="0"/>
+              <a:t>를 따낸다</a:t>
+            </a:r>
+            <a:r>
+              <a:rPr lang="en-US" altLang="ko-KR" sz="2400" dirty="0" smtClean="0"/>
+              <a:t>.</a:t>
+            </a:r>
+          </a:p>
+          <a:p>
+            <a:pPr marL="0" indent="0">
+              <a:lnSpc>
+                <a:spcPct val="120000"/>
+              </a:lnSpc>
+              <a:buNone/>
+            </a:pPr>
+            <a:r>
+              <a:rPr lang="en-US" altLang="ko-KR" sz="2400" dirty="0" err="1" smtClean="0"/>
+              <a:t>Flood_fill</a:t>
+            </a:r>
+            <a:r>
+              <a:rPr lang="ko-KR" altLang="en-US" sz="2400" dirty="0" smtClean="0"/>
+              <a:t>을 위해선</a:t>
+            </a:r>
+            <a:r>
+              <a:rPr lang="en-US" altLang="ko-KR" sz="2400" dirty="0" smtClean="0"/>
+              <a:t>, color</a:t>
+            </a:r>
+            <a:r>
+              <a:rPr lang="ko-KR" altLang="en-US" sz="2400" dirty="0"/>
+              <a:t> </a:t>
+            </a:r>
+            <a:r>
+              <a:rPr lang="en-US" altLang="ko-KR" sz="2400" dirty="0" smtClean="0"/>
+              <a:t>range</a:t>
+            </a:r>
+            <a:r>
+              <a:rPr lang="ko-KR" altLang="en-US" sz="2400" dirty="0" smtClean="0"/>
+              <a:t>와 </a:t>
+            </a:r>
+            <a:r>
+              <a:rPr lang="en-US" altLang="ko-KR" sz="2400" dirty="0" smtClean="0"/>
+              <a:t>point</a:t>
+            </a:r>
+            <a:r>
+              <a:rPr lang="ko-KR" altLang="en-US" sz="2400" dirty="0" smtClean="0"/>
+              <a:t>가 필요하다</a:t>
+            </a:r>
+            <a:r>
+              <a:rPr lang="en-US" altLang="ko-KR" sz="2400" dirty="0" smtClean="0"/>
+              <a:t>.</a:t>
+            </a:r>
+          </a:p>
+          <a:p>
+            <a:pPr marL="0" indent="0">
+              <a:lnSpc>
+                <a:spcPct val="120000"/>
+              </a:lnSpc>
+              <a:buNone/>
+            </a:pPr>
+            <a:r>
+              <a:rPr lang="en-US" altLang="ko-KR" sz="2400" dirty="0"/>
+              <a:t/>
+            </a:r>
+            <a:br>
+              <a:rPr lang="en-US" altLang="ko-KR" sz="2400" dirty="0"/>
+            </a:br>
+            <a:r>
+              <a:rPr lang="en-US" altLang="ko-KR" sz="2400" dirty="0" smtClean="0"/>
+              <a:t>Color range</a:t>
+            </a:r>
+            <a:r>
+              <a:rPr lang="ko-KR" altLang="en-US" sz="2400" dirty="0" smtClean="0"/>
+              <a:t>를 찾기 위해</a:t>
+            </a:r>
+            <a:r>
+              <a:rPr lang="en-US" altLang="ko-KR" sz="2400" dirty="0" smtClean="0"/>
+              <a:t>, </a:t>
+            </a:r>
+            <a:r>
+              <a:rPr lang="ko-KR" altLang="en-US" sz="2400" dirty="0" smtClean="0"/>
+              <a:t>글자영역에서 색의 분포를 분석해</a:t>
+            </a:r>
+            <a:r>
+              <a:rPr lang="en-US" altLang="ko-KR" sz="2400" dirty="0" smtClean="0"/>
+              <a:t> </a:t>
+            </a:r>
+            <a:r>
+              <a:rPr lang="ko-KR" altLang="en-US" sz="2400" dirty="0" smtClean="0"/>
+              <a:t>배경색을 알고</a:t>
+            </a:r>
+            <a:r>
+              <a:rPr lang="en-US" altLang="ko-KR" sz="2400" dirty="0" smtClean="0"/>
+              <a:t>, color range</a:t>
+            </a:r>
+            <a:r>
+              <a:rPr lang="ko-KR" altLang="en-US" sz="2400" dirty="0" smtClean="0"/>
+              <a:t>를 계산한다</a:t>
+            </a:r>
+            <a:r>
+              <a:rPr lang="en-US" altLang="ko-KR" sz="2400" dirty="0" smtClean="0"/>
+              <a:t>.</a:t>
+            </a:r>
+          </a:p>
+          <a:p>
+            <a:pPr marL="514350" indent="-514350">
+              <a:lnSpc>
+                <a:spcPct val="120000"/>
+              </a:lnSpc>
+              <a:buAutoNum type="arabicPeriod"/>
+            </a:pPr>
+            <a:r>
+              <a:rPr lang="en-US" altLang="ko-KR" sz="2400" dirty="0" smtClean="0"/>
+              <a:t>Plate</a:t>
+            </a:r>
+            <a:r>
+              <a:rPr lang="ko-KR" altLang="en-US" sz="2400" dirty="0" smtClean="0"/>
+              <a:t>에서 글자영역 찾기</a:t>
+            </a:r>
+            <a:r>
+              <a:rPr lang="en-US" altLang="ko-KR" sz="2400" dirty="0" smtClean="0"/>
+              <a:t>. </a:t>
+            </a:r>
+            <a:br>
+              <a:rPr lang="en-US" altLang="ko-KR" sz="2400" dirty="0" smtClean="0"/>
+            </a:br>
+            <a:r>
+              <a:rPr lang="en-US" altLang="ko-KR" sz="2400" dirty="0" smtClean="0"/>
+              <a:t>-&gt; </a:t>
+            </a:r>
+            <a:r>
+              <a:rPr lang="ko-KR" altLang="en-US" sz="2400" dirty="0" smtClean="0"/>
+              <a:t>적절한 품질의 </a:t>
+            </a:r>
+            <a:r>
+              <a:rPr lang="en-US" altLang="ko-KR" sz="2400" dirty="0" err="1" smtClean="0"/>
+              <a:t>dewarp</a:t>
+            </a:r>
+            <a:r>
+              <a:rPr lang="en-US" altLang="ko-KR" sz="2400" dirty="0" smtClean="0"/>
+              <a:t>(</a:t>
+            </a:r>
+            <a:r>
+              <a:rPr lang="ko-KR" altLang="en-US" sz="2400" dirty="0" smtClean="0"/>
+              <a:t>어느 정도 수평을 맞추기 위해</a:t>
+            </a:r>
+            <a:r>
+              <a:rPr lang="en-US" altLang="ko-KR" sz="2400" dirty="0" smtClean="0"/>
+              <a:t>)</a:t>
+            </a:r>
+            <a:br>
+              <a:rPr lang="en-US" altLang="ko-KR" sz="2400" dirty="0" smtClean="0"/>
+            </a:br>
+            <a:r>
+              <a:rPr lang="en-US" altLang="ko-KR" sz="2400" dirty="0" smtClean="0"/>
+              <a:t>-&gt; canny edge (</a:t>
+            </a:r>
+            <a:r>
+              <a:rPr lang="ko-KR" altLang="en-US" sz="2400" dirty="0" smtClean="0"/>
+              <a:t>흰색</a:t>
+            </a:r>
+            <a:r>
+              <a:rPr lang="en-US" altLang="ko-KR" sz="2400" dirty="0" smtClean="0"/>
+              <a:t> </a:t>
+            </a:r>
+            <a:r>
+              <a:rPr lang="ko-KR" altLang="en-US" sz="2400" dirty="0" smtClean="0"/>
+              <a:t>번호판 위주의 </a:t>
+            </a:r>
+            <a:r>
+              <a:rPr lang="ko-KR" altLang="en-US" sz="2400" dirty="0" err="1" smtClean="0"/>
+              <a:t>경계값</a:t>
+            </a:r>
+            <a:r>
+              <a:rPr lang="en-US" altLang="ko-KR" sz="2400" dirty="0" smtClean="0"/>
+              <a:t>, </a:t>
+            </a:r>
+            <a:r>
+              <a:rPr lang="ko-KR" altLang="en-US" sz="2400" dirty="0" smtClean="0"/>
+              <a:t>녹색 번호판은 약간만 인식할 수 있는 수준</a:t>
+            </a:r>
+            <a:r>
+              <a:rPr lang="en-US" altLang="ko-KR" sz="2400" dirty="0" smtClean="0"/>
+              <a:t>)</a:t>
+            </a:r>
+            <a:br>
+              <a:rPr lang="en-US" altLang="ko-KR" sz="2400" dirty="0" smtClean="0"/>
+            </a:br>
+            <a:r>
+              <a:rPr lang="en-US" altLang="ko-KR" sz="2400" dirty="0" smtClean="0"/>
+              <a:t>    </a:t>
+            </a:r>
+            <a:r>
+              <a:rPr lang="ko-KR" altLang="en-US" sz="2400" dirty="0" smtClean="0"/>
+              <a:t>녹색 번호판일 경우</a:t>
+            </a:r>
+            <a:r>
+              <a:rPr lang="en-US" altLang="ko-KR" sz="2400" dirty="0" smtClean="0"/>
+              <a:t>, </a:t>
+            </a:r>
+            <a:r>
+              <a:rPr lang="ko-KR" altLang="en-US" sz="2400" dirty="0" smtClean="0"/>
+              <a:t>녹색번호판의 배경색을 더 어둡게 만들어</a:t>
+            </a:r>
+            <a:r>
+              <a:rPr lang="en-US" altLang="ko-KR" sz="2400" dirty="0" smtClean="0"/>
+              <a:t>, </a:t>
+            </a:r>
+            <a:r>
+              <a:rPr lang="ko-KR" altLang="en-US" sz="2400" dirty="0" smtClean="0"/>
+              <a:t>다시 </a:t>
+            </a:r>
+            <a:r>
+              <a:rPr lang="en-US" altLang="ko-KR" sz="2400" dirty="0" smtClean="0"/>
+              <a:t>canny edge</a:t>
+            </a:r>
+            <a:r>
+              <a:rPr lang="ko-KR" altLang="en-US" sz="2400" dirty="0" smtClean="0"/>
+              <a:t>를 수행</a:t>
+            </a:r>
+            <a:r>
+              <a:rPr lang="en-US" altLang="ko-KR" sz="2400" dirty="0" smtClean="0"/>
+              <a:t>.</a:t>
+            </a:r>
+            <a:br>
+              <a:rPr lang="en-US" altLang="ko-KR" sz="2400" dirty="0" smtClean="0"/>
+            </a:br>
+            <a:r>
+              <a:rPr lang="en-US" altLang="ko-KR" sz="2400" dirty="0" smtClean="0"/>
+              <a:t>-&gt;</a:t>
+            </a:r>
+            <a:r>
+              <a:rPr lang="ko-KR" altLang="en-US" sz="2400" dirty="0" smtClean="0"/>
+              <a:t> </a:t>
+            </a:r>
+            <a:r>
+              <a:rPr lang="en-US" altLang="ko-KR" sz="2400" dirty="0" smtClean="0"/>
+              <a:t>contour</a:t>
+            </a:r>
+            <a:r>
+              <a:rPr lang="ko-KR" altLang="en-US" sz="2400" dirty="0" smtClean="0"/>
+              <a:t>로 글자 영역을 찾음</a:t>
+            </a:r>
+            <a:r>
+              <a:rPr lang="en-US" altLang="ko-KR" sz="2400" dirty="0" smtClean="0"/>
+              <a:t>.(</a:t>
+            </a:r>
+            <a:r>
+              <a:rPr lang="ko-KR" altLang="en-US" sz="2400" dirty="0" smtClean="0"/>
+              <a:t>아래에서 위로 찾음</a:t>
+            </a:r>
+            <a:r>
+              <a:rPr lang="en-US" altLang="ko-KR" sz="2400" dirty="0" smtClean="0"/>
+              <a:t>)</a:t>
+            </a:r>
+            <a:br>
+              <a:rPr lang="en-US" altLang="ko-KR" sz="2400" dirty="0" smtClean="0"/>
+            </a:br>
+            <a:endParaRPr lang="en-US" altLang="ko-KR" sz="2400" dirty="0" smtClean="0"/>
+          </a:p>
+          <a:p>
+            <a:pPr marL="514350" indent="-514350">
+              <a:lnSpc>
+                <a:spcPct val="120000"/>
+              </a:lnSpc>
+              <a:buAutoNum type="arabicPeriod"/>
+            </a:pPr>
+            <a:r>
+              <a:rPr lang="ko-KR" altLang="en-US" sz="2400" dirty="0"/>
+              <a:t>글자영역에서 색의 분포를 분석해</a:t>
+            </a:r>
+            <a:r>
+              <a:rPr lang="en-US" altLang="ko-KR" sz="2400" dirty="0"/>
+              <a:t> </a:t>
+            </a:r>
+            <a:r>
+              <a:rPr lang="ko-KR" altLang="en-US" sz="2400" dirty="0"/>
+              <a:t>배경색을 알고</a:t>
+            </a:r>
+            <a:r>
+              <a:rPr lang="en-US" altLang="ko-KR" sz="2400" dirty="0"/>
+              <a:t>, color range</a:t>
+            </a:r>
+            <a:r>
+              <a:rPr lang="ko-KR" altLang="en-US" sz="2400" dirty="0"/>
+              <a:t>를 계산</a:t>
+            </a:r>
+            <a:endParaRPr lang="en-US" altLang="ko-KR" sz="2400" dirty="0" smtClean="0"/>
+          </a:p>
+          <a:p>
+            <a:pPr marL="514350" indent="-514350">
+              <a:lnSpc>
+                <a:spcPct val="120000"/>
+              </a:lnSpc>
+              <a:buAutoNum type="arabicPeriod"/>
+            </a:pPr>
+            <a:r>
+              <a:rPr lang="ko-KR" altLang="en-US" sz="2400" dirty="0" smtClean="0"/>
+              <a:t>글자영역의 배경에 대응하는 원본에서의 점을 모두 </a:t>
+            </a:r>
+            <a:r>
+              <a:rPr lang="en-US" altLang="ko-KR" sz="2400" dirty="0" err="1" smtClean="0"/>
+              <a:t>flood_fill</a:t>
+            </a:r>
+            <a:r>
+              <a:rPr lang="en-US" altLang="ko-KR" sz="2400" dirty="0" smtClean="0"/>
+              <a:t>.</a:t>
+            </a:r>
+          </a:p>
+          <a:p>
+            <a:pPr marL="514350" indent="-514350">
+              <a:lnSpc>
+                <a:spcPct val="120000"/>
+              </a:lnSpc>
+              <a:buAutoNum type="arabicPeriod"/>
+            </a:pPr>
+            <a:r>
+              <a:rPr lang="ko-KR" altLang="en-US" sz="2400" dirty="0" smtClean="0"/>
+              <a:t>꼭지점 </a:t>
+            </a:r>
+            <a:r>
+              <a:rPr lang="en-US" altLang="ko-KR" sz="2400" dirty="0" smtClean="0"/>
+              <a:t>4</a:t>
+            </a:r>
+            <a:r>
+              <a:rPr lang="ko-KR" altLang="en-US" sz="2400" dirty="0" smtClean="0"/>
+              <a:t>점을 추출</a:t>
+            </a:r>
+            <a:r>
+              <a:rPr lang="en-US" altLang="ko-KR" sz="2400" dirty="0" smtClean="0"/>
+              <a:t>(</a:t>
+            </a:r>
+            <a:r>
+              <a:rPr lang="ko-KR" altLang="en-US" sz="2400" dirty="0" smtClean="0"/>
+              <a:t>주차 영역</a:t>
+            </a:r>
+            <a:r>
+              <a:rPr lang="en-US" altLang="ko-KR" sz="2400" dirty="0" smtClean="0"/>
+              <a:t>(6type)</a:t>
+            </a:r>
+            <a:r>
+              <a:rPr lang="ko-KR" altLang="en-US" sz="2400" dirty="0" smtClean="0"/>
+              <a:t>별로 모양이 다름</a:t>
+            </a:r>
+            <a:r>
+              <a:rPr lang="en-US" altLang="ko-KR" sz="2400" dirty="0" smtClean="0"/>
+              <a:t>)</a:t>
+            </a:r>
+            <a:r>
+              <a:rPr lang="ko-KR" altLang="en-US" sz="2400" dirty="0" smtClean="0"/>
+              <a:t> </a:t>
+            </a:r>
+            <a:endParaRPr lang="en-US" altLang="ko-KR" sz="2400" dirty="0" smtClean="0"/>
+          </a:p>
+          <a:p>
+            <a:pPr marL="514350" indent="-514350">
+              <a:lnSpc>
+                <a:spcPct val="120000"/>
+              </a:lnSpc>
+              <a:buAutoNum type="arabicPeriod"/>
+            </a:pPr>
+            <a:r>
+              <a:rPr lang="ko-KR" altLang="en-US" sz="2400" dirty="0" smtClean="0"/>
+              <a:t>원본에서 외곽선을 따냄</a:t>
+            </a:r>
+            <a:r>
+              <a:rPr lang="en-US" altLang="ko-KR" sz="2400" dirty="0" smtClean="0"/>
+              <a:t>.</a:t>
+            </a:r>
+            <a:endParaRPr lang="ko-KR" altLang="en-US" sz="2400" dirty="0"/>
+          </a:p>
+        </p:txBody>
+      </p:sp>
+    </p:spTree>
+    <p:extLst>
+      <p:ext uri="{BB962C8B-B14F-4D97-AF65-F5344CB8AC3E}">
+        <p14:creationId xmlns:p14="http://schemas.microsoft.com/office/powerpoint/2010/main" val="2945650484"/>
+      </p:ext>
+    </p:extLst>
+  </p:cSld>
+  <p:clrMapOvr>
+    <a:masterClrMapping/>
+  </p:clrMapOvr>
+</p:sld>
+</file>
+
+<file path=ppt/slides/slide4.xml><?xml version="1.0" encoding="utf-8"?>
+<p:sld xmlns:a="http://schemas.openxmlformats.org/drawingml/2006/main" xmlns:r="http://schemas.openxmlformats.org/officeDocument/2006/relationships" xmlns:p="http://schemas.openxmlformats.org/presentationml/2006/main">
+  <p:cSld>
+    <p:spTree>
+      <p:nvGrpSpPr>
+        <p:cNvPr id="1" name=""/>
+        <p:cNvGrpSpPr/>
+        <p:nvPr/>
+      </p:nvGrpSpPr>
+      <p:grpSpPr>
+        <a:xfrm>
+          <a:off x="0" y="0"/>
+          <a:ext cx="0" cy="0"/>
+          <a:chOff x="0" y="0"/>
+          <a:chExt cx="0" cy="0"/>
+        </a:xfrm>
+      </p:grpSpPr>
+      <p:sp>
+        <p:nvSpPr>
+          <p:cNvPr id="2" name="제목 1"/>
+          <p:cNvSpPr>
+            <a:spLocks noGrp="1"/>
+          </p:cNvSpPr>
+          <p:nvPr>
+            <p:ph type="title"/>
+          </p:nvPr>
+        </p:nvSpPr>
+        <p:spPr/>
+        <p:txBody>
+          <a:bodyPr/>
+          <a:lstStyle/>
+          <a:p>
+            <a:endParaRPr lang="ko-KR" altLang="en-US"/>
+          </a:p>
+        </p:txBody>
+      </p:sp>
+      <p:sp>
+        <p:nvSpPr>
+          <p:cNvPr id="3" name="내용 개체 틀 2"/>
+          <p:cNvSpPr>
+            <a:spLocks noGrp="1"/>
+          </p:cNvSpPr>
+          <p:nvPr>
+            <p:ph idx="1"/>
+          </p:nvPr>
+        </p:nvSpPr>
+        <p:spPr/>
+        <p:txBody>
+          <a:bodyPr/>
+          <a:lstStyle/>
+          <a:p>
+            <a:r>
+              <a:rPr lang="ko-KR" altLang="en-US" dirty="0" smtClean="0"/>
+              <a:t>외곽 </a:t>
+            </a:r>
+            <a:r>
+              <a:rPr lang="en-US" altLang="ko-KR" dirty="0" smtClean="0"/>
+              <a:t>4</a:t>
+            </a:r>
+            <a:r>
+              <a:rPr lang="ko-KR" altLang="en-US" dirty="0" smtClean="0"/>
+              <a:t>점을 얻고</a:t>
+            </a:r>
+            <a:r>
+              <a:rPr lang="en-US" altLang="ko-KR" dirty="0" smtClean="0"/>
+              <a:t>, </a:t>
+            </a:r>
+            <a:r>
+              <a:rPr lang="ko-KR" altLang="en-US" dirty="0" smtClean="0"/>
+              <a:t>이를 </a:t>
+            </a:r>
+            <a:r>
+              <a:rPr lang="en-US" altLang="ko-KR" dirty="0" err="1" smtClean="0"/>
+              <a:t>dewarp</a:t>
+            </a:r>
+            <a:r>
+              <a:rPr lang="ko-KR" altLang="en-US" dirty="0" smtClean="0"/>
+              <a:t>하여 </a:t>
+            </a:r>
+            <a:endParaRPr lang="ko-KR" altLang="en-US" dirty="0"/>
+          </a:p>
+        </p:txBody>
+      </p:sp>
+    </p:spTree>
+    <p:extLst>
+      <p:ext uri="{BB962C8B-B14F-4D97-AF65-F5344CB8AC3E}">
+        <p14:creationId xmlns:p14="http://schemas.microsoft.com/office/powerpoint/2010/main" val="3573154320"/>
+      </p:ext>
+    </p:extLst>
+  </p:cSld>
+  <p:clrMapOvr>
+    <a:masterClrMapping/>
+  </p:clrMapOvr>
+</p:sld>
+</file>
+
+<file path=ppt/slides/slide5.xml><?xml version="1.0" encoding="utf-8"?>
+<p:sld xmlns:a="http://schemas.openxmlformats.org/drawingml/2006/main" xmlns:r="http://schemas.openxmlformats.org/officeDocument/2006/relationships" xmlns:p="http://schemas.openxmlformats.org/presentationml/2006/main">
+  <p:cSld>
+    <p:spTree>
+      <p:nvGrpSpPr>
+        <p:cNvPr id="1" name=""/>
+        <p:cNvGrpSpPr/>
+        <p:nvPr/>
+      </p:nvGrpSpPr>
+      <p:grpSpPr>
+        <a:xfrm>
+          <a:off x="0" y="0"/>
+          <a:ext cx="0" cy="0"/>
+          <a:chOff x="0" y="0"/>
+          <a:chExt cx="0" cy="0"/>
+        </a:xfrm>
+      </p:grpSpPr>
+      <p:sp>
+        <p:nvSpPr>
+          <p:cNvPr id="2" name="제목 1"/>
+          <p:cNvSpPr>
+            <a:spLocks noGrp="1"/>
+          </p:cNvSpPr>
+          <p:nvPr>
+            <p:ph type="title"/>
+          </p:nvPr>
+        </p:nvSpPr>
+        <p:spPr/>
+        <p:txBody>
+          <a:bodyPr/>
+          <a:lstStyle/>
+          <a:p>
+            <a:r>
+              <a:rPr lang="en-US" altLang="ko-KR" dirty="0" err="1" smtClean="0"/>
+              <a:t>dewarp</a:t>
+            </a:r>
+            <a:endParaRPr lang="ko-KR" altLang="en-US" dirty="0"/>
+          </a:p>
+        </p:txBody>
+      </p:sp>
+      <p:sp>
+        <p:nvSpPr>
+          <p:cNvPr id="3" name="내용 개체 틀 2"/>
+          <p:cNvSpPr>
+            <a:spLocks noGrp="1"/>
+          </p:cNvSpPr>
+          <p:nvPr>
+            <p:ph idx="1"/>
+          </p:nvPr>
+        </p:nvSpPr>
+        <p:spPr/>
+        <p:txBody>
+          <a:bodyPr/>
+          <a:lstStyle/>
+          <a:p>
+            <a:r>
+              <a:rPr lang="ko-KR" altLang="en-US" dirty="0" smtClean="0"/>
+              <a:t>왜곡된 이미지에서 </a:t>
+            </a:r>
+            <a:r>
+              <a:rPr lang="en-US" altLang="ko-KR" dirty="0" smtClean="0"/>
+              <a:t>4</a:t>
+            </a:r>
+            <a:r>
+              <a:rPr lang="ko-KR" altLang="en-US" dirty="0" smtClean="0"/>
+              <a:t>점과 이에 대응하는 </a:t>
+            </a:r>
+            <a:r>
+              <a:rPr lang="en-US" altLang="ko-KR" dirty="0" smtClean="0"/>
+              <a:t>4</a:t>
+            </a:r>
+            <a:r>
+              <a:rPr lang="ko-KR" altLang="en-US" dirty="0" smtClean="0"/>
+              <a:t>점을 통해</a:t>
+            </a:r>
+            <a:r>
+              <a:rPr lang="en-US" altLang="ko-KR" dirty="0" smtClean="0"/>
+              <a:t>,</a:t>
+            </a:r>
+          </a:p>
+          <a:p>
+            <a:pPr marL="0" indent="0">
+              <a:buNone/>
+            </a:pPr>
+            <a:r>
+              <a:rPr lang="en-US" altLang="ko-KR" dirty="0" smtClean="0"/>
+              <a:t>Homo matrix</a:t>
+            </a:r>
+            <a:r>
+              <a:rPr lang="ko-KR" altLang="en-US" dirty="0" smtClean="0"/>
+              <a:t>를 얻고</a:t>
+            </a:r>
+            <a:r>
+              <a:rPr lang="en-US" altLang="ko-KR" dirty="0" smtClean="0"/>
+              <a:t>, </a:t>
+            </a:r>
+            <a:r>
+              <a:rPr lang="en-US" altLang="ko-KR" dirty="0" err="1" smtClean="0"/>
+              <a:t>dest</a:t>
+            </a:r>
+            <a:r>
+              <a:rPr lang="en-US" altLang="ko-KR" dirty="0" smtClean="0"/>
+              <a:t> plane</a:t>
+            </a:r>
+            <a:r>
+              <a:rPr lang="ko-KR" altLang="en-US" dirty="0" smtClean="0"/>
+              <a:t>에 있는 점들을 이 </a:t>
+            </a:r>
+            <a:r>
+              <a:rPr lang="en-US" altLang="ko-KR" dirty="0" smtClean="0"/>
+              <a:t>matrix</a:t>
+            </a:r>
+            <a:r>
+              <a:rPr lang="ko-KR" altLang="en-US" dirty="0"/>
+              <a:t> </a:t>
+            </a:r>
+            <a:r>
+              <a:rPr lang="ko-KR" altLang="en-US" dirty="0" smtClean="0"/>
+              <a:t>변환으로 왜곡된 이미지의 좌표로 변환</a:t>
+            </a:r>
+            <a:r>
+              <a:rPr lang="en-US" altLang="ko-KR" dirty="0" smtClean="0"/>
+              <a:t>, color</a:t>
+            </a:r>
+            <a:r>
+              <a:rPr lang="ko-KR" altLang="en-US" dirty="0" smtClean="0"/>
+              <a:t>를 얻을 수 있다</a:t>
+            </a:r>
+            <a:r>
+              <a:rPr lang="en-US" altLang="ko-KR" dirty="0" smtClean="0"/>
+              <a:t>.</a:t>
+            </a:r>
+          </a:p>
+          <a:p>
+            <a:pPr marL="0" indent="0">
+              <a:buNone/>
+            </a:pPr>
+            <a:endParaRPr lang="ko-KR" altLang="en-US" dirty="0"/>
+          </a:p>
+        </p:txBody>
+      </p:sp>
+    </p:spTree>
+    <p:extLst>
+      <p:ext uri="{BB962C8B-B14F-4D97-AF65-F5344CB8AC3E}">
+        <p14:creationId xmlns:p14="http://schemas.microsoft.com/office/powerpoint/2010/main" val="1356291935"/>
+      </p:ext>
+    </p:extLst>
+  </p:cSld>
+  <p:clrMapOvr>
+    <a:masterClrMapping/>
+  </p:clrMapOvr>
+</p:sld>
+</file>
+
 <file path=ppt/slides/slide6.xml><?xml version="1.0" encoding="utf-8"?>
 <p:sld xmlns:a="http://schemas.openxmlformats.org/drawingml/2006/main" xmlns:r="http://schemas.openxmlformats.org/officeDocument/2006/relationships" xmlns:p="http://schemas.openxmlformats.org/presentationml/2006/main">
   <p:cSld>
@@ -4386,64 +6114,138 @@
           <a:bodyPr/>
           <a:lstStyle/>
           <a:p>
-            <a:endParaRPr lang="ko-KR" altLang="en-US"/>
-          </a:p>
-        </p:txBody>
-      </p:sp>
-      <p:pic>
-        <p:nvPicPr>
-          <p:cNvPr id="9" name="내용 개체 틀 8"/>
-          <p:cNvPicPr>
-            <a:picLocks noGrp="1" noChangeAspect="1"/>
-          </p:cNvPicPr>
+            <a:r>
+              <a:rPr lang="ko-KR" altLang="en-US" dirty="0" smtClean="0"/>
+              <a:t>번호판일 가능성이 있는 </a:t>
+            </a:r>
+            <a:r>
+              <a:rPr lang="en-US" altLang="ko-KR" dirty="0" smtClean="0"/>
+              <a:t>group</a:t>
+            </a:r>
+            <a:r>
+              <a:rPr lang="ko-KR" altLang="en-US" dirty="0" smtClean="0"/>
+              <a:t>들 찾기</a:t>
+            </a:r>
+            <a:endParaRPr lang="ko-KR" altLang="en-US" dirty="0"/>
+          </a:p>
+        </p:txBody>
+      </p:sp>
+      <p:sp>
+        <p:nvSpPr>
+          <p:cNvPr id="3" name="내용 개체 틀 2"/>
+          <p:cNvSpPr>
+            <a:spLocks noGrp="1"/>
+          </p:cNvSpPr>
           <p:nvPr>
             <p:ph idx="1"/>
           </p:nvPr>
-        </p:nvPicPr>
-        <p:blipFill>
-          <a:blip r:embed="rId2"/>
-          <a:stretch>
-            <a:fillRect/>
-          </a:stretch>
-        </p:blipFill>
-        <p:spPr>
-          <a:xfrm>
-            <a:off x="838200" y="1690688"/>
-            <a:ext cx="5193766" cy="2005777"/>
-          </a:xfrm>
-          <a:prstGeom prst="rect">
-            <a:avLst/>
-          </a:prstGeom>
-        </p:spPr>
-      </p:pic>
-      <p:pic>
-        <p:nvPicPr>
-          <p:cNvPr id="10" name="그림 9"/>
-          <p:cNvPicPr>
-            <a:picLocks noChangeAspect="1"/>
-          </p:cNvPicPr>
-          <p:nvPr/>
-        </p:nvPicPr>
-        <p:blipFill>
-          <a:blip r:embed="rId3"/>
-          <a:stretch>
-            <a:fillRect/>
-          </a:stretch>
-        </p:blipFill>
-        <p:spPr>
-          <a:xfrm>
-            <a:off x="838200" y="3989974"/>
-            <a:ext cx="5183180" cy="1604002"/>
-          </a:xfrm>
-          <a:prstGeom prst="rect">
-            <a:avLst/>
-          </a:prstGeom>
-        </p:spPr>
-      </p:pic>
+        </p:nvSpPr>
+        <p:spPr/>
+        <p:txBody>
+          <a:bodyPr/>
+          <a:lstStyle/>
+          <a:p>
+            <a:r>
+              <a:rPr lang="en-US" altLang="ko-KR" dirty="0" smtClean="0"/>
+              <a:t>Font</a:t>
+            </a:r>
+            <a:r>
+              <a:rPr lang="ko-KR" altLang="en-US" dirty="0" smtClean="0"/>
+              <a:t>일 가능성이 있는 것들을 찾는다</a:t>
+            </a:r>
+            <a:r>
+              <a:rPr lang="en-US" altLang="ko-KR" dirty="0" smtClean="0"/>
+              <a:t>. </a:t>
+            </a:r>
+            <a:r>
+              <a:rPr lang="en-US" altLang="ko-KR" dirty="0" err="1" smtClean="0"/>
+              <a:t>Rect</a:t>
+            </a:r>
+            <a:r>
+              <a:rPr lang="ko-KR" altLang="en-US" dirty="0" smtClean="0"/>
+              <a:t>들 여러 개</a:t>
+            </a:r>
+            <a:r>
+              <a:rPr lang="en-US" altLang="ko-KR" dirty="0" smtClean="0"/>
+              <a:t>.</a:t>
+            </a:r>
+          </a:p>
+          <a:p>
+            <a:r>
+              <a:rPr lang="en-US" altLang="ko-KR" dirty="0" err="1" smtClean="0"/>
+              <a:t>Rect</a:t>
+            </a:r>
+            <a:r>
+              <a:rPr lang="en-US" altLang="ko-KR" dirty="0" smtClean="0"/>
+              <a:t> </a:t>
+            </a:r>
+            <a:r>
+              <a:rPr lang="ko-KR" altLang="en-US" dirty="0" smtClean="0"/>
+              <a:t>하나를 선택</a:t>
+            </a:r>
+            <a:endParaRPr lang="en-US" altLang="ko-KR" dirty="0" smtClean="0"/>
+          </a:p>
+          <a:p>
+            <a:r>
+              <a:rPr lang="en-US" altLang="ko-KR" dirty="0" smtClean="0"/>
+              <a:t>Left </a:t>
+            </a:r>
+            <a:r>
+              <a:rPr lang="ko-KR" altLang="en-US" dirty="0" smtClean="0"/>
+              <a:t>방향으로 가까운 것을 찾아 그룹에 추가</a:t>
+            </a:r>
+            <a:r>
+              <a:rPr lang="en-US" altLang="ko-KR" dirty="0" smtClean="0"/>
+              <a:t>.</a:t>
+            </a:r>
+          </a:p>
+          <a:p>
+            <a:r>
+              <a:rPr lang="en-US" altLang="ko-KR" dirty="0" smtClean="0"/>
+              <a:t>Right </a:t>
+            </a:r>
+            <a:r>
+              <a:rPr lang="ko-KR" altLang="en-US" dirty="0"/>
+              <a:t>방향으로 가까운 것을 찾아 그룹에 추가</a:t>
+            </a:r>
+            <a:r>
+              <a:rPr lang="en-US" altLang="ko-KR" dirty="0" smtClean="0"/>
+              <a:t>.</a:t>
+            </a:r>
+          </a:p>
+          <a:p>
+            <a:r>
+              <a:rPr lang="en-US" altLang="ko-KR" dirty="0" smtClean="0"/>
+              <a:t>Group </a:t>
+            </a:r>
+            <a:r>
+              <a:rPr lang="ko-KR" altLang="en-US" dirty="0" smtClean="0"/>
+              <a:t>별로 점수를 매긴다</a:t>
+            </a:r>
+            <a:r>
+              <a:rPr lang="en-US" altLang="ko-KR" dirty="0" smtClean="0"/>
+              <a:t>.</a:t>
+            </a:r>
+          </a:p>
+          <a:p>
+            <a:r>
+              <a:rPr lang="ko-KR" altLang="en-US" dirty="0" smtClean="0"/>
+              <a:t>점수가 높은 것 순으로 정렬</a:t>
+            </a:r>
+            <a:endParaRPr lang="en-US" altLang="ko-KR" dirty="0"/>
+          </a:p>
+          <a:p>
+            <a:endParaRPr lang="en-US" altLang="ko-KR" dirty="0" smtClean="0"/>
+          </a:p>
+          <a:p>
+            <a:endParaRPr lang="ko-KR" altLang="en-US" dirty="0"/>
+          </a:p>
+        </p:txBody>
+      </p:sp>
     </p:spTree>
     <p:extLst>
       <p:ext uri="{BB962C8B-B14F-4D97-AF65-F5344CB8AC3E}">
-        <p14:creationId xmlns:p14="http://schemas.microsoft.com/office/powerpoint/2010/main" val="274091329"/>
+        <p14:creationId xmlns:p14="http://schemas.microsoft.com/office/powerpoint/2010/main" val="1299644168"/>
       </p:ext>
     </p:extLst>
   </p:cSld>
@@ -4480,24 +6282,60 @@
             <p:ph type="title"/>
           </p:nvPr>
         </p:nvSpPr>
+        <p:spPr>
+          <a:xfrm>
+            <a:off x="838200" y="365125"/>
+            <a:ext cx="10515600" cy="690677"/>
+          </a:xfrm>
+        </p:spPr>
+        <p:txBody>
+          <a:bodyPr>
+            <a:normAutofit fontScale="90000"/>
+          </a:bodyPr>
+          <a:lstStyle/>
+          <a:p>
+            <a:r>
+              <a:rPr lang="ko-KR" altLang="en-US" dirty="0" smtClean="0"/>
+              <a:t>우선 순위별로 </a:t>
+            </a:r>
+            <a:r>
+              <a:rPr lang="en-US" altLang="ko-KR" dirty="0" smtClean="0"/>
+              <a:t>group </a:t>
+            </a:r>
+            <a:r>
+              <a:rPr lang="ko-KR" altLang="en-US" dirty="0" smtClean="0"/>
+              <a:t>나열</a:t>
+            </a:r>
+            <a:endParaRPr lang="ko-KR" altLang="en-US" dirty="0"/>
+          </a:p>
+        </p:txBody>
+      </p:sp>
+      <p:sp>
+        <p:nvSpPr>
+          <p:cNvPr id="3" name="내용 개체 틀 2"/>
+          <p:cNvSpPr>
+            <a:spLocks noGrp="1"/>
+          </p:cNvSpPr>
+          <p:nvPr>
+            <p:ph idx="1"/>
+          </p:nvPr>
+        </p:nvSpPr>
         <p:spPr/>
         <p:txBody>
           <a:bodyPr/>
           <a:lstStyle/>
           <a:p>
-            <a:endParaRPr lang="ko-KR" altLang="en-US"/>
+            <a:endParaRPr lang="ko-KR" altLang="en-US" dirty="0"/>
           </a:p>
         </p:txBody>
       </p:sp>
       <p:pic>
         <p:nvPicPr>
-          <p:cNvPr id="7" name="내용 개체 틀 6"/>
+          <p:cNvPr id="5" name="그림 4"/>
           <p:cNvPicPr>
-            <a:picLocks noGrp="1" noChangeAspect="1"/>
+            <a:picLocks noChangeAspect="1"/>
           </p:cNvPicPr>
-          <p:nvPr>
-            <p:ph idx="1"/>
-          </p:nvPr>
+          <p:nvPr/>
         </p:nvPicPr>
         <p:blipFill>
           <a:blip r:embed="rId2"/>
@@ -4507,8 +6345,8 @@
         </p:blipFill>
         <p:spPr>
           <a:xfrm>
-            <a:off x="2375729" y="1825625"/>
-            <a:ext cx="2028027" cy="1595825"/>
+            <a:off x="838200" y="1055802"/>
+            <a:ext cx="4084720" cy="5213324"/>
           </a:xfrm>
           <a:prstGeom prst="rect">
             <a:avLst/>
@@ -4517,7 +6355,7 @@
       </p:pic>
       <p:pic>
         <p:nvPicPr>
-          <p:cNvPr id="4" name="그림 3"/>
+          <p:cNvPr id="6" name="그림 5"/>
           <p:cNvPicPr>
             <a:picLocks noChangeAspect="1"/>
           </p:cNvPicPr>
@@ -4531,152 +6369,8 @@
         </p:blipFill>
         <p:spPr>
           <a:xfrm>
-            <a:off x="137960" y="1825625"/>
-            <a:ext cx="2041972" cy="1595496"/>
-          </a:xfrm>
-          <a:prstGeom prst="rect">
-            <a:avLst/>
-          </a:prstGeom>
-        </p:spPr>
-      </p:pic>
-      <p:pic>
-        <p:nvPicPr>
-          <p:cNvPr id="5" name="그림 4"/>
-          <p:cNvPicPr>
-            <a:picLocks noChangeAspect="1"/>
-          </p:cNvPicPr>
-          <p:nvPr/>
-        </p:nvPicPr>
-        <p:blipFill>
-          <a:blip r:embed="rId4"/>
-          <a:stretch>
-            <a:fillRect/>
-          </a:stretch>
-        </p:blipFill>
-        <p:spPr>
-          <a:xfrm>
-            <a:off x="137958" y="3421121"/>
-            <a:ext cx="2041972" cy="1595496"/>
-          </a:xfrm>
-          <a:prstGeom prst="rect">
-            <a:avLst/>
-          </a:prstGeom>
-        </p:spPr>
-      </p:pic>
-      <p:pic>
-        <p:nvPicPr>
-          <p:cNvPr id="8" name="그림 7"/>
-          <p:cNvPicPr>
-            <a:picLocks noChangeAspect="1"/>
-          </p:cNvPicPr>
-          <p:nvPr/>
-        </p:nvPicPr>
-        <p:blipFill>
-          <a:blip r:embed="rId5"/>
-          <a:stretch>
-            <a:fillRect/>
-          </a:stretch>
-        </p:blipFill>
-        <p:spPr>
-          <a:xfrm>
-            <a:off x="2375727" y="3421121"/>
-            <a:ext cx="2028027" cy="1595825"/>
-          </a:xfrm>
-          <a:prstGeom prst="rect">
-            <a:avLst/>
-          </a:prstGeom>
-        </p:spPr>
-      </p:pic>
-      <p:pic>
-        <p:nvPicPr>
-          <p:cNvPr id="11" name="그림 10"/>
-          <p:cNvPicPr>
-            <a:picLocks noChangeAspect="1"/>
-          </p:cNvPicPr>
-          <p:nvPr/>
-        </p:nvPicPr>
-        <p:blipFill>
-          <a:blip r:embed="rId6"/>
-          <a:stretch>
-            <a:fillRect/>
-          </a:stretch>
-        </p:blipFill>
-        <p:spPr>
-          <a:xfrm>
-            <a:off x="4541939" y="1825625"/>
-            <a:ext cx="2115803" cy="1605092"/>
-          </a:xfrm>
-          <a:prstGeom prst="rect">
-            <a:avLst/>
-          </a:prstGeom>
-        </p:spPr>
-      </p:pic>
-      <p:pic>
-        <p:nvPicPr>
-          <p:cNvPr id="12" name="그림 11"/>
-          <p:cNvPicPr>
-            <a:picLocks noChangeAspect="1"/>
-          </p:cNvPicPr>
-          <p:nvPr/>
-        </p:nvPicPr>
-        <p:blipFill>
-          <a:blip r:embed="rId7"/>
-          <a:stretch>
-            <a:fillRect/>
-          </a:stretch>
-        </p:blipFill>
-        <p:spPr>
-          <a:xfrm>
-            <a:off x="4541937" y="3411196"/>
-            <a:ext cx="2115803" cy="1605092"/>
-          </a:xfrm>
-          <a:prstGeom prst="rect">
-            <a:avLst/>
-          </a:prstGeom>
-        </p:spPr>
-      </p:pic>
-      <p:pic>
-        <p:nvPicPr>
-          <p:cNvPr id="17" name="그림 16"/>
-          <p:cNvPicPr>
-            <a:picLocks noChangeAspect="1"/>
-          </p:cNvPicPr>
-          <p:nvPr/>
-        </p:nvPicPr>
-        <p:blipFill>
-          <a:blip r:embed="rId8"/>
-          <a:stretch>
-            <a:fillRect/>
-          </a:stretch>
-        </p:blipFill>
-        <p:spPr>
-          <a:xfrm>
-            <a:off x="6795921" y="1825625"/>
-            <a:ext cx="1967484" cy="1581014"/>
-          </a:xfrm>
-          <a:prstGeom prst="rect">
-            <a:avLst/>
-          </a:prstGeom>
-        </p:spPr>
-      </p:pic>
-      <p:pic>
-        <p:nvPicPr>
-          <p:cNvPr id="18" name="그림 17"/>
-          <p:cNvPicPr>
-            <a:picLocks noChangeAspect="1"/>
-          </p:cNvPicPr>
-          <p:nvPr/>
-        </p:nvPicPr>
-        <p:blipFill>
-          <a:blip r:embed="rId9"/>
-          <a:stretch>
-            <a:fillRect/>
-          </a:stretch>
-        </p:blipFill>
-        <p:spPr>
-          <a:xfrm>
-            <a:off x="6795921" y="3400918"/>
-            <a:ext cx="1967484" cy="1581014"/>
+            <a:off x="6158789" y="1055802"/>
+            <a:ext cx="4097575" cy="5253435"/>
           </a:xfrm>
           <a:prstGeom prst="rect">
             <a:avLst/>
@@ -4686,7 +6380,7 @@
     </p:spTree>
     <p:extLst>
       <p:ext uri="{BB962C8B-B14F-4D97-AF65-F5344CB8AC3E}">
-        <p14:creationId xmlns:p14="http://schemas.microsoft.com/office/powerpoint/2010/main" val="185557398"/>
+        <p14:creationId xmlns:p14="http://schemas.microsoft.com/office/powerpoint/2010/main" val="2705935968"/>
       </p:ext>
     </p:extLst>
   </p:cSld>
@@ -4728,19 +6422,289 @@
           <a:bodyPr/>
           <a:lstStyle/>
           <a:p>
-            <a:endParaRPr lang="ko-KR" altLang="en-US"/>
+            <a:r>
+              <a:rPr lang="ko-KR" altLang="en-US" dirty="0" smtClean="0"/>
+              <a:t>배경색 찾기</a:t>
+            </a:r>
+            <a:endParaRPr lang="ko-KR" altLang="en-US" dirty="0"/>
+          </a:p>
+        </p:txBody>
+      </p:sp>
+      <p:sp>
+        <p:nvSpPr>
+          <p:cNvPr id="3" name="내용 개체 틀 2"/>
+          <p:cNvSpPr>
+            <a:spLocks noGrp="1"/>
+          </p:cNvSpPr>
+          <p:nvPr>
+            <p:ph idx="1"/>
+          </p:nvPr>
+        </p:nvSpPr>
+        <p:spPr/>
+        <p:txBody>
+          <a:bodyPr/>
+          <a:lstStyle/>
+          <a:p>
+            <a:r>
+              <a:rPr lang="ko-KR" altLang="en-US" dirty="0" smtClean="0"/>
+              <a:t>녹색에 흰 글씨 </a:t>
+            </a:r>
+            <a:r>
+              <a:rPr lang="en-US" altLang="ko-KR" dirty="0" smtClean="0"/>
+              <a:t>/ </a:t>
+            </a:r>
+            <a:r>
+              <a:rPr lang="ko-KR" altLang="en-US" dirty="0" smtClean="0"/>
+              <a:t>흰 바탕에 검은 글씨</a:t>
+            </a:r>
+            <a:endParaRPr lang="en-US" altLang="ko-KR" dirty="0" smtClean="0"/>
+          </a:p>
+          <a:p>
+            <a:r>
+              <a:rPr lang="en-US" altLang="ko-KR" dirty="0" err="1" smtClean="0"/>
+              <a:t>Rect</a:t>
+            </a:r>
+            <a:r>
+              <a:rPr lang="ko-KR" altLang="en-US" dirty="0" smtClean="0"/>
+              <a:t>를 분석해서 녹색 성분을 가지고 있으면 </a:t>
+            </a:r>
+            <a:r>
+              <a:rPr lang="ko-KR" altLang="en-US" dirty="0" err="1" smtClean="0"/>
+              <a:t>녹색바탕</a:t>
+            </a:r>
+            <a:r>
+              <a:rPr lang="en-US" altLang="ko-KR" dirty="0" smtClean="0"/>
+              <a:t/>
+            </a:r>
+            <a:br>
+              <a:rPr lang="en-US" altLang="ko-KR" dirty="0" smtClean="0"/>
+            </a:br>
+            <a:r>
+              <a:rPr lang="en-US" altLang="ko-KR" dirty="0" smtClean="0"/>
+              <a:t>(20%</a:t>
+            </a:r>
+            <a:r>
+              <a:rPr lang="ko-KR" altLang="en-US" dirty="0" smtClean="0"/>
+              <a:t>이상 가진 </a:t>
+            </a:r>
+            <a:r>
+              <a:rPr lang="en-US" altLang="ko-KR" dirty="0" err="1" smtClean="0"/>
+              <a:t>rect</a:t>
+            </a:r>
+            <a:r>
+              <a:rPr lang="ko-KR" altLang="en-US" dirty="0" smtClean="0"/>
+              <a:t>이 있으면 </a:t>
+            </a:r>
+            <a:r>
+              <a:rPr lang="ko-KR" altLang="en-US" dirty="0" err="1" smtClean="0"/>
+              <a:t>녹색바탕</a:t>
+            </a:r>
+            <a:r>
+              <a:rPr lang="en-US" altLang="ko-KR" dirty="0" smtClean="0"/>
+              <a:t>)</a:t>
+            </a:r>
+          </a:p>
+          <a:p>
+            <a:endParaRPr lang="en-US" altLang="ko-KR" dirty="0" smtClean="0"/>
+          </a:p>
+          <a:p>
+            <a:endParaRPr lang="ko-KR" altLang="en-US" dirty="0"/>
+          </a:p>
+        </p:txBody>
+      </p:sp>
+    </p:spTree>
+    <p:extLst>
+      <p:ext uri="{BB962C8B-B14F-4D97-AF65-F5344CB8AC3E}">
+        <p14:creationId xmlns:p14="http://schemas.microsoft.com/office/powerpoint/2010/main" val="1907017134"/>
+      </p:ext>
+    </p:extLst>
+  </p:cSld>
+  <p:clrMapOvr>
+    <a:masterClrMapping/>
+  </p:clrMapOvr>
+</p:sld>
+</file>
+
+<file path=ppt/slides/slide9.xml><?xml version="1.0" encoding="utf-8"?>
+<p:sld xmlns:a="http://schemas.openxmlformats.org/drawingml/2006/main" xmlns:r="http://schemas.openxmlformats.org/officeDocument/2006/relationships" xmlns:p="http://schemas.openxmlformats.org/presentationml/2006/main">
+  <p:cSld>
+    <p:spTree>
+      <p:nvGrpSpPr>
+        <p:cNvPr id="1" name=""/>
+        <p:cNvGrpSpPr/>
+        <p:nvPr/>
+      </p:nvGrpSpPr>
+      <p:grpSpPr>
+        <a:xfrm>
+          <a:off x="0" y="0"/>
+          <a:ext cx="0" cy="0"/>
+          <a:chOff x="0" y="0"/>
+          <a:chExt cx="0" cy="0"/>
+        </a:xfrm>
+      </p:grpSpPr>
+      <p:sp>
+        <p:nvSpPr>
+          <p:cNvPr id="2" name="제목 1"/>
+          <p:cNvSpPr>
+            <a:spLocks noGrp="1"/>
+          </p:cNvSpPr>
+          <p:nvPr>
+            <p:ph type="title"/>
+          </p:nvPr>
+        </p:nvSpPr>
+        <p:spPr/>
+        <p:txBody>
+          <a:bodyPr/>
+          <a:lstStyle/>
+          <a:p>
+            <a:r>
+              <a:rPr lang="en-US" altLang="ko-KR" dirty="0" smtClean="0"/>
+              <a:t>Flood fill</a:t>
+            </a:r>
+            <a:endParaRPr lang="ko-KR" altLang="en-US" dirty="0"/>
+          </a:p>
+        </p:txBody>
+      </p:sp>
+      <p:sp>
+        <p:nvSpPr>
+          <p:cNvPr id="3" name="내용 개체 틀 2"/>
+          <p:cNvSpPr>
+            <a:spLocks noGrp="1"/>
+          </p:cNvSpPr>
+          <p:nvPr>
+            <p:ph idx="1"/>
+          </p:nvPr>
+        </p:nvSpPr>
+        <p:spPr>
+          <a:xfrm>
+            <a:off x="838200" y="1425771"/>
+            <a:ext cx="10515600" cy="2454144"/>
+          </a:xfrm>
+        </p:spPr>
+        <p:txBody>
+          <a:bodyPr>
+            <a:normAutofit/>
+          </a:bodyPr>
+          <a:lstStyle/>
+          <a:p>
+            <a:r>
+              <a:rPr lang="ko-KR" altLang="en-US" dirty="0" smtClean="0"/>
+              <a:t>먼저 번호판 테두리</a:t>
+            </a:r>
+            <a:endParaRPr lang="en-US" altLang="ko-KR" dirty="0" smtClean="0"/>
+          </a:p>
+          <a:p>
+            <a:r>
+              <a:rPr lang="ko-KR" altLang="en-US" dirty="0" smtClean="0"/>
+              <a:t>맨 </a:t>
+            </a:r>
+            <a:r>
+              <a:rPr lang="ko-KR" altLang="en-US" dirty="0" smtClean="0"/>
+              <a:t>왼쪽 </a:t>
+            </a:r>
+            <a:r>
+              <a:rPr lang="en-US" altLang="ko-KR" dirty="0" err="1" smtClean="0"/>
+              <a:t>rect</a:t>
+            </a:r>
+            <a:r>
+              <a:rPr lang="ko-KR" altLang="en-US" dirty="0" smtClean="0"/>
+              <a:t>과 맨 오른쪽 </a:t>
+            </a:r>
+            <a:r>
+              <a:rPr lang="en-US" altLang="ko-KR" dirty="0" err="1" smtClean="0"/>
+              <a:t>rect</a:t>
+            </a:r>
+            <a:r>
+              <a:rPr lang="ko-KR" altLang="en-US" dirty="0" smtClean="0"/>
+              <a:t>의 배경의 </a:t>
+            </a:r>
+            <a:r>
+              <a:rPr lang="en-US" altLang="ko-KR" dirty="0" smtClean="0"/>
+              <a:t>point</a:t>
+            </a:r>
+            <a:r>
+              <a:rPr lang="ko-KR" altLang="en-US" dirty="0" smtClean="0"/>
+              <a:t>들을 얻고</a:t>
+            </a:r>
+            <a:r>
+              <a:rPr lang="en-US" altLang="ko-KR" dirty="0" smtClean="0"/>
+              <a:t>, </a:t>
+            </a:r>
+            <a:r>
+              <a:rPr lang="ko-KR" altLang="en-US" dirty="0" smtClean="0"/>
+              <a:t>이들을 원본 이미지의 좌표로 변환</a:t>
+            </a:r>
+            <a:r>
+              <a:rPr lang="en-US" altLang="ko-KR" dirty="0" smtClean="0"/>
+              <a:t>.</a:t>
+            </a:r>
+            <a:r>
+              <a:rPr lang="ko-KR" altLang="en-US" dirty="0" smtClean="0"/>
+              <a:t>각 </a:t>
+            </a:r>
+            <a:r>
+              <a:rPr lang="en-US" altLang="ko-KR" dirty="0" smtClean="0"/>
+              <a:t>4</a:t>
+            </a:r>
+            <a:r>
+              <a:rPr lang="ko-KR" altLang="en-US" dirty="0" smtClean="0"/>
+              <a:t>점 총 </a:t>
+            </a:r>
+            <a:r>
+              <a:rPr lang="en-US" altLang="ko-KR" dirty="0" smtClean="0"/>
+              <a:t>8</a:t>
+            </a:r>
+            <a:r>
+              <a:rPr lang="ko-KR" altLang="en-US" dirty="0" smtClean="0"/>
+              <a:t>점에 대하 </a:t>
+            </a:r>
+            <a:r>
+              <a:rPr lang="en-US" altLang="ko-KR" dirty="0" smtClean="0"/>
+              <a:t>flood fill </a:t>
+            </a:r>
+            <a:r>
+              <a:rPr lang="ko-KR" altLang="en-US" dirty="0" smtClean="0"/>
+              <a:t>실행</a:t>
+            </a:r>
+            <a:r>
+              <a:rPr lang="en-US" altLang="ko-KR" dirty="0" smtClean="0"/>
+              <a:t>.</a:t>
+            </a:r>
+          </a:p>
+          <a:p>
+            <a:r>
+              <a:rPr lang="en-US" altLang="ko-KR" dirty="0" smtClean="0"/>
+              <a:t>    </a:t>
+            </a:r>
+            <a:r>
+              <a:rPr lang="ko-KR" altLang="en-US" dirty="0" smtClean="0"/>
+              <a:t>검증은</a:t>
+            </a:r>
+            <a:r>
+              <a:rPr lang="en-US" altLang="ko-KR" dirty="0" smtClean="0"/>
+              <a:t>?</a:t>
+            </a:r>
+          </a:p>
+          <a:p>
+            <a:r>
+              <a:rPr lang="ko-KR" altLang="en-US" dirty="0" smtClean="0"/>
+              <a:t>일단 해보고 실패하는 경우를 분석해보자</a:t>
+            </a:r>
+            <a:r>
+              <a:rPr lang="en-US" altLang="ko-KR" dirty="0" smtClean="0"/>
+              <a:t>. </a:t>
+            </a:r>
+            <a:endParaRPr lang="en-US" altLang="ko-KR" dirty="0"/>
           </a:p>
         </p:txBody>
       </p:sp>
       <p:pic>
         <p:nvPicPr>
-          <p:cNvPr id="13" name="내용 개체 틀 12"/>
+          <p:cNvPr id="4" name="그림 3"/>
           <p:cNvPicPr>
-            <a:picLocks noGrp="1" noChangeAspect="1"/>
+            <a:picLocks noChangeAspect="1"/>
           </p:cNvPicPr>
-          <p:nvPr>
-            <p:ph idx="1"/>
-          </p:nvPr>
+          <p:nvPr/>
         </p:nvPicPr>
         <p:blipFill>
           <a:blip r:embed="rId2"/>
@@ -4750,120 +6714,24 @@
         </p:blipFill>
         <p:spPr>
           <a:xfrm>
-            <a:off x="491875" y="4870968"/>
-            <a:ext cx="2531129" cy="1712632"/>
+            <a:off x="931760" y="3879915"/>
+            <a:ext cx="1575770" cy="2624701"/>
           </a:xfrm>
           <a:prstGeom prst="rect">
             <a:avLst/>
           </a:prstGeom>
         </p:spPr>
       </p:pic>
-      <p:pic>
-        <p:nvPicPr>
-          <p:cNvPr id="10" name="그림 9"/>
-          <p:cNvPicPr>
-            <a:picLocks noChangeAspect="1"/>
-          </p:cNvPicPr>
-          <p:nvPr/>
-        </p:nvPicPr>
-        <p:blipFill>
-          <a:blip r:embed="rId3"/>
-          <a:stretch>
-            <a:fillRect/>
-          </a:stretch>
-        </p:blipFill>
-        <p:spPr>
-          <a:xfrm>
-            <a:off x="425002" y="563889"/>
-            <a:ext cx="2837933" cy="1938192"/>
-          </a:xfrm>
-          <a:prstGeom prst="rect">
-            <a:avLst/>
-          </a:prstGeom>
-        </p:spPr>
-      </p:pic>
-      <p:pic>
-        <p:nvPicPr>
-          <p:cNvPr id="11" name="그림 10"/>
-          <p:cNvPicPr>
-            <a:picLocks noChangeAspect="1"/>
-          </p:cNvPicPr>
-          <p:nvPr/>
-        </p:nvPicPr>
-        <p:blipFill>
-          <a:blip r:embed="rId4"/>
-          <a:stretch>
-            <a:fillRect/>
-          </a:stretch>
-        </p:blipFill>
-        <p:spPr>
-          <a:xfrm>
-            <a:off x="425002" y="2773830"/>
-            <a:ext cx="2598002" cy="1597040"/>
-          </a:xfrm>
-          <a:prstGeom prst="rect">
-            <a:avLst/>
-          </a:prstGeom>
-        </p:spPr>
-      </p:pic>
-      <p:pic>
-        <p:nvPicPr>
-          <p:cNvPr id="12" name="그림 11"/>
-          <p:cNvPicPr>
-            <a:picLocks noChangeAspect="1"/>
-          </p:cNvPicPr>
-          <p:nvPr/>
-        </p:nvPicPr>
-        <p:blipFill>
-          <a:blip r:embed="rId5"/>
-          <a:stretch>
-            <a:fillRect/>
-          </a:stretch>
-        </p:blipFill>
-        <p:spPr>
-          <a:xfrm>
-            <a:off x="3262935" y="2773830"/>
-            <a:ext cx="2684227" cy="1840720"/>
-          </a:xfrm>
-          <a:prstGeom prst="rect">
-            <a:avLst/>
-          </a:prstGeom>
-        </p:spPr>
-      </p:pic>
-      <p:pic>
-        <p:nvPicPr>
-          <p:cNvPr id="14" name="그림 13"/>
-          <p:cNvPicPr>
-            <a:picLocks noChangeAspect="1"/>
-          </p:cNvPicPr>
-          <p:nvPr/>
-        </p:nvPicPr>
-        <p:blipFill>
-          <a:blip r:embed="rId6"/>
-          <a:stretch>
-            <a:fillRect/>
-          </a:stretch>
-        </p:blipFill>
-        <p:spPr>
-          <a:xfrm>
-            <a:off x="3262935" y="4926577"/>
-            <a:ext cx="2463041" cy="1657023"/>
-          </a:xfrm>
-          <a:prstGeom prst="rect">
-            <a:avLst/>
-          </a:prstGeom>
-        </p:spPr>
-      </p:pic>
-      <p:sp>
-        <p:nvSpPr>
-          <p:cNvPr id="15" name="TextBox 14"/>
+      <p:sp>
+        <p:nvSpPr>
+          <p:cNvPr id="5" name="TextBox 4"/>
           <p:cNvSpPr txBox="1"/>
           <p:nvPr/>
         </p:nvSpPr>
         <p:spPr>
           <a:xfrm>
-            <a:off x="6200384" y="2893512"/>
-            <a:ext cx="4759890" cy="646331"/>
+            <a:off x="2997724" y="3879915"/>
+            <a:ext cx="7532016" cy="646331"/>
           </a:xfrm>
           <a:prstGeom prst="rect">
             <a:avLst/>
@@ -4878,60 +6746,30 @@
           <a:p>
             <a:r>
               <a:rPr lang="ko-KR" altLang="en-US" dirty="0" smtClean="0"/>
-              <a:t>끊어진 경우</a:t>
-            </a:r>
-            <a:endParaRPr lang="en-US" altLang="ko-KR" dirty="0" smtClean="0"/>
-          </a:p>
-          <a:p>
-            <a:r>
-              <a:rPr lang="en-US" altLang="ko-KR" dirty="0" smtClean="0"/>
-              <a:t>-&gt; </a:t>
-            </a:r>
-            <a:r>
-              <a:rPr lang="ko-KR" altLang="en-US" dirty="0" smtClean="0"/>
-              <a:t>한번 더 나아가면 해결됨</a:t>
+              <a:t>오른쪽이나 </a:t>
+            </a:r>
+            <a:r>
+              <a:rPr lang="ko-KR" altLang="en-US" smtClean="0"/>
+              <a:t>왼쪽에 왼쪽 그림과 </a:t>
+            </a:r>
+            <a:r>
+              <a:rPr lang="ko-KR" altLang="en-US" dirty="0" smtClean="0"/>
+              <a:t>같이 잘못된 </a:t>
+            </a:r>
+            <a:r>
+              <a:rPr lang="en-US" altLang="ko-KR" dirty="0" err="1" smtClean="0"/>
+              <a:t>rect</a:t>
+            </a:r>
+            <a:r>
+              <a:rPr lang="ko-KR" altLang="en-US" dirty="0" smtClean="0"/>
+              <a:t>이 잡혔을 수도 있다</a:t>
             </a:r>
             <a:r>
               <a:rPr lang="en-US" altLang="ko-KR" dirty="0" smtClean="0"/>
               <a:t>.</a:t>
             </a:r>
-            <a:endParaRPr lang="ko-KR" altLang="en-US" dirty="0"/>
-          </a:p>
-        </p:txBody>
-      </p:sp>
-      <p:sp>
-        <p:nvSpPr>
-          <p:cNvPr id="16" name="TextBox 15"/>
-          <p:cNvSpPr txBox="1"/>
-          <p:nvPr/>
-        </p:nvSpPr>
-        <p:spPr>
-          <a:xfrm>
-            <a:off x="6096000" y="5157873"/>
-            <a:ext cx="4759890" cy="646331"/>
-          </a:xfrm>
-          <a:prstGeom prst="rect">
-            <a:avLst/>
-          </a:prstGeom>
-          <a:noFill/>
-        </p:spPr>
-        <p:txBody>
-          <a:bodyPr wrap="square" rtlCol="0">
-            <a:spAutoFit/>
-          </a:bodyPr>
-          <a:lstStyle/>
-          <a:p>
-            <a:r>
-              <a:rPr lang="ko-KR" altLang="en-US" dirty="0" smtClean="0"/>
-              <a:t>끊어진 경우</a:t>
-            </a:r>
-            <a:endParaRPr lang="en-US" altLang="ko-KR" dirty="0" smtClean="0"/>
-          </a:p>
-          <a:p>
-            <a:r>
-              <a:rPr lang="en-US" altLang="ko-KR" dirty="0" smtClean="0"/>
-              <a:t>-&gt;</a:t>
-            </a:r>
+          </a:p>
+          <a:p>
             <a:endParaRPr lang="ko-KR" altLang="en-US" dirty="0"/>
           </a:p>
         </p:txBody>
@@ -4939,7 +6777,7 @@
     </p:spTree>
     <p:extLst>
       <p:ext uri="{BB962C8B-B14F-4D97-AF65-F5344CB8AC3E}">
-        <p14:creationId xmlns:p14="http://schemas.microsoft.com/office/powerpoint/2010/main" val="1115882932"/>
+        <p14:creationId xmlns:p14="http://schemas.microsoft.com/office/powerpoint/2010/main" val="1841601498"/>
       </p:ext>
     </p:extLst>
   </p:cSld>

--- a/dewarp_test.pptx
+++ b/dewarp_test.pptx
@@ -17,9 +17,9 @@
     <p:sldId id="271" r:id="rId11"/>
     <p:sldId id="264" r:id="rId12"/>
     <p:sldId id="265" r:id="rId13"/>
-    <p:sldId id="277" r:id="rId14"/>
-    <p:sldId id="276" r:id="rId15"/>
-    <p:sldId id="275" r:id="rId16"/>
+    <p:sldId id="275" r:id="rId14"/>
+    <p:sldId id="277" r:id="rId15"/>
+    <p:sldId id="276" r:id="rId16"/>
     <p:sldId id="259" r:id="rId17"/>
     <p:sldId id="260" r:id="rId18"/>
     <p:sldId id="261" r:id="rId19"/>
@@ -262,7 +262,7 @@
           <a:p>
             <a:fld id="{FFA48334-CC2E-4E12-A8FB-B0EA3BD88E8D}" type="datetimeFigureOut">
               <a:rPr lang="ko-KR" altLang="en-US" smtClean="0"/>
-              <a:t>2019-12-09</a:t>
+              <a:t>2019-12-11</a:t>
             </a:fld>
             <a:endParaRPr lang="ko-KR" altLang="en-US"/>
           </a:p>
@@ -432,7 +432,7 @@
           <a:p>
             <a:fld id="{FFA48334-CC2E-4E12-A8FB-B0EA3BD88E8D}" type="datetimeFigureOut">
               <a:rPr lang="ko-KR" altLang="en-US" smtClean="0"/>
-              <a:t>2019-12-09</a:t>
+              <a:t>2019-12-11</a:t>
             </a:fld>
             <a:endParaRPr lang="ko-KR" altLang="en-US"/>
           </a:p>
@@ -612,7 +612,7 @@
           <a:p>
             <a:fld id="{FFA48334-CC2E-4E12-A8FB-B0EA3BD88E8D}" type="datetimeFigureOut">
               <a:rPr lang="ko-KR" altLang="en-US" smtClean="0"/>
-              <a:t>2019-12-09</a:t>
+              <a:t>2019-12-11</a:t>
             </a:fld>
             <a:endParaRPr lang="ko-KR" altLang="en-US"/>
           </a:p>
@@ -782,7 +782,7 @@
           <a:p>
             <a:fld id="{FFA48334-CC2E-4E12-A8FB-B0EA3BD88E8D}" type="datetimeFigureOut">
               <a:rPr lang="ko-KR" altLang="en-US" smtClean="0"/>
-              <a:t>2019-12-09</a:t>
+              <a:t>2019-12-11</a:t>
             </a:fld>
             <a:endParaRPr lang="ko-KR" altLang="en-US"/>
           </a:p>
@@ -1028,7 +1028,7 @@
           <a:p>
             <a:fld id="{FFA48334-CC2E-4E12-A8FB-B0EA3BD88E8D}" type="datetimeFigureOut">
               <a:rPr lang="ko-KR" altLang="en-US" smtClean="0"/>
-              <a:t>2019-12-09</a:t>
+              <a:t>2019-12-11</a:t>
             </a:fld>
             <a:endParaRPr lang="ko-KR" altLang="en-US"/>
           </a:p>
@@ -1260,7 +1260,7 @@
           <a:p>
             <a:fld id="{FFA48334-CC2E-4E12-A8FB-B0EA3BD88E8D}" type="datetimeFigureOut">
               <a:rPr lang="ko-KR" altLang="en-US" smtClean="0"/>
-              <a:t>2019-12-09</a:t>
+              <a:t>2019-12-11</a:t>
             </a:fld>
             <a:endParaRPr lang="ko-KR" altLang="en-US"/>
           </a:p>
@@ -1627,7 +1627,7 @@
           <a:p>
             <a:fld id="{FFA48334-CC2E-4E12-A8FB-B0EA3BD88E8D}" type="datetimeFigureOut">
               <a:rPr lang="ko-KR" altLang="en-US" smtClean="0"/>
-              <a:t>2019-12-09</a:t>
+              <a:t>2019-12-11</a:t>
             </a:fld>
             <a:endParaRPr lang="ko-KR" altLang="en-US"/>
           </a:p>
@@ -1745,7 +1745,7 @@
           <a:p>
             <a:fld id="{FFA48334-CC2E-4E12-A8FB-B0EA3BD88E8D}" type="datetimeFigureOut">
               <a:rPr lang="ko-KR" altLang="en-US" smtClean="0"/>
-              <a:t>2019-12-09</a:t>
+              <a:t>2019-12-11</a:t>
             </a:fld>
             <a:endParaRPr lang="ko-KR" altLang="en-US"/>
           </a:p>
@@ -1840,7 +1840,7 @@
           <a:p>
             <a:fld id="{FFA48334-CC2E-4E12-A8FB-B0EA3BD88E8D}" type="datetimeFigureOut">
               <a:rPr lang="ko-KR" altLang="en-US" smtClean="0"/>
-              <a:t>2019-12-09</a:t>
+              <a:t>2019-12-11</a:t>
             </a:fld>
             <a:endParaRPr lang="ko-KR" altLang="en-US"/>
           </a:p>
@@ -2117,7 +2117,7 @@
           <a:p>
             <a:fld id="{FFA48334-CC2E-4E12-A8FB-B0EA3BD88E8D}" type="datetimeFigureOut">
               <a:rPr lang="ko-KR" altLang="en-US" smtClean="0"/>
-              <a:t>2019-12-09</a:t>
+              <a:t>2019-12-11</a:t>
             </a:fld>
             <a:endParaRPr lang="ko-KR" altLang="en-US"/>
           </a:p>
@@ -2370,7 +2370,7 @@
           <a:p>
             <a:fld id="{FFA48334-CC2E-4E12-A8FB-B0EA3BD88E8D}" type="datetimeFigureOut">
               <a:rPr lang="ko-KR" altLang="en-US" smtClean="0"/>
-              <a:t>2019-12-09</a:t>
+              <a:t>2019-12-11</a:t>
             </a:fld>
             <a:endParaRPr lang="ko-KR" altLang="en-US"/>
           </a:p>
@@ -2583,7 +2583,7 @@
           <a:p>
             <a:fld id="{FFA48334-CC2E-4E12-A8FB-B0EA3BD88E8D}" type="datetimeFigureOut">
               <a:rPr lang="ko-KR" altLang="en-US" smtClean="0"/>
-              <a:t>2019-12-09</a:t>
+              <a:t>2019-12-11</a:t>
             </a:fld>
             <a:endParaRPr lang="ko-KR" altLang="en-US"/>
           </a:p>
@@ -3449,15 +3449,32 @@
           </a:p>
         </p:txBody>
       </p:sp>
+      <p:sp>
+        <p:nvSpPr>
+          <p:cNvPr id="3" name="내용 개체 틀 2"/>
+          <p:cNvSpPr>
+            <a:spLocks noGrp="1"/>
+          </p:cNvSpPr>
+          <p:nvPr>
+            <p:ph idx="1"/>
+          </p:nvPr>
+        </p:nvSpPr>
+        <p:spPr/>
+        <p:txBody>
+          <a:bodyPr/>
+          <a:lstStyle/>
+          <a:p>
+            <a:endParaRPr lang="ko-KR" altLang="en-US"/>
+          </a:p>
+        </p:txBody>
+      </p:sp>
       <p:pic>
         <p:nvPicPr>
-          <p:cNvPr id="4" name="내용 개체 틀 3"/>
+          <p:cNvPr id="4" name="그림 3"/>
           <p:cNvPicPr>
-            <a:picLocks noGrp="1" noChangeAspect="1"/>
+            <a:picLocks noChangeAspect="1"/>
           </p:cNvPicPr>
-          <p:nvPr>
-            <p:ph idx="1"/>
-          </p:nvPr>
+          <p:nvPr/>
         </p:nvPicPr>
         <p:blipFill>
           <a:blip r:embed="rId2"/>
@@ -3467,8 +3484,8 @@
         </p:blipFill>
         <p:spPr>
           <a:xfrm>
-            <a:off x="3454264" y="2153349"/>
-            <a:ext cx="5283472" cy="3695890"/>
+            <a:off x="2031791" y="1165108"/>
+            <a:ext cx="8128418" cy="4527783"/>
           </a:xfrm>
           <a:prstGeom prst="rect">
             <a:avLst/>
@@ -3478,7 +3495,7 @@
     </p:spTree>
     <p:extLst>
       <p:ext uri="{BB962C8B-B14F-4D97-AF65-F5344CB8AC3E}">
-        <p14:creationId xmlns:p14="http://schemas.microsoft.com/office/powerpoint/2010/main" val="3125474884"/>
+        <p14:creationId xmlns:p14="http://schemas.microsoft.com/office/powerpoint/2010/main" val="3584440253"/>
       </p:ext>
     </p:extLst>
   </p:cSld>
@@ -3524,32 +3541,15 @@
           </a:p>
         </p:txBody>
       </p:sp>
-      <p:sp>
-        <p:nvSpPr>
-          <p:cNvPr id="3" name="내용 개체 틀 2"/>
-          <p:cNvSpPr>
-            <a:spLocks noGrp="1"/>
-          </p:cNvSpPr>
-          <p:nvPr>
-            <p:ph idx="1"/>
-          </p:nvPr>
-        </p:nvSpPr>
-        <p:spPr/>
-        <p:txBody>
-          <a:bodyPr/>
-          <a:lstStyle/>
-          <a:p>
-            <a:endParaRPr lang="ko-KR" altLang="en-US" dirty="0"/>
-          </a:p>
-        </p:txBody>
-      </p:sp>
       <p:pic>
         <p:nvPicPr>
-          <p:cNvPr id="4" name="그림 3"/>
+          <p:cNvPr id="4" name="내용 개체 틀 3"/>
           <p:cNvPicPr>
-            <a:picLocks noChangeAspect="1"/>
+            <a:picLocks noGrp="1" noChangeAspect="1"/>
           </p:cNvPicPr>
-          <p:nvPr/>
+          <p:nvPr>
+            <p:ph idx="1"/>
+          </p:nvPr>
         </p:nvPicPr>
         <p:blipFill>
           <a:blip r:embed="rId2"/>
@@ -3559,8 +3559,8 @@
         </p:blipFill>
         <p:spPr>
           <a:xfrm>
-            <a:off x="3428863" y="1552478"/>
-            <a:ext cx="5334274" cy="3753043"/>
+            <a:off x="3454264" y="2153349"/>
+            <a:ext cx="5283472" cy="3695890"/>
           </a:xfrm>
           <a:prstGeom prst="rect">
             <a:avLst/>
@@ -3570,7 +3570,7 @@
     </p:spTree>
     <p:extLst>
       <p:ext uri="{BB962C8B-B14F-4D97-AF65-F5344CB8AC3E}">
-        <p14:creationId xmlns:p14="http://schemas.microsoft.com/office/powerpoint/2010/main" val="1415975505"/>
+        <p14:creationId xmlns:p14="http://schemas.microsoft.com/office/powerpoint/2010/main" val="3125474884"/>
       </p:ext>
     </p:extLst>
   </p:cSld>
@@ -3631,7 +3631,7 @@
           <a:bodyPr/>
           <a:lstStyle/>
           <a:p>
-            <a:endParaRPr lang="ko-KR" altLang="en-US"/>
+            <a:endParaRPr lang="ko-KR" altLang="en-US" dirty="0"/>
           </a:p>
         </p:txBody>
       </p:sp>
@@ -3651,8 +3651,8 @@
         </p:blipFill>
         <p:spPr>
           <a:xfrm>
-            <a:off x="2031791" y="1165108"/>
-            <a:ext cx="8128418" cy="4527783"/>
+            <a:off x="3428863" y="1552478"/>
+            <a:ext cx="5334274" cy="3753043"/>
           </a:xfrm>
           <a:prstGeom prst="rect">
             <a:avLst/>
@@ -3662,7 +3662,7 @@
     </p:spTree>
     <p:extLst>
       <p:ext uri="{BB962C8B-B14F-4D97-AF65-F5344CB8AC3E}">
-        <p14:creationId xmlns:p14="http://schemas.microsoft.com/office/powerpoint/2010/main" val="3584440253"/>
+        <p14:creationId xmlns:p14="http://schemas.microsoft.com/office/powerpoint/2010/main" val="1415975505"/>
       </p:ext>
     </p:extLst>
   </p:cSld>
@@ -6596,11 +6596,7 @@
           <a:p>
             <a:r>
               <a:rPr lang="ko-KR" altLang="en-US" dirty="0" smtClean="0"/>
-              <a:t>맨 </a:t>
-            </a:r>
-            <a:r>
-              <a:rPr lang="ko-KR" altLang="en-US" dirty="0" smtClean="0"/>
-              <a:t>왼쪽 </a:t>
+              <a:t>맨 왼쪽 </a:t>
             </a:r>
             <a:r>
               <a:rPr lang="en-US" altLang="ko-KR" dirty="0" err="1" smtClean="0"/>
